--- a/Capstone/Capstone Presentation.pptx
+++ b/Capstone/Capstone Presentation.pptx
@@ -7,8 +7,8 @@
   <p:sldIdLst>
     <p:sldId id="256" r:id="rId2"/>
     <p:sldId id="257" r:id="rId3"/>
-    <p:sldId id="259" r:id="rId4"/>
-    <p:sldId id="262" r:id="rId5"/>
+    <p:sldId id="262" r:id="rId4"/>
+    <p:sldId id="259" r:id="rId5"/>
     <p:sldId id="261" r:id="rId6"/>
     <p:sldId id="264" r:id="rId7"/>
     <p:sldId id="268" r:id="rId8"/>
@@ -22,12 +22,12 @@
     <p:sldId id="273" r:id="rId16"/>
     <p:sldId id="274" r:id="rId17"/>
     <p:sldId id="275" r:id="rId18"/>
-    <p:sldId id="276" r:id="rId19"/>
-    <p:sldId id="277" r:id="rId20"/>
-    <p:sldId id="279" r:id="rId21"/>
-    <p:sldId id="281" r:id="rId22"/>
-    <p:sldId id="282" r:id="rId23"/>
-    <p:sldId id="283" r:id="rId24"/>
+    <p:sldId id="277" r:id="rId19"/>
+    <p:sldId id="279" r:id="rId20"/>
+    <p:sldId id="281" r:id="rId21"/>
+    <p:sldId id="282" r:id="rId22"/>
+    <p:sldId id="283" r:id="rId23"/>
+    <p:sldId id="290" r:id="rId24"/>
     <p:sldId id="284" r:id="rId25"/>
     <p:sldId id="285" r:id="rId26"/>
     <p:sldId id="286" r:id="rId27"/>
@@ -287,7 +287,7 @@
           <a:p>
             <a:fld id="{C9350701-2F3F-4A2F-80D4-4FEE0810A512}" type="datetimeFigureOut">
               <a:rPr lang="en-SG" smtClean="0"/>
-              <a:t>28/1/2021</a:t>
+              <a:t>26/3/2021</a:t>
             </a:fld>
             <a:endParaRPr lang="en-SG"/>
           </a:p>
@@ -487,7 +487,7 @@
           <a:p>
             <a:fld id="{C9350701-2F3F-4A2F-80D4-4FEE0810A512}" type="datetimeFigureOut">
               <a:rPr lang="en-SG" smtClean="0"/>
-              <a:t>28/1/2021</a:t>
+              <a:t>26/3/2021</a:t>
             </a:fld>
             <a:endParaRPr lang="en-SG"/>
           </a:p>
@@ -697,7 +697,7 @@
           <a:p>
             <a:fld id="{C9350701-2F3F-4A2F-80D4-4FEE0810A512}" type="datetimeFigureOut">
               <a:rPr lang="en-SG" smtClean="0"/>
-              <a:t>28/1/2021</a:t>
+              <a:t>26/3/2021</a:t>
             </a:fld>
             <a:endParaRPr lang="en-SG"/>
           </a:p>
@@ -897,7 +897,7 @@
           <a:p>
             <a:fld id="{C9350701-2F3F-4A2F-80D4-4FEE0810A512}" type="datetimeFigureOut">
               <a:rPr lang="en-SG" smtClean="0"/>
-              <a:t>28/1/2021</a:t>
+              <a:t>26/3/2021</a:t>
             </a:fld>
             <a:endParaRPr lang="en-SG"/>
           </a:p>
@@ -1173,7 +1173,7 @@
           <a:p>
             <a:fld id="{C9350701-2F3F-4A2F-80D4-4FEE0810A512}" type="datetimeFigureOut">
               <a:rPr lang="en-SG" smtClean="0"/>
-              <a:t>28/1/2021</a:t>
+              <a:t>26/3/2021</a:t>
             </a:fld>
             <a:endParaRPr lang="en-SG"/>
           </a:p>
@@ -1441,7 +1441,7 @@
           <a:p>
             <a:fld id="{C9350701-2F3F-4A2F-80D4-4FEE0810A512}" type="datetimeFigureOut">
               <a:rPr lang="en-SG" smtClean="0"/>
-              <a:t>28/1/2021</a:t>
+              <a:t>26/3/2021</a:t>
             </a:fld>
             <a:endParaRPr lang="en-SG"/>
           </a:p>
@@ -1856,7 +1856,7 @@
           <a:p>
             <a:fld id="{C9350701-2F3F-4A2F-80D4-4FEE0810A512}" type="datetimeFigureOut">
               <a:rPr lang="en-SG" smtClean="0"/>
-              <a:t>28/1/2021</a:t>
+              <a:t>26/3/2021</a:t>
             </a:fld>
             <a:endParaRPr lang="en-SG"/>
           </a:p>
@@ -1998,7 +1998,7 @@
           <a:p>
             <a:fld id="{C9350701-2F3F-4A2F-80D4-4FEE0810A512}" type="datetimeFigureOut">
               <a:rPr lang="en-SG" smtClean="0"/>
-              <a:t>28/1/2021</a:t>
+              <a:t>26/3/2021</a:t>
             </a:fld>
             <a:endParaRPr lang="en-SG"/>
           </a:p>
@@ -2111,7 +2111,7 @@
           <a:p>
             <a:fld id="{C9350701-2F3F-4A2F-80D4-4FEE0810A512}" type="datetimeFigureOut">
               <a:rPr lang="en-SG" smtClean="0"/>
-              <a:t>28/1/2021</a:t>
+              <a:t>26/3/2021</a:t>
             </a:fld>
             <a:endParaRPr lang="en-SG"/>
           </a:p>
@@ -2424,7 +2424,7 @@
           <a:p>
             <a:fld id="{C9350701-2F3F-4A2F-80D4-4FEE0810A512}" type="datetimeFigureOut">
               <a:rPr lang="en-SG" smtClean="0"/>
-              <a:t>28/1/2021</a:t>
+              <a:t>26/3/2021</a:t>
             </a:fld>
             <a:endParaRPr lang="en-SG"/>
           </a:p>
@@ -2713,7 +2713,7 @@
           <a:p>
             <a:fld id="{C9350701-2F3F-4A2F-80D4-4FEE0810A512}" type="datetimeFigureOut">
               <a:rPr lang="en-SG" smtClean="0"/>
-              <a:t>28/1/2021</a:t>
+              <a:t>26/3/2021</a:t>
             </a:fld>
             <a:endParaRPr lang="en-SG"/>
           </a:p>
@@ -2956,7 +2956,7 @@
           <a:p>
             <a:fld id="{C9350701-2F3F-4A2F-80D4-4FEE0810A512}" type="datetimeFigureOut">
               <a:rPr lang="en-SG" smtClean="0"/>
-              <a:t>28/1/2021</a:t>
+              <a:t>26/3/2021</a:t>
             </a:fld>
             <a:endParaRPr lang="en-SG"/>
           </a:p>
@@ -9675,58 +9675,6 @@
           </a:prstGeom>
         </p:spPr>
       </p:pic>
-      <p:sp>
-        <p:nvSpPr>
-          <p:cNvPr id="38" name="Oval 37">
-            <a:extLst>
-              <a:ext uri="{FF2B5EF4-FFF2-40B4-BE49-F238E27FC236}">
-                <a16:creationId xmlns:a16="http://schemas.microsoft.com/office/drawing/2014/main" id="{14A24B0A-F993-4F03-9C71-D0C06D4871D6}"/>
-              </a:ext>
-            </a:extLst>
-          </p:cNvPr>
-          <p:cNvSpPr/>
-          <p:nvPr/>
-        </p:nvSpPr>
-        <p:spPr>
-          <a:xfrm>
-            <a:off x="6478621" y="3825622"/>
-            <a:ext cx="296916" cy="396371"/>
-          </a:xfrm>
-          <a:prstGeom prst="ellipse">
-            <a:avLst/>
-          </a:prstGeom>
-          <a:noFill/>
-          <a:ln w="76200">
-            <a:solidFill>
-              <a:srgbClr val="FF0000"/>
-            </a:solidFill>
-          </a:ln>
-        </p:spPr>
-        <p:style>
-          <a:lnRef idx="2">
-            <a:schemeClr val="accent1">
-              <a:shade val="50000"/>
-            </a:schemeClr>
-          </a:lnRef>
-          <a:fillRef idx="1">
-            <a:schemeClr val="accent1"/>
-          </a:fillRef>
-          <a:effectRef idx="0">
-            <a:schemeClr val="accent1"/>
-          </a:effectRef>
-          <a:fontRef idx="minor">
-            <a:schemeClr val="lt1"/>
-          </a:fontRef>
-        </p:style>
-        <p:txBody>
-          <a:bodyPr rtlCol="0" anchor="ctr"/>
-          <a:lstStyle/>
-          <a:p>
-            <a:pPr algn="ctr"/>
-            <a:endParaRPr lang="en-SG"/>
-          </a:p>
-        </p:txBody>
-      </p:sp>
     </p:spTree>
     <p:extLst>
       <p:ext uri="{BB962C8B-B14F-4D97-AF65-F5344CB8AC3E}">
@@ -20465,2189 +20413,6 @@
         </p:nvSpPr>
         <p:spPr>
           <a:xfrm>
-            <a:off x="630936" y="251282"/>
-            <a:ext cx="4651076" cy="1951075"/>
-          </a:xfrm>
-          <a:prstGeom prst="rect">
-            <a:avLst/>
-          </a:prstGeom>
-          <a:noFill/>
-        </p:spPr>
-        <p:txBody>
-          <a:bodyPr vert="horz" lIns="91440" tIns="45720" rIns="91440" bIns="45720" rtlCol="0" anchor="t">
-            <a:normAutofit/>
-          </a:bodyPr>
-          <a:lstStyle>
-            <a:lvl1pPr marL="228600" indent="-228600" algn="l" defTabSz="914400" rtl="0" eaLnBrk="1" latinLnBrk="0" hangingPunct="1">
-              <a:lnSpc>
-                <a:spcPct val="90000"/>
-              </a:lnSpc>
-              <a:spcBef>
-                <a:spcPts val="1000"/>
-              </a:spcBef>
-              <a:buFont typeface="Arial" panose="020B0604020202020204" pitchFamily="34" charset="0"/>
-              <a:buChar char="•"/>
-              <a:defRPr sz="2800" kern="1200">
-                <a:solidFill>
-                  <a:schemeClr val="tx1"/>
-                </a:solidFill>
-                <a:latin typeface="+mn-lt"/>
-                <a:ea typeface="+mn-ea"/>
-                <a:cs typeface="+mn-cs"/>
-              </a:defRPr>
-            </a:lvl1pPr>
-            <a:lvl2pPr marL="685800" indent="-228600" algn="l" defTabSz="914400" rtl="0" eaLnBrk="1" latinLnBrk="0" hangingPunct="1">
-              <a:lnSpc>
-                <a:spcPct val="90000"/>
-              </a:lnSpc>
-              <a:spcBef>
-                <a:spcPts val="500"/>
-              </a:spcBef>
-              <a:buFont typeface="Arial" panose="020B0604020202020204" pitchFamily="34" charset="0"/>
-              <a:buChar char="•"/>
-              <a:defRPr sz="2400" kern="1200">
-                <a:solidFill>
-                  <a:schemeClr val="tx1"/>
-                </a:solidFill>
-                <a:latin typeface="+mn-lt"/>
-                <a:ea typeface="+mn-ea"/>
-                <a:cs typeface="+mn-cs"/>
-              </a:defRPr>
-            </a:lvl2pPr>
-            <a:lvl3pPr marL="1143000" indent="-228600" algn="l" defTabSz="914400" rtl="0" eaLnBrk="1" latinLnBrk="0" hangingPunct="1">
-              <a:lnSpc>
-                <a:spcPct val="90000"/>
-              </a:lnSpc>
-              <a:spcBef>
-                <a:spcPts val="500"/>
-              </a:spcBef>
-              <a:buFont typeface="Arial" panose="020B0604020202020204" pitchFamily="34" charset="0"/>
-              <a:buChar char="•"/>
-              <a:defRPr sz="2000" kern="1200">
-                <a:solidFill>
-                  <a:schemeClr val="tx1"/>
-                </a:solidFill>
-                <a:latin typeface="+mn-lt"/>
-                <a:ea typeface="+mn-ea"/>
-                <a:cs typeface="+mn-cs"/>
-              </a:defRPr>
-            </a:lvl3pPr>
-            <a:lvl4pPr marL="1600200" indent="-228600" algn="l" defTabSz="914400" rtl="0" eaLnBrk="1" latinLnBrk="0" hangingPunct="1">
-              <a:lnSpc>
-                <a:spcPct val="90000"/>
-              </a:lnSpc>
-              <a:spcBef>
-                <a:spcPts val="500"/>
-              </a:spcBef>
-              <a:buFont typeface="Arial" panose="020B0604020202020204" pitchFamily="34" charset="0"/>
-              <a:buChar char="•"/>
-              <a:defRPr sz="1800" kern="1200">
-                <a:solidFill>
-                  <a:schemeClr val="tx1"/>
-                </a:solidFill>
-                <a:latin typeface="+mn-lt"/>
-                <a:ea typeface="+mn-ea"/>
-                <a:cs typeface="+mn-cs"/>
-              </a:defRPr>
-            </a:lvl4pPr>
-            <a:lvl5pPr marL="2057400" indent="-228600" algn="l" defTabSz="914400" rtl="0" eaLnBrk="1" latinLnBrk="0" hangingPunct="1">
-              <a:lnSpc>
-                <a:spcPct val="90000"/>
-              </a:lnSpc>
-              <a:spcBef>
-                <a:spcPts val="500"/>
-              </a:spcBef>
-              <a:buFont typeface="Arial" panose="020B0604020202020204" pitchFamily="34" charset="0"/>
-              <a:buChar char="•"/>
-              <a:defRPr sz="1800" kern="1200">
-                <a:solidFill>
-                  <a:schemeClr val="tx1"/>
-                </a:solidFill>
-                <a:latin typeface="+mn-lt"/>
-                <a:ea typeface="+mn-ea"/>
-                <a:cs typeface="+mn-cs"/>
-              </a:defRPr>
-            </a:lvl5pPr>
-            <a:lvl6pPr marL="2514600" indent="-228600" algn="l" defTabSz="914400" rtl="0" eaLnBrk="1" latinLnBrk="0" hangingPunct="1">
-              <a:lnSpc>
-                <a:spcPct val="90000"/>
-              </a:lnSpc>
-              <a:spcBef>
-                <a:spcPts val="500"/>
-              </a:spcBef>
-              <a:buFont typeface="Arial" panose="020B0604020202020204" pitchFamily="34" charset="0"/>
-              <a:buChar char="•"/>
-              <a:defRPr sz="1800" kern="1200">
-                <a:solidFill>
-                  <a:schemeClr val="tx1"/>
-                </a:solidFill>
-                <a:latin typeface="+mn-lt"/>
-                <a:ea typeface="+mn-ea"/>
-                <a:cs typeface="+mn-cs"/>
-              </a:defRPr>
-            </a:lvl6pPr>
-            <a:lvl7pPr marL="2971800" indent="-228600" algn="l" defTabSz="914400" rtl="0" eaLnBrk="1" latinLnBrk="0" hangingPunct="1">
-              <a:lnSpc>
-                <a:spcPct val="90000"/>
-              </a:lnSpc>
-              <a:spcBef>
-                <a:spcPts val="500"/>
-              </a:spcBef>
-              <a:buFont typeface="Arial" panose="020B0604020202020204" pitchFamily="34" charset="0"/>
-              <a:buChar char="•"/>
-              <a:defRPr sz="1800" kern="1200">
-                <a:solidFill>
-                  <a:schemeClr val="tx1"/>
-                </a:solidFill>
-                <a:latin typeface="+mn-lt"/>
-                <a:ea typeface="+mn-ea"/>
-                <a:cs typeface="+mn-cs"/>
-              </a:defRPr>
-            </a:lvl7pPr>
-            <a:lvl8pPr marL="3429000" indent="-228600" algn="l" defTabSz="914400" rtl="0" eaLnBrk="1" latinLnBrk="0" hangingPunct="1">
-              <a:lnSpc>
-                <a:spcPct val="90000"/>
-              </a:lnSpc>
-              <a:spcBef>
-                <a:spcPts val="500"/>
-              </a:spcBef>
-              <a:buFont typeface="Arial" panose="020B0604020202020204" pitchFamily="34" charset="0"/>
-              <a:buChar char="•"/>
-              <a:defRPr sz="1800" kern="1200">
-                <a:solidFill>
-                  <a:schemeClr val="tx1"/>
-                </a:solidFill>
-                <a:latin typeface="+mn-lt"/>
-                <a:ea typeface="+mn-ea"/>
-                <a:cs typeface="+mn-cs"/>
-              </a:defRPr>
-            </a:lvl8pPr>
-            <a:lvl9pPr marL="3886200" indent="-228600" algn="l" defTabSz="914400" rtl="0" eaLnBrk="1" latinLnBrk="0" hangingPunct="1">
-              <a:lnSpc>
-                <a:spcPct val="90000"/>
-              </a:lnSpc>
-              <a:spcBef>
-                <a:spcPts val="500"/>
-              </a:spcBef>
-              <a:buFont typeface="Arial" panose="020B0604020202020204" pitchFamily="34" charset="0"/>
-              <a:buChar char="•"/>
-              <a:defRPr sz="1800" kern="1200">
-                <a:solidFill>
-                  <a:schemeClr val="tx1"/>
-                </a:solidFill>
-                <a:latin typeface="+mn-lt"/>
-                <a:ea typeface="+mn-ea"/>
-                <a:cs typeface="+mn-cs"/>
-              </a:defRPr>
-            </a:lvl9pPr>
-          </a:lstStyle>
-          <a:p>
-            <a:pPr marL="0" indent="0">
-              <a:spcBef>
-                <a:spcPct val="0"/>
-              </a:spcBef>
-              <a:spcAft>
-                <a:spcPts val="600"/>
-              </a:spcAft>
-              <a:buNone/>
-            </a:pPr>
-            <a:r>
-              <a:rPr lang="en-US" sz="4800" b="1" dirty="0">
-                <a:solidFill>
-                  <a:schemeClr val="bg1"/>
-                </a:solidFill>
-                <a:latin typeface="+mj-lt"/>
-                <a:ea typeface="+mj-ea"/>
-                <a:cs typeface="+mj-cs"/>
-              </a:rPr>
-              <a:t>SARIMA Model on Depth to SAL</a:t>
-            </a:r>
-          </a:p>
-        </p:txBody>
-      </p:sp>
-      <p:sp>
-        <p:nvSpPr>
-          <p:cNvPr id="14" name="Content Placeholder 13">
-            <a:extLst>
-              <a:ext uri="{FF2B5EF4-FFF2-40B4-BE49-F238E27FC236}">
-                <a16:creationId xmlns:a16="http://schemas.microsoft.com/office/drawing/2014/main" id="{26BC563D-E5AF-4C9E-A5DA-8FEC29D65FF3}"/>
-              </a:ext>
-            </a:extLst>
-          </p:cNvPr>
-          <p:cNvSpPr>
-            <a:spLocks noGrp="1"/>
-          </p:cNvSpPr>
-          <p:nvPr>
-            <p:ph idx="1"/>
-          </p:nvPr>
-        </p:nvSpPr>
-        <p:spPr>
-          <a:xfrm>
-            <a:off x="825746" y="1856993"/>
-            <a:ext cx="10778148" cy="4489341"/>
-          </a:xfrm>
-          <a:noFill/>
-        </p:spPr>
-        <p:txBody>
-          <a:bodyPr vert="horz" lIns="91440" tIns="45720" rIns="91440" bIns="45720" rtlCol="0" anchor="t">
-            <a:normAutofit/>
-          </a:bodyPr>
-          <a:lstStyle/>
-          <a:p>
-            <a:r>
-              <a:rPr lang="en-US" sz="1800" b="0" i="0" dirty="0">
-                <a:solidFill>
-                  <a:schemeClr val="bg1"/>
-                </a:solidFill>
-                <a:effectLst/>
-              </a:rPr>
-              <a:t>p-value for Dickey Fuller test: 0.00106 -&gt; fulfils stationarity condition</a:t>
-            </a:r>
-          </a:p>
-          <a:p>
-            <a:r>
-              <a:rPr lang="en-US" sz="1800" dirty="0">
-                <a:solidFill>
-                  <a:schemeClr val="bg1"/>
-                </a:solidFill>
-              </a:rPr>
-              <a:t>PACF and ACF plots -&gt; (p, d, q) is (2, 0, 0)</a:t>
-            </a:r>
-          </a:p>
-          <a:p>
-            <a:r>
-              <a:rPr lang="en-US" sz="1800" b="0" i="0" dirty="0">
-                <a:solidFill>
-                  <a:schemeClr val="bg1"/>
-                </a:solidFill>
-                <a:effectLst/>
-              </a:rPr>
-              <a:t>Seasonal order from </a:t>
-            </a:r>
-            <a:r>
-              <a:rPr lang="en-US" sz="1800" b="0" i="0" dirty="0" err="1">
-                <a:solidFill>
-                  <a:schemeClr val="bg1"/>
-                </a:solidFill>
-                <a:effectLst/>
-              </a:rPr>
-              <a:t>GridSearch</a:t>
-            </a:r>
-            <a:r>
-              <a:rPr lang="en-US" sz="1800" b="0" i="0" dirty="0">
-                <a:solidFill>
-                  <a:schemeClr val="bg1"/>
-                </a:solidFill>
-                <a:effectLst/>
-              </a:rPr>
-              <a:t> -&gt; (2, 0, 1, 52) </a:t>
-            </a:r>
-          </a:p>
-          <a:p>
-            <a:endParaRPr lang="en-US" sz="1800" dirty="0">
-              <a:solidFill>
-                <a:schemeClr val="bg1"/>
-              </a:solidFill>
-            </a:endParaRPr>
-          </a:p>
-          <a:p>
-            <a:endParaRPr lang="en-US" sz="1800" b="0" i="0" dirty="0">
-              <a:solidFill>
-                <a:schemeClr val="bg1"/>
-              </a:solidFill>
-              <a:effectLst/>
-            </a:endParaRPr>
-          </a:p>
-          <a:p>
-            <a:endParaRPr lang="en-US" sz="1800" dirty="0">
-              <a:solidFill>
-                <a:schemeClr val="bg1"/>
-              </a:solidFill>
-            </a:endParaRPr>
-          </a:p>
-          <a:p>
-            <a:endParaRPr lang="en-US" sz="1800" b="0" i="0" dirty="0">
-              <a:solidFill>
-                <a:schemeClr val="bg1"/>
-              </a:solidFill>
-              <a:effectLst/>
-            </a:endParaRPr>
-          </a:p>
-          <a:p>
-            <a:endParaRPr lang="en-US" sz="1800" dirty="0">
-              <a:solidFill>
-                <a:schemeClr val="bg1"/>
-              </a:solidFill>
-            </a:endParaRPr>
-          </a:p>
-          <a:p>
-            <a:endParaRPr lang="en-US" sz="1800" b="0" i="0" dirty="0">
-              <a:solidFill>
-                <a:schemeClr val="bg1"/>
-              </a:solidFill>
-              <a:effectLst/>
-            </a:endParaRPr>
-          </a:p>
-          <a:p>
-            <a:endParaRPr lang="en-US" sz="1800" dirty="0">
-              <a:solidFill>
-                <a:schemeClr val="bg1"/>
-              </a:solidFill>
-            </a:endParaRPr>
-          </a:p>
-          <a:p>
-            <a:endParaRPr lang="en-US" sz="1800" b="0" i="0" dirty="0">
-              <a:solidFill>
-                <a:schemeClr val="bg1"/>
-              </a:solidFill>
-              <a:effectLst/>
-            </a:endParaRPr>
-          </a:p>
-          <a:p>
-            <a:r>
-              <a:rPr lang="en-US" sz="1800" dirty="0">
-                <a:solidFill>
-                  <a:schemeClr val="bg1"/>
-                </a:solidFill>
-              </a:rPr>
-              <a:t>RMSE = 43cm and 68% of standard deviation </a:t>
-            </a:r>
-            <a:endParaRPr lang="en-US" sz="1800" b="0" i="0" dirty="0">
-              <a:solidFill>
-                <a:schemeClr val="bg1"/>
-              </a:solidFill>
-              <a:effectLst/>
-            </a:endParaRPr>
-          </a:p>
-          <a:p>
-            <a:endParaRPr lang="en-US" sz="1800" b="0" i="0" dirty="0">
-              <a:solidFill>
-                <a:schemeClr val="bg1"/>
-              </a:solidFill>
-              <a:effectLst/>
-            </a:endParaRPr>
-          </a:p>
-          <a:p>
-            <a:endParaRPr lang="en-US" sz="1800" dirty="0">
-              <a:solidFill>
-                <a:schemeClr val="bg1"/>
-              </a:solidFill>
-            </a:endParaRPr>
-          </a:p>
-        </p:txBody>
-      </p:sp>
-      <p:sp>
-        <p:nvSpPr>
-          <p:cNvPr id="31" name="Rectangle 30">
-            <a:extLst>
-              <a:ext uri="{FF2B5EF4-FFF2-40B4-BE49-F238E27FC236}">
-                <a16:creationId xmlns:a16="http://schemas.microsoft.com/office/drawing/2014/main" id="{B8114C98-A349-4111-A123-E8EAB86ABE30}"/>
-              </a:ext>
-              <a:ext uri="{C183D7F6-B498-43B3-948B-1728B52AA6E4}">
-                <adec:decorative xmlns:adec="http://schemas.microsoft.com/office/drawing/2017/decorative" val="1"/>
-              </a:ext>
-            </a:extLst>
-          </p:cNvPr>
-          <p:cNvSpPr>
-            <a:spLocks noGrp="1" noRot="1" noChangeAspect="1" noMove="1" noResize="1" noEditPoints="1" noAdjustHandles="1" noChangeArrowheads="1" noChangeShapeType="1" noTextEdit="1"/>
-          </p:cNvSpPr>
-          <p:nvPr>
-            <p:extLst>
-              <p:ext uri="{386F3935-93C4-4BCD-93E2-E3B085C9AB24}">
-                <p16:designElem xmlns:p16="http://schemas.microsoft.com/office/powerpoint/2015/main" val="1"/>
-              </p:ext>
-            </p:extLst>
-          </p:nvPr>
-        </p:nvSpPr>
-        <p:spPr>
-          <a:xfrm rot="16200000">
-            <a:off x="10438146" y="1042605"/>
-            <a:ext cx="2796461" cy="711252"/>
-          </a:xfrm>
-          <a:prstGeom prst="rect">
-            <a:avLst/>
-          </a:prstGeom>
-          <a:gradFill flip="none" rotWithShape="1">
-            <a:gsLst>
-              <a:gs pos="0">
-                <a:schemeClr val="tx2">
-                  <a:lumMod val="40000"/>
-                  <a:lumOff val="60000"/>
-                  <a:alpha val="0"/>
-                </a:schemeClr>
-              </a:gs>
-              <a:gs pos="100000">
-                <a:schemeClr val="tx2">
-                  <a:lumMod val="75000"/>
-                  <a:alpha val="10000"/>
-                </a:schemeClr>
-              </a:gs>
-            </a:gsLst>
-            <a:lin ang="8400000" scaled="0"/>
-            <a:tileRect/>
-          </a:gradFill>
-          <a:ln>
-            <a:noFill/>
-          </a:ln>
-        </p:spPr>
-        <p:style>
-          <a:lnRef idx="2">
-            <a:schemeClr val="accent1">
-              <a:shade val="50000"/>
-            </a:schemeClr>
-          </a:lnRef>
-          <a:fillRef idx="1">
-            <a:schemeClr val="accent1"/>
-          </a:fillRef>
-          <a:effectRef idx="0">
-            <a:schemeClr val="accent1"/>
-          </a:effectRef>
-          <a:fontRef idx="minor">
-            <a:schemeClr val="lt1"/>
-          </a:fontRef>
-        </p:style>
-        <p:txBody>
-          <a:bodyPr rtlCol="0" anchor="ctr"/>
-          <a:lstStyle/>
-          <a:p>
-            <a:pPr algn="ctr"/>
-            <a:endParaRPr lang="en-US"/>
-          </a:p>
-        </p:txBody>
-      </p:sp>
-      <p:grpSp>
-        <p:nvGrpSpPr>
-          <p:cNvPr id="33" name="Group 32">
-            <a:extLst>
-              <a:ext uri="{FF2B5EF4-FFF2-40B4-BE49-F238E27FC236}">
-                <a16:creationId xmlns:a16="http://schemas.microsoft.com/office/drawing/2014/main" id="{670FB431-AE18-414D-92F4-1D12D1991152}"/>
-              </a:ext>
-              <a:ext uri="{C183D7F6-B498-43B3-948B-1728B52AA6E4}">
-                <adec:decorative xmlns:adec="http://schemas.microsoft.com/office/drawing/2017/decorative" val="1"/>
-              </a:ext>
-            </a:extLst>
-          </p:cNvPr>
-          <p:cNvGrpSpPr>
-            <a:grpSpLocks noGrp="1" noUngrp="1" noRot="1" noChangeAspect="1" noMove="1" noResize="1"/>
-          </p:cNvGrpSpPr>
-          <p:nvPr>
-            <p:extLst>
-              <p:ext uri="{386F3935-93C4-4BCD-93E2-E3B085C9AB24}">
-                <p16:designElem xmlns:p16="http://schemas.microsoft.com/office/powerpoint/2015/main" val="1"/>
-              </p:ext>
-            </p:extLst>
-          </p:nvPr>
-        </p:nvGrpSpPr>
-        <p:grpSpPr>
-          <a:xfrm>
-            <a:off x="11259539" y="317578"/>
-            <a:ext cx="548640" cy="549007"/>
-            <a:chOff x="7029447" y="3514725"/>
-            <a:chExt cx="1285875" cy="549007"/>
-          </a:xfrm>
-        </p:grpSpPr>
-        <p:cxnSp>
-          <p:nvCxnSpPr>
-            <p:cNvPr id="34" name="Straight Connector 33">
-              <a:extLst>
-                <a:ext uri="{FF2B5EF4-FFF2-40B4-BE49-F238E27FC236}">
-                  <a16:creationId xmlns:a16="http://schemas.microsoft.com/office/drawing/2014/main" id="{24467063-D74E-4D42-8790-B9F6D69584BE}"/>
-                </a:ext>
-                <a:ext uri="{C183D7F6-B498-43B3-948B-1728B52AA6E4}">
-                  <adec:decorative xmlns:adec="http://schemas.microsoft.com/office/drawing/2017/decorative" val="1"/>
-                </a:ext>
-              </a:extLst>
-            </p:cNvPr>
-            <p:cNvCxnSpPr>
-              <a:cxnSpLocks/>
-            </p:cNvCxnSpPr>
-            <p:nvPr>
-              <p:extLst>
-                <p:ext uri="{386F3935-93C4-4BCD-93E2-E3B085C9AB24}">
-                  <p16:designElem xmlns:p16="http://schemas.microsoft.com/office/powerpoint/2015/main" val="1"/>
-                </p:ext>
-              </p:extLst>
-            </p:nvPr>
-          </p:nvCxnSpPr>
-          <p:spPr>
-            <a:xfrm>
-              <a:off x="7029447" y="3514725"/>
-              <a:ext cx="1285875" cy="0"/>
-            </a:xfrm>
-            <a:prstGeom prst="line">
-              <a:avLst/>
-            </a:prstGeom>
-            <a:ln w="31750" cap="rnd" cmpd="sng">
-              <a:gradFill>
-                <a:gsLst>
-                  <a:gs pos="0">
-                    <a:schemeClr val="tx2">
-                      <a:lumMod val="60000"/>
-                      <a:lumOff val="40000"/>
-                      <a:alpha val="40000"/>
-                    </a:schemeClr>
-                  </a:gs>
-                  <a:gs pos="100000">
-                    <a:schemeClr val="tx2">
-                      <a:lumMod val="75000"/>
-                      <a:alpha val="40000"/>
-                    </a:schemeClr>
-                  </a:gs>
-                </a:gsLst>
-                <a:lin ang="5400000" scaled="1"/>
-              </a:gradFill>
-              <a:prstDash val="sysDot"/>
-              <a:round/>
-            </a:ln>
-          </p:spPr>
-          <p:style>
-            <a:lnRef idx="1">
-              <a:schemeClr val="accent1"/>
-            </a:lnRef>
-            <a:fillRef idx="0">
-              <a:schemeClr val="accent1"/>
-            </a:fillRef>
-            <a:effectRef idx="0">
-              <a:schemeClr val="accent1"/>
-            </a:effectRef>
-            <a:fontRef idx="minor">
-              <a:schemeClr val="tx1"/>
-            </a:fontRef>
-          </p:style>
-        </p:cxnSp>
-        <p:cxnSp>
-          <p:nvCxnSpPr>
-            <p:cNvPr id="35" name="Straight Connector 34">
-              <a:extLst>
-                <a:ext uri="{FF2B5EF4-FFF2-40B4-BE49-F238E27FC236}">
-                  <a16:creationId xmlns:a16="http://schemas.microsoft.com/office/drawing/2014/main" id="{A1D19BAC-1681-47BC-AAF5-92FAFFF6F4CE}"/>
-                </a:ext>
-                <a:ext uri="{C183D7F6-B498-43B3-948B-1728B52AA6E4}">
-                  <adec:decorative xmlns:adec="http://schemas.microsoft.com/office/drawing/2017/decorative" val="1"/>
-                </a:ext>
-              </a:extLst>
-            </p:cNvPr>
-            <p:cNvCxnSpPr>
-              <a:cxnSpLocks/>
-            </p:cNvCxnSpPr>
-            <p:nvPr>
-              <p:extLst>
-                <p:ext uri="{386F3935-93C4-4BCD-93E2-E3B085C9AB24}">
-                  <p16:designElem xmlns:p16="http://schemas.microsoft.com/office/powerpoint/2015/main" val="1"/>
-                </p:ext>
-              </p:extLst>
-            </p:nvPr>
-          </p:nvCxnSpPr>
-          <p:spPr>
-            <a:xfrm>
-              <a:off x="7029447" y="3697727"/>
-              <a:ext cx="1285875" cy="0"/>
-            </a:xfrm>
-            <a:prstGeom prst="line">
-              <a:avLst/>
-            </a:prstGeom>
-            <a:ln w="31750" cap="rnd" cmpd="sng">
-              <a:gradFill>
-                <a:gsLst>
-                  <a:gs pos="0">
-                    <a:schemeClr val="tx2">
-                      <a:lumMod val="60000"/>
-                      <a:lumOff val="40000"/>
-                      <a:alpha val="40000"/>
-                    </a:schemeClr>
-                  </a:gs>
-                  <a:gs pos="100000">
-                    <a:schemeClr val="tx2">
-                      <a:lumMod val="75000"/>
-                      <a:alpha val="40000"/>
-                    </a:schemeClr>
-                  </a:gs>
-                </a:gsLst>
-                <a:lin ang="5400000" scaled="1"/>
-              </a:gradFill>
-              <a:prstDash val="sysDot"/>
-              <a:round/>
-            </a:ln>
-          </p:spPr>
-          <p:style>
-            <a:lnRef idx="1">
-              <a:schemeClr val="accent1"/>
-            </a:lnRef>
-            <a:fillRef idx="0">
-              <a:schemeClr val="accent1"/>
-            </a:fillRef>
-            <a:effectRef idx="0">
-              <a:schemeClr val="accent1"/>
-            </a:effectRef>
-            <a:fontRef idx="minor">
-              <a:schemeClr val="tx1"/>
-            </a:fontRef>
-          </p:style>
-        </p:cxnSp>
-        <p:cxnSp>
-          <p:nvCxnSpPr>
-            <p:cNvPr id="36" name="Straight Connector 35">
-              <a:extLst>
-                <a:ext uri="{FF2B5EF4-FFF2-40B4-BE49-F238E27FC236}">
-                  <a16:creationId xmlns:a16="http://schemas.microsoft.com/office/drawing/2014/main" id="{94347C2B-E846-452C-97AA-7E254FC1CE8F}"/>
-                </a:ext>
-                <a:ext uri="{C183D7F6-B498-43B3-948B-1728B52AA6E4}">
-                  <adec:decorative xmlns:adec="http://schemas.microsoft.com/office/drawing/2017/decorative" val="1"/>
-                </a:ext>
-              </a:extLst>
-            </p:cNvPr>
-            <p:cNvCxnSpPr>
-              <a:cxnSpLocks/>
-            </p:cNvCxnSpPr>
-            <p:nvPr>
-              <p:extLst>
-                <p:ext uri="{386F3935-93C4-4BCD-93E2-E3B085C9AB24}">
-                  <p16:designElem xmlns:p16="http://schemas.microsoft.com/office/powerpoint/2015/main" val="1"/>
-                </p:ext>
-              </p:extLst>
-            </p:nvPr>
-          </p:nvCxnSpPr>
-          <p:spPr>
-            <a:xfrm>
-              <a:off x="7029447" y="3880729"/>
-              <a:ext cx="1285875" cy="0"/>
-            </a:xfrm>
-            <a:prstGeom prst="line">
-              <a:avLst/>
-            </a:prstGeom>
-            <a:ln w="31750" cap="rnd" cmpd="sng">
-              <a:gradFill>
-                <a:gsLst>
-                  <a:gs pos="0">
-                    <a:schemeClr val="tx2">
-                      <a:lumMod val="60000"/>
-                      <a:lumOff val="40000"/>
-                      <a:alpha val="40000"/>
-                    </a:schemeClr>
-                  </a:gs>
-                  <a:gs pos="100000">
-                    <a:schemeClr val="tx2">
-                      <a:lumMod val="75000"/>
-                      <a:alpha val="40000"/>
-                    </a:schemeClr>
-                  </a:gs>
-                </a:gsLst>
-                <a:lin ang="5400000" scaled="1"/>
-              </a:gradFill>
-              <a:prstDash val="sysDot"/>
-              <a:round/>
-            </a:ln>
-          </p:spPr>
-          <p:style>
-            <a:lnRef idx="1">
-              <a:schemeClr val="accent1"/>
-            </a:lnRef>
-            <a:fillRef idx="0">
-              <a:schemeClr val="accent1"/>
-            </a:fillRef>
-            <a:effectRef idx="0">
-              <a:schemeClr val="accent1"/>
-            </a:effectRef>
-            <a:fontRef idx="minor">
-              <a:schemeClr val="tx1"/>
-            </a:fontRef>
-          </p:style>
-        </p:cxnSp>
-        <p:cxnSp>
-          <p:nvCxnSpPr>
-            <p:cNvPr id="37" name="Straight Connector 36">
-              <a:extLst>
-                <a:ext uri="{FF2B5EF4-FFF2-40B4-BE49-F238E27FC236}">
-                  <a16:creationId xmlns:a16="http://schemas.microsoft.com/office/drawing/2014/main" id="{10EA2B35-7959-4C2A-84AA-FF5D94FEDE90}"/>
-                </a:ext>
-                <a:ext uri="{C183D7F6-B498-43B3-948B-1728B52AA6E4}">
-                  <adec:decorative xmlns:adec="http://schemas.microsoft.com/office/drawing/2017/decorative" val="1"/>
-                </a:ext>
-              </a:extLst>
-            </p:cNvPr>
-            <p:cNvCxnSpPr>
-              <a:cxnSpLocks/>
-            </p:cNvCxnSpPr>
-            <p:nvPr>
-              <p:extLst>
-                <p:ext uri="{386F3935-93C4-4BCD-93E2-E3B085C9AB24}">
-                  <p16:designElem xmlns:p16="http://schemas.microsoft.com/office/powerpoint/2015/main" val="1"/>
-                </p:ext>
-              </p:extLst>
-            </p:nvPr>
-          </p:nvCxnSpPr>
-          <p:spPr>
-            <a:xfrm>
-              <a:off x="7029447" y="4063732"/>
-              <a:ext cx="1285875" cy="0"/>
-            </a:xfrm>
-            <a:prstGeom prst="line">
-              <a:avLst/>
-            </a:prstGeom>
-            <a:ln w="31750" cap="rnd" cmpd="sng">
-              <a:gradFill>
-                <a:gsLst>
-                  <a:gs pos="0">
-                    <a:schemeClr val="tx2">
-                      <a:lumMod val="60000"/>
-                      <a:lumOff val="40000"/>
-                      <a:alpha val="40000"/>
-                    </a:schemeClr>
-                  </a:gs>
-                  <a:gs pos="100000">
-                    <a:schemeClr val="tx2">
-                      <a:lumMod val="75000"/>
-                      <a:alpha val="40000"/>
-                    </a:schemeClr>
-                  </a:gs>
-                </a:gsLst>
-                <a:lin ang="5400000" scaled="1"/>
-              </a:gradFill>
-              <a:prstDash val="sysDot"/>
-              <a:round/>
-            </a:ln>
-          </p:spPr>
-          <p:style>
-            <a:lnRef idx="1">
-              <a:schemeClr val="accent1"/>
-            </a:lnRef>
-            <a:fillRef idx="0">
-              <a:schemeClr val="accent1"/>
-            </a:fillRef>
-            <a:effectRef idx="0">
-              <a:schemeClr val="accent1"/>
-            </a:effectRef>
-            <a:fontRef idx="minor">
-              <a:schemeClr val="tx1"/>
-            </a:fontRef>
-          </p:style>
-        </p:cxnSp>
-      </p:grpSp>
-      <p:sp>
-        <p:nvSpPr>
-          <p:cNvPr id="39" name="Rectangle 38">
-            <a:extLst>
-              <a:ext uri="{FF2B5EF4-FFF2-40B4-BE49-F238E27FC236}">
-                <a16:creationId xmlns:a16="http://schemas.microsoft.com/office/drawing/2014/main" id="{E2D3D3F2-ABBB-4453-B1C5-1BEBF7E4DD56}"/>
-              </a:ext>
-              <a:ext uri="{C183D7F6-B498-43B3-948B-1728B52AA6E4}">
-                <adec:decorative xmlns:adec="http://schemas.microsoft.com/office/drawing/2017/decorative" val="1"/>
-              </a:ext>
-            </a:extLst>
-          </p:cNvPr>
-          <p:cNvSpPr>
-            <a:spLocks noGrp="1" noRot="1" noChangeAspect="1" noMove="1" noResize="1" noEditPoints="1" noAdjustHandles="1" noChangeArrowheads="1" noChangeShapeType="1" noTextEdit="1"/>
-          </p:cNvSpPr>
-          <p:nvPr>
-            <p:extLst>
-              <p:ext uri="{386F3935-93C4-4BCD-93E2-E3B085C9AB24}">
-                <p16:designElem xmlns:p16="http://schemas.microsoft.com/office/powerpoint/2015/main" val="1"/>
-              </p:ext>
-            </p:extLst>
-          </p:nvPr>
-        </p:nvSpPr>
-        <p:spPr>
-          <a:xfrm rot="10800000">
-            <a:off x="-1" y="6140785"/>
-            <a:ext cx="6095997" cy="711252"/>
-          </a:xfrm>
-          <a:prstGeom prst="rect">
-            <a:avLst/>
-          </a:prstGeom>
-          <a:gradFill flip="none" rotWithShape="1">
-            <a:gsLst>
-              <a:gs pos="10000">
-                <a:schemeClr val="tx2">
-                  <a:lumMod val="50000"/>
-                  <a:alpha val="10000"/>
-                </a:schemeClr>
-              </a:gs>
-              <a:gs pos="100000">
-                <a:schemeClr val="tx2">
-                  <a:lumMod val="60000"/>
-                  <a:lumOff val="40000"/>
-                  <a:alpha val="0"/>
-                </a:schemeClr>
-              </a:gs>
-            </a:gsLst>
-            <a:lin ang="8400000" scaled="0"/>
-            <a:tileRect/>
-          </a:gradFill>
-          <a:ln>
-            <a:noFill/>
-          </a:ln>
-        </p:spPr>
-        <p:style>
-          <a:lnRef idx="2">
-            <a:schemeClr val="accent1">
-              <a:shade val="50000"/>
-            </a:schemeClr>
-          </a:lnRef>
-          <a:fillRef idx="1">
-            <a:schemeClr val="accent1"/>
-          </a:fillRef>
-          <a:effectRef idx="0">
-            <a:schemeClr val="accent1"/>
-          </a:effectRef>
-          <a:fontRef idx="minor">
-            <a:schemeClr val="lt1"/>
-          </a:fontRef>
-        </p:style>
-        <p:txBody>
-          <a:bodyPr rtlCol="0" anchor="ctr"/>
-          <a:lstStyle/>
-          <a:p>
-            <a:pPr algn="ctr"/>
-            <a:endParaRPr lang="en-US"/>
-          </a:p>
-        </p:txBody>
-      </p:sp>
-      <p:grpSp>
-        <p:nvGrpSpPr>
-          <p:cNvPr id="41" name="Group 40">
-            <a:extLst>
-              <a:ext uri="{FF2B5EF4-FFF2-40B4-BE49-F238E27FC236}">
-                <a16:creationId xmlns:a16="http://schemas.microsoft.com/office/drawing/2014/main" id="{8214E4A5-A0D2-42C4-8D14-D2A7E495F041}"/>
-              </a:ext>
-              <a:ext uri="{C183D7F6-B498-43B3-948B-1728B52AA6E4}">
-                <adec:decorative xmlns:adec="http://schemas.microsoft.com/office/drawing/2017/decorative" val="1"/>
-              </a:ext>
-            </a:extLst>
-          </p:cNvPr>
-          <p:cNvGrpSpPr>
-            <a:grpSpLocks noGrp="1" noUngrp="1" noRot="1" noChangeAspect="1" noMove="1" noResize="1"/>
-          </p:cNvGrpSpPr>
-          <p:nvPr>
-            <p:extLst>
-              <p:ext uri="{386F3935-93C4-4BCD-93E2-E3B085C9AB24}">
-                <p16:designElem xmlns:p16="http://schemas.microsoft.com/office/powerpoint/2015/main" val="1"/>
-              </p:ext>
-            </p:extLst>
-          </p:nvPr>
-        </p:nvGrpSpPr>
-        <p:grpSpPr>
-          <a:xfrm rot="5400000">
-            <a:off x="616345" y="5940560"/>
-            <a:ext cx="1285875" cy="549007"/>
-            <a:chOff x="7029447" y="3514725"/>
-            <a:chExt cx="1285875" cy="549007"/>
-          </a:xfrm>
-        </p:grpSpPr>
-        <p:cxnSp>
-          <p:nvCxnSpPr>
-            <p:cNvPr id="42" name="Straight Connector 41">
-              <a:extLst>
-                <a:ext uri="{FF2B5EF4-FFF2-40B4-BE49-F238E27FC236}">
-                  <a16:creationId xmlns:a16="http://schemas.microsoft.com/office/drawing/2014/main" id="{7494D7A0-6B21-41E8-A7D3-0033BBB79156}"/>
-                </a:ext>
-                <a:ext uri="{C183D7F6-B498-43B3-948B-1728B52AA6E4}">
-                  <adec:decorative xmlns:adec="http://schemas.microsoft.com/office/drawing/2017/decorative" val="1"/>
-                </a:ext>
-              </a:extLst>
-            </p:cNvPr>
-            <p:cNvCxnSpPr>
-              <a:cxnSpLocks/>
-            </p:cNvCxnSpPr>
-            <p:nvPr>
-              <p:extLst>
-                <p:ext uri="{386F3935-93C4-4BCD-93E2-E3B085C9AB24}">
-                  <p16:designElem xmlns:p16="http://schemas.microsoft.com/office/powerpoint/2015/main" val="1"/>
-                </p:ext>
-              </p:extLst>
-            </p:nvPr>
-          </p:nvCxnSpPr>
-          <p:spPr>
-            <a:xfrm>
-              <a:off x="7029447" y="3514725"/>
-              <a:ext cx="1285875" cy="0"/>
-            </a:xfrm>
-            <a:prstGeom prst="line">
-              <a:avLst/>
-            </a:prstGeom>
-            <a:ln w="31750" cap="rnd" cmpd="sng">
-              <a:gradFill>
-                <a:gsLst>
-                  <a:gs pos="0">
-                    <a:schemeClr val="tx2">
-                      <a:lumMod val="60000"/>
-                      <a:lumOff val="40000"/>
-                      <a:alpha val="40000"/>
-                    </a:schemeClr>
-                  </a:gs>
-                  <a:gs pos="100000">
-                    <a:schemeClr val="tx2">
-                      <a:lumMod val="50000"/>
-                      <a:alpha val="40000"/>
-                    </a:schemeClr>
-                  </a:gs>
-                </a:gsLst>
-                <a:lin ang="5400000" scaled="1"/>
-              </a:gradFill>
-              <a:prstDash val="sysDot"/>
-              <a:round/>
-            </a:ln>
-          </p:spPr>
-          <p:style>
-            <a:lnRef idx="1">
-              <a:schemeClr val="accent1"/>
-            </a:lnRef>
-            <a:fillRef idx="0">
-              <a:schemeClr val="accent1"/>
-            </a:fillRef>
-            <a:effectRef idx="0">
-              <a:schemeClr val="accent1"/>
-            </a:effectRef>
-            <a:fontRef idx="minor">
-              <a:schemeClr val="tx1"/>
-            </a:fontRef>
-          </p:style>
-        </p:cxnSp>
-        <p:cxnSp>
-          <p:nvCxnSpPr>
-            <p:cNvPr id="43" name="Straight Connector 42">
-              <a:extLst>
-                <a:ext uri="{FF2B5EF4-FFF2-40B4-BE49-F238E27FC236}">
-                  <a16:creationId xmlns:a16="http://schemas.microsoft.com/office/drawing/2014/main" id="{1E141D7D-32B0-448E-A666-EA8703AFCF2C}"/>
-                </a:ext>
-                <a:ext uri="{C183D7F6-B498-43B3-948B-1728B52AA6E4}">
-                  <adec:decorative xmlns:adec="http://schemas.microsoft.com/office/drawing/2017/decorative" val="1"/>
-                </a:ext>
-              </a:extLst>
-            </p:cNvPr>
-            <p:cNvCxnSpPr>
-              <a:cxnSpLocks/>
-            </p:cNvCxnSpPr>
-            <p:nvPr>
-              <p:extLst>
-                <p:ext uri="{386F3935-93C4-4BCD-93E2-E3B085C9AB24}">
-                  <p16:designElem xmlns:p16="http://schemas.microsoft.com/office/powerpoint/2015/main" val="1"/>
-                </p:ext>
-              </p:extLst>
-            </p:nvPr>
-          </p:nvCxnSpPr>
-          <p:spPr>
-            <a:xfrm>
-              <a:off x="7029447" y="3697727"/>
-              <a:ext cx="1285875" cy="0"/>
-            </a:xfrm>
-            <a:prstGeom prst="line">
-              <a:avLst/>
-            </a:prstGeom>
-            <a:ln w="31750" cap="rnd" cmpd="sng">
-              <a:gradFill>
-                <a:gsLst>
-                  <a:gs pos="0">
-                    <a:schemeClr val="tx2">
-                      <a:lumMod val="60000"/>
-                      <a:lumOff val="40000"/>
-                      <a:alpha val="40000"/>
-                    </a:schemeClr>
-                  </a:gs>
-                  <a:gs pos="100000">
-                    <a:schemeClr val="tx2">
-                      <a:lumMod val="50000"/>
-                      <a:alpha val="40000"/>
-                    </a:schemeClr>
-                  </a:gs>
-                </a:gsLst>
-                <a:lin ang="5400000" scaled="1"/>
-              </a:gradFill>
-              <a:prstDash val="sysDot"/>
-              <a:round/>
-            </a:ln>
-          </p:spPr>
-          <p:style>
-            <a:lnRef idx="1">
-              <a:schemeClr val="accent1"/>
-            </a:lnRef>
-            <a:fillRef idx="0">
-              <a:schemeClr val="accent1"/>
-            </a:fillRef>
-            <a:effectRef idx="0">
-              <a:schemeClr val="accent1"/>
-            </a:effectRef>
-            <a:fontRef idx="minor">
-              <a:schemeClr val="tx1"/>
-            </a:fontRef>
-          </p:style>
-        </p:cxnSp>
-        <p:cxnSp>
-          <p:nvCxnSpPr>
-            <p:cNvPr id="44" name="Straight Connector 43">
-              <a:extLst>
-                <a:ext uri="{FF2B5EF4-FFF2-40B4-BE49-F238E27FC236}">
-                  <a16:creationId xmlns:a16="http://schemas.microsoft.com/office/drawing/2014/main" id="{8D87E268-6345-420F-8B97-B37ED04100EC}"/>
-                </a:ext>
-                <a:ext uri="{C183D7F6-B498-43B3-948B-1728B52AA6E4}">
-                  <adec:decorative xmlns:adec="http://schemas.microsoft.com/office/drawing/2017/decorative" val="1"/>
-                </a:ext>
-              </a:extLst>
-            </p:cNvPr>
-            <p:cNvCxnSpPr>
-              <a:cxnSpLocks/>
-            </p:cNvCxnSpPr>
-            <p:nvPr>
-              <p:extLst>
-                <p:ext uri="{386F3935-93C4-4BCD-93E2-E3B085C9AB24}">
-                  <p16:designElem xmlns:p16="http://schemas.microsoft.com/office/powerpoint/2015/main" val="1"/>
-                </p:ext>
-              </p:extLst>
-            </p:nvPr>
-          </p:nvCxnSpPr>
-          <p:spPr>
-            <a:xfrm>
-              <a:off x="7029447" y="3880729"/>
-              <a:ext cx="1285875" cy="0"/>
-            </a:xfrm>
-            <a:prstGeom prst="line">
-              <a:avLst/>
-            </a:prstGeom>
-            <a:ln w="31750" cap="rnd" cmpd="sng">
-              <a:gradFill>
-                <a:gsLst>
-                  <a:gs pos="0">
-                    <a:schemeClr val="tx2">
-                      <a:lumMod val="60000"/>
-                      <a:lumOff val="40000"/>
-                      <a:alpha val="40000"/>
-                    </a:schemeClr>
-                  </a:gs>
-                  <a:gs pos="100000">
-                    <a:schemeClr val="tx2">
-                      <a:lumMod val="50000"/>
-                      <a:alpha val="40000"/>
-                    </a:schemeClr>
-                  </a:gs>
-                </a:gsLst>
-                <a:lin ang="5400000" scaled="1"/>
-              </a:gradFill>
-              <a:prstDash val="sysDot"/>
-              <a:round/>
-            </a:ln>
-          </p:spPr>
-          <p:style>
-            <a:lnRef idx="1">
-              <a:schemeClr val="accent1"/>
-            </a:lnRef>
-            <a:fillRef idx="0">
-              <a:schemeClr val="accent1"/>
-            </a:fillRef>
-            <a:effectRef idx="0">
-              <a:schemeClr val="accent1"/>
-            </a:effectRef>
-            <a:fontRef idx="minor">
-              <a:schemeClr val="tx1"/>
-            </a:fontRef>
-          </p:style>
-        </p:cxnSp>
-        <p:cxnSp>
-          <p:nvCxnSpPr>
-            <p:cNvPr id="45" name="Straight Connector 44">
-              <a:extLst>
-                <a:ext uri="{FF2B5EF4-FFF2-40B4-BE49-F238E27FC236}">
-                  <a16:creationId xmlns:a16="http://schemas.microsoft.com/office/drawing/2014/main" id="{35E1622E-7FA6-4760-A2BF-A8105EBF7BB9}"/>
-                </a:ext>
-                <a:ext uri="{C183D7F6-B498-43B3-948B-1728B52AA6E4}">
-                  <adec:decorative xmlns:adec="http://schemas.microsoft.com/office/drawing/2017/decorative" val="1"/>
-                </a:ext>
-              </a:extLst>
-            </p:cNvPr>
-            <p:cNvCxnSpPr>
-              <a:cxnSpLocks/>
-            </p:cNvCxnSpPr>
-            <p:nvPr>
-              <p:extLst>
-                <p:ext uri="{386F3935-93C4-4BCD-93E2-E3B085C9AB24}">
-                  <p16:designElem xmlns:p16="http://schemas.microsoft.com/office/powerpoint/2015/main" val="1"/>
-                </p:ext>
-              </p:extLst>
-            </p:nvPr>
-          </p:nvCxnSpPr>
-          <p:spPr>
-            <a:xfrm>
-              <a:off x="7029447" y="4063732"/>
-              <a:ext cx="1285875" cy="0"/>
-            </a:xfrm>
-            <a:prstGeom prst="line">
-              <a:avLst/>
-            </a:prstGeom>
-            <a:ln w="31750" cap="rnd" cmpd="sng">
-              <a:gradFill>
-                <a:gsLst>
-                  <a:gs pos="0">
-                    <a:schemeClr val="tx2">
-                      <a:lumMod val="60000"/>
-                      <a:lumOff val="40000"/>
-                      <a:alpha val="40000"/>
-                    </a:schemeClr>
-                  </a:gs>
-                  <a:gs pos="100000">
-                    <a:schemeClr val="tx2">
-                      <a:lumMod val="50000"/>
-                      <a:alpha val="40000"/>
-                    </a:schemeClr>
-                  </a:gs>
-                </a:gsLst>
-                <a:lin ang="5400000" scaled="1"/>
-              </a:gradFill>
-              <a:prstDash val="sysDot"/>
-              <a:round/>
-            </a:ln>
-          </p:spPr>
-          <p:style>
-            <a:lnRef idx="1">
-              <a:schemeClr val="accent1"/>
-            </a:lnRef>
-            <a:fillRef idx="0">
-              <a:schemeClr val="accent1"/>
-            </a:fillRef>
-            <a:effectRef idx="0">
-              <a:schemeClr val="accent1"/>
-            </a:effectRef>
-            <a:fontRef idx="minor">
-              <a:schemeClr val="tx1"/>
-            </a:fontRef>
-          </p:style>
-        </p:cxnSp>
-      </p:grpSp>
-      <p:grpSp>
-        <p:nvGrpSpPr>
-          <p:cNvPr id="47" name="Group 46">
-            <a:extLst>
-              <a:ext uri="{FF2B5EF4-FFF2-40B4-BE49-F238E27FC236}">
-                <a16:creationId xmlns:a16="http://schemas.microsoft.com/office/drawing/2014/main" id="{AF19A774-30A5-488B-9BAF-629C6440294E}"/>
-              </a:ext>
-              <a:ext uri="{C183D7F6-B498-43B3-948B-1728B52AA6E4}">
-                <adec:decorative xmlns:adec="http://schemas.microsoft.com/office/drawing/2017/decorative" val="1"/>
-              </a:ext>
-            </a:extLst>
-          </p:cNvPr>
-          <p:cNvGrpSpPr>
-            <a:grpSpLocks noGrp="1" noUngrp="1" noRot="1" noChangeAspect="1" noMove="1" noResize="1"/>
-          </p:cNvGrpSpPr>
-          <p:nvPr>
-            <p:extLst>
-              <p:ext uri="{386F3935-93C4-4BCD-93E2-E3B085C9AB24}">
-                <p16:designElem xmlns:p16="http://schemas.microsoft.com/office/powerpoint/2015/main" val="1"/>
-              </p:ext>
-            </p:extLst>
-          </p:nvPr>
-        </p:nvGrpSpPr>
-        <p:grpSpPr>
-          <a:xfrm rot="16200000">
-            <a:off x="474192" y="2852760"/>
-            <a:ext cx="304800" cy="429768"/>
-            <a:chOff x="215328" y="-46937"/>
-            <a:chExt cx="304800" cy="2773841"/>
-          </a:xfrm>
-        </p:grpSpPr>
-        <p:cxnSp>
-          <p:nvCxnSpPr>
-            <p:cNvPr id="48" name="Straight Connector 47">
-              <a:extLst>
-                <a:ext uri="{FF2B5EF4-FFF2-40B4-BE49-F238E27FC236}">
-                  <a16:creationId xmlns:a16="http://schemas.microsoft.com/office/drawing/2014/main" id="{291EBF88-5B98-4258-A542-14C3AF2E5225}"/>
-                </a:ext>
-                <a:ext uri="{C183D7F6-B498-43B3-948B-1728B52AA6E4}">
-                  <adec:decorative xmlns:adec="http://schemas.microsoft.com/office/drawing/2017/decorative" val="1"/>
-                </a:ext>
-              </a:extLst>
-            </p:cNvPr>
-            <p:cNvCxnSpPr>
-              <a:cxnSpLocks/>
-            </p:cNvCxnSpPr>
-            <p:nvPr>
-              <p:extLst>
-                <p:ext uri="{386F3935-93C4-4BCD-93E2-E3B085C9AB24}">
-                  <p16:designElem xmlns:p16="http://schemas.microsoft.com/office/powerpoint/2015/main" val="1"/>
-                </p:ext>
-              </p:extLst>
-            </p:nvPr>
-          </p:nvCxnSpPr>
-          <p:spPr>
-            <a:xfrm>
-              <a:off x="215328" y="-46937"/>
-              <a:ext cx="0" cy="2773841"/>
-            </a:xfrm>
-            <a:prstGeom prst="line">
-              <a:avLst/>
-            </a:prstGeom>
-            <a:ln w="25400" cmpd="sng">
-              <a:solidFill>
-                <a:schemeClr val="bg2">
-                  <a:lumMod val="60000"/>
-                  <a:lumOff val="40000"/>
-                  <a:alpha val="50000"/>
-                </a:schemeClr>
-              </a:solidFill>
-              <a:prstDash val="sysDot"/>
-            </a:ln>
-          </p:spPr>
-          <p:style>
-            <a:lnRef idx="1">
-              <a:schemeClr val="accent1"/>
-            </a:lnRef>
-            <a:fillRef idx="0">
-              <a:schemeClr val="accent1"/>
-            </a:fillRef>
-            <a:effectRef idx="0">
-              <a:schemeClr val="accent1"/>
-            </a:effectRef>
-            <a:fontRef idx="minor">
-              <a:schemeClr val="tx1"/>
-            </a:fontRef>
-          </p:style>
-        </p:cxnSp>
-        <p:cxnSp>
-          <p:nvCxnSpPr>
-            <p:cNvPr id="49" name="Straight Connector 48">
-              <a:extLst>
-                <a:ext uri="{FF2B5EF4-FFF2-40B4-BE49-F238E27FC236}">
-                  <a16:creationId xmlns:a16="http://schemas.microsoft.com/office/drawing/2014/main" id="{8FBC2D58-9E3C-490D-BD7A-61EF07EA79E4}"/>
-                </a:ext>
-                <a:ext uri="{C183D7F6-B498-43B3-948B-1728B52AA6E4}">
-                  <adec:decorative xmlns:adec="http://schemas.microsoft.com/office/drawing/2017/decorative" val="1"/>
-                </a:ext>
-              </a:extLst>
-            </p:cNvPr>
-            <p:cNvCxnSpPr>
-              <a:cxnSpLocks/>
-            </p:cNvCxnSpPr>
-            <p:nvPr>
-              <p:extLst>
-                <p:ext uri="{386F3935-93C4-4BCD-93E2-E3B085C9AB24}">
-                  <p16:designElem xmlns:p16="http://schemas.microsoft.com/office/powerpoint/2015/main" val="1"/>
-                </p:ext>
-              </p:extLst>
-            </p:nvPr>
-          </p:nvCxnSpPr>
-          <p:spPr>
-            <a:xfrm>
-              <a:off x="316928" y="-46937"/>
-              <a:ext cx="0" cy="2773841"/>
-            </a:xfrm>
-            <a:prstGeom prst="line">
-              <a:avLst/>
-            </a:prstGeom>
-            <a:ln w="25400" cmpd="sng">
-              <a:solidFill>
-                <a:schemeClr val="bg2">
-                  <a:lumMod val="60000"/>
-                  <a:lumOff val="40000"/>
-                  <a:alpha val="50000"/>
-                </a:schemeClr>
-              </a:solidFill>
-              <a:prstDash val="sysDot"/>
-            </a:ln>
-          </p:spPr>
-          <p:style>
-            <a:lnRef idx="1">
-              <a:schemeClr val="accent1"/>
-            </a:lnRef>
-            <a:fillRef idx="0">
-              <a:schemeClr val="accent1"/>
-            </a:fillRef>
-            <a:effectRef idx="0">
-              <a:schemeClr val="accent1"/>
-            </a:effectRef>
-            <a:fontRef idx="minor">
-              <a:schemeClr val="tx1"/>
-            </a:fontRef>
-          </p:style>
-        </p:cxnSp>
-        <p:cxnSp>
-          <p:nvCxnSpPr>
-            <p:cNvPr id="50" name="Straight Connector 49">
-              <a:extLst>
-                <a:ext uri="{FF2B5EF4-FFF2-40B4-BE49-F238E27FC236}">
-                  <a16:creationId xmlns:a16="http://schemas.microsoft.com/office/drawing/2014/main" id="{B6CF1BB4-1C1D-4EDE-BA26-0243FCF83BB9}"/>
-                </a:ext>
-                <a:ext uri="{C183D7F6-B498-43B3-948B-1728B52AA6E4}">
-                  <adec:decorative xmlns:adec="http://schemas.microsoft.com/office/drawing/2017/decorative" val="1"/>
-                </a:ext>
-              </a:extLst>
-            </p:cNvPr>
-            <p:cNvCxnSpPr>
-              <a:cxnSpLocks/>
-            </p:cNvCxnSpPr>
-            <p:nvPr>
-              <p:extLst>
-                <p:ext uri="{386F3935-93C4-4BCD-93E2-E3B085C9AB24}">
-                  <p16:designElem xmlns:p16="http://schemas.microsoft.com/office/powerpoint/2015/main" val="1"/>
-                </p:ext>
-              </p:extLst>
-            </p:nvPr>
-          </p:nvCxnSpPr>
-          <p:spPr>
-            <a:xfrm>
-              <a:off x="418528" y="-46937"/>
-              <a:ext cx="0" cy="2773841"/>
-            </a:xfrm>
-            <a:prstGeom prst="line">
-              <a:avLst/>
-            </a:prstGeom>
-            <a:ln w="25400" cmpd="sng">
-              <a:solidFill>
-                <a:schemeClr val="bg2">
-                  <a:lumMod val="60000"/>
-                  <a:lumOff val="40000"/>
-                  <a:alpha val="50000"/>
-                </a:schemeClr>
-              </a:solidFill>
-              <a:prstDash val="sysDot"/>
-            </a:ln>
-          </p:spPr>
-          <p:style>
-            <a:lnRef idx="1">
-              <a:schemeClr val="accent1"/>
-            </a:lnRef>
-            <a:fillRef idx="0">
-              <a:schemeClr val="accent1"/>
-            </a:fillRef>
-            <a:effectRef idx="0">
-              <a:schemeClr val="accent1"/>
-            </a:effectRef>
-            <a:fontRef idx="minor">
-              <a:schemeClr val="tx1"/>
-            </a:fontRef>
-          </p:style>
-        </p:cxnSp>
-        <p:cxnSp>
-          <p:nvCxnSpPr>
-            <p:cNvPr id="51" name="Straight Connector 50">
-              <a:extLst>
-                <a:ext uri="{FF2B5EF4-FFF2-40B4-BE49-F238E27FC236}">
-                  <a16:creationId xmlns:a16="http://schemas.microsoft.com/office/drawing/2014/main" id="{00C83729-E02F-4512-AFE7-F4792228BDA2}"/>
-                </a:ext>
-                <a:ext uri="{C183D7F6-B498-43B3-948B-1728B52AA6E4}">
-                  <adec:decorative xmlns:adec="http://schemas.microsoft.com/office/drawing/2017/decorative" val="1"/>
-                </a:ext>
-              </a:extLst>
-            </p:cNvPr>
-            <p:cNvCxnSpPr>
-              <a:cxnSpLocks/>
-            </p:cNvCxnSpPr>
-            <p:nvPr>
-              <p:extLst>
-                <p:ext uri="{386F3935-93C4-4BCD-93E2-E3B085C9AB24}">
-                  <p16:designElem xmlns:p16="http://schemas.microsoft.com/office/powerpoint/2015/main" val="1"/>
-                </p:ext>
-              </p:extLst>
-            </p:nvPr>
-          </p:nvCxnSpPr>
-          <p:spPr>
-            <a:xfrm>
-              <a:off x="520128" y="-46937"/>
-              <a:ext cx="0" cy="2773841"/>
-            </a:xfrm>
-            <a:prstGeom prst="line">
-              <a:avLst/>
-            </a:prstGeom>
-            <a:ln w="25400" cmpd="sng">
-              <a:solidFill>
-                <a:schemeClr val="bg2">
-                  <a:lumMod val="60000"/>
-                  <a:lumOff val="40000"/>
-                  <a:alpha val="50000"/>
-                </a:schemeClr>
-              </a:solidFill>
-              <a:prstDash val="sysDot"/>
-            </a:ln>
-          </p:spPr>
-          <p:style>
-            <a:lnRef idx="1">
-              <a:schemeClr val="accent1"/>
-            </a:lnRef>
-            <a:fillRef idx="0">
-              <a:schemeClr val="accent1"/>
-            </a:fillRef>
-            <a:effectRef idx="0">
-              <a:schemeClr val="accent1"/>
-            </a:effectRef>
-            <a:fontRef idx="minor">
-              <a:schemeClr val="tx1"/>
-            </a:fontRef>
-          </p:style>
-        </p:cxnSp>
-      </p:grpSp>
-      <p:pic>
-        <p:nvPicPr>
-          <p:cNvPr id="6" name="Picture 5">
-            <a:extLst>
-              <a:ext uri="{FF2B5EF4-FFF2-40B4-BE49-F238E27FC236}">
-                <a16:creationId xmlns:a16="http://schemas.microsoft.com/office/drawing/2014/main" id="{B19C3746-83C7-4FDF-A844-D9C56D3F93A5}"/>
-              </a:ext>
-            </a:extLst>
-          </p:cNvPr>
-          <p:cNvPicPr>
-            <a:picLocks noChangeAspect="1"/>
-          </p:cNvPicPr>
-          <p:nvPr/>
-        </p:nvPicPr>
-        <p:blipFill>
-          <a:blip r:embed="rId2"/>
-          <a:stretch>
-            <a:fillRect/>
-          </a:stretch>
-        </p:blipFill>
-        <p:spPr>
-          <a:xfrm>
-            <a:off x="83907" y="3025360"/>
-            <a:ext cx="5667692" cy="2880000"/>
-          </a:xfrm>
-          <a:prstGeom prst="rect">
-            <a:avLst/>
-          </a:prstGeom>
-        </p:spPr>
-      </p:pic>
-      <p:pic>
-        <p:nvPicPr>
-          <p:cNvPr id="8" name="Picture 7">
-            <a:extLst>
-              <a:ext uri="{FF2B5EF4-FFF2-40B4-BE49-F238E27FC236}">
-                <a16:creationId xmlns:a16="http://schemas.microsoft.com/office/drawing/2014/main" id="{5514032B-8D6E-403B-8ECE-063064F8584E}"/>
-              </a:ext>
-            </a:extLst>
-          </p:cNvPr>
-          <p:cNvPicPr>
-            <a:picLocks noChangeAspect="1"/>
-          </p:cNvPicPr>
-          <p:nvPr/>
-        </p:nvPicPr>
-        <p:blipFill>
-          <a:blip r:embed="rId3"/>
-          <a:stretch>
-            <a:fillRect/>
-          </a:stretch>
-        </p:blipFill>
-        <p:spPr>
-          <a:xfrm>
-            <a:off x="6368493" y="3021580"/>
-            <a:ext cx="5694968" cy="2880000"/>
-          </a:xfrm>
-          <a:prstGeom prst="rect">
-            <a:avLst/>
-          </a:prstGeom>
-        </p:spPr>
-      </p:pic>
-      <p:pic>
-        <p:nvPicPr>
-          <p:cNvPr id="3076" name="Picture 4" descr="ᐈ Drawn sad face stock icon, Royalty Free sad face pics | download on  Depositphotos®">
-            <a:extLst>
-              <a:ext uri="{FF2B5EF4-FFF2-40B4-BE49-F238E27FC236}">
-                <a16:creationId xmlns:a16="http://schemas.microsoft.com/office/drawing/2014/main" id="{98D56C33-35C8-46AC-B290-BE661AF963FA}"/>
-              </a:ext>
-            </a:extLst>
-          </p:cNvPr>
-          <p:cNvPicPr>
-            <a:picLocks noChangeAspect="1" noChangeArrowheads="1"/>
-          </p:cNvPicPr>
-          <p:nvPr/>
-        </p:nvPicPr>
-        <p:blipFill>
-          <a:blip r:embed="rId4">
-            <a:extLst>
-              <a:ext uri="{28A0092B-C50C-407E-A947-70E740481C1C}">
-                <a14:useLocalDpi xmlns:a14="http://schemas.microsoft.com/office/drawing/2010/main" val="0"/>
-              </a:ext>
-            </a:extLst>
-          </a:blip>
-          <a:srcRect/>
-          <a:stretch>
-            <a:fillRect/>
-          </a:stretch>
-        </p:blipFill>
-        <p:spPr bwMode="auto">
-          <a:xfrm>
-            <a:off x="5559322" y="5901580"/>
-            <a:ext cx="987059" cy="814324"/>
-          </a:xfrm>
-          <a:prstGeom prst="rect">
-            <a:avLst/>
-          </a:prstGeom>
-          <a:noFill/>
-          <a:extLst>
-            <a:ext uri="{909E8E84-426E-40DD-AFC4-6F175D3DCCD1}">
-              <a14:hiddenFill xmlns:a14="http://schemas.microsoft.com/office/drawing/2010/main">
-                <a:solidFill>
-                  <a:srgbClr val="FFFFFF"/>
-                </a:solidFill>
-              </a14:hiddenFill>
-            </a:ext>
-          </a:extLst>
-        </p:spPr>
-      </p:pic>
-    </p:spTree>
-    <p:extLst>
-      <p:ext uri="{BB962C8B-B14F-4D97-AF65-F5344CB8AC3E}">
-        <p14:creationId xmlns:p14="http://schemas.microsoft.com/office/powerpoint/2010/main" val="855681568"/>
-      </p:ext>
-    </p:extLst>
-  </p:cSld>
-  <p:clrMapOvr>
-    <a:masterClrMapping/>
-  </p:clrMapOvr>
-</p:sld>
-</file>
-
-<file path=ppt/slides/slide19.xml><?xml version="1.0" encoding="utf-8"?>
-<p:sld xmlns:a="http://schemas.openxmlformats.org/drawingml/2006/main" xmlns:r="http://schemas.openxmlformats.org/officeDocument/2006/relationships" xmlns:p="http://schemas.openxmlformats.org/presentationml/2006/main">
-  <p:cSld>
-    <p:bg>
-      <p:bgPr>
-        <a:solidFill>
-          <a:schemeClr val="bg1"/>
-        </a:solidFill>
-        <a:effectLst/>
-      </p:bgPr>
-    </p:bg>
-    <p:spTree>
-      <p:nvGrpSpPr>
-        <p:cNvPr id="1" name=""/>
-        <p:cNvGrpSpPr/>
-        <p:nvPr/>
-      </p:nvGrpSpPr>
-      <p:grpSpPr>
-        <a:xfrm>
-          <a:off x="0" y="0"/>
-          <a:ext cx="0" cy="0"/>
-          <a:chOff x="0" y="0"/>
-          <a:chExt cx="0" cy="0"/>
-        </a:xfrm>
-      </p:grpSpPr>
-      <p:sp>
-        <p:nvSpPr>
-          <p:cNvPr id="19" name="Rectangle 18">
-            <a:extLst>
-              <a:ext uri="{FF2B5EF4-FFF2-40B4-BE49-F238E27FC236}">
-                <a16:creationId xmlns:a16="http://schemas.microsoft.com/office/drawing/2014/main" id="{D7A453D2-15D8-4403-815F-291FA16340D9}"/>
-              </a:ext>
-              <a:ext uri="{C183D7F6-B498-43B3-948B-1728B52AA6E4}">
-                <adec:decorative xmlns:adec="http://schemas.microsoft.com/office/drawing/2017/decorative" val="1"/>
-              </a:ext>
-            </a:extLst>
-          </p:cNvPr>
-          <p:cNvSpPr>
-            <a:spLocks noGrp="1" noRot="1" noChangeAspect="1" noMove="1" noResize="1" noEditPoints="1" noAdjustHandles="1" noChangeArrowheads="1" noChangeShapeType="1" noTextEdit="1"/>
-          </p:cNvSpPr>
-          <p:nvPr>
-            <p:extLst>
-              <p:ext uri="{386F3935-93C4-4BCD-93E2-E3B085C9AB24}">
-                <p16:designElem xmlns:p16="http://schemas.microsoft.com/office/powerpoint/2015/main" val="1"/>
-              </p:ext>
-            </p:extLst>
-          </p:nvPr>
-        </p:nvSpPr>
-        <p:spPr>
-          <a:xfrm>
-            <a:off x="3048" y="0"/>
-            <a:ext cx="12188952" cy="6858000"/>
-          </a:xfrm>
-          <a:prstGeom prst="rect">
-            <a:avLst/>
-          </a:prstGeom>
-          <a:solidFill>
-            <a:schemeClr val="tx2"/>
-          </a:solidFill>
-          <a:ln>
-            <a:noFill/>
-          </a:ln>
-        </p:spPr>
-        <p:style>
-          <a:lnRef idx="2">
-            <a:schemeClr val="accent1">
-              <a:shade val="50000"/>
-            </a:schemeClr>
-          </a:lnRef>
-          <a:fillRef idx="1">
-            <a:schemeClr val="accent1"/>
-          </a:fillRef>
-          <a:effectRef idx="0">
-            <a:schemeClr val="accent1"/>
-          </a:effectRef>
-          <a:fontRef idx="minor">
-            <a:schemeClr val="lt1"/>
-          </a:fontRef>
-        </p:style>
-        <p:txBody>
-          <a:bodyPr rtlCol="0" anchor="ctr"/>
-          <a:lstStyle/>
-          <a:p>
-            <a:pPr algn="ctr"/>
-            <a:endParaRPr lang="en-US"/>
-          </a:p>
-        </p:txBody>
-      </p:sp>
-      <p:sp>
-        <p:nvSpPr>
-          <p:cNvPr id="21" name="Rectangle 20">
-            <a:extLst>
-              <a:ext uri="{FF2B5EF4-FFF2-40B4-BE49-F238E27FC236}">
-                <a16:creationId xmlns:a16="http://schemas.microsoft.com/office/drawing/2014/main" id="{8161EA6B-09CA-445B-AB0D-8DF76FA92DEF}"/>
-              </a:ext>
-              <a:ext uri="{C183D7F6-B498-43B3-948B-1728B52AA6E4}">
-                <adec:decorative xmlns:adec="http://schemas.microsoft.com/office/drawing/2017/decorative" val="1"/>
-              </a:ext>
-            </a:extLst>
-          </p:cNvPr>
-          <p:cNvSpPr>
-            <a:spLocks noGrp="1" noRot="1" noChangeAspect="1" noMove="1" noResize="1" noEditPoints="1" noAdjustHandles="1" noChangeArrowheads="1" noChangeShapeType="1" noTextEdit="1"/>
-          </p:cNvSpPr>
-          <p:nvPr>
-            <p:extLst>
-              <p:ext uri="{386F3935-93C4-4BCD-93E2-E3B085C9AB24}">
-                <p16:designElem xmlns:p16="http://schemas.microsoft.com/office/powerpoint/2015/main" val="1"/>
-              </p:ext>
-            </p:extLst>
-          </p:nvPr>
-        </p:nvSpPr>
-        <p:spPr>
-          <a:xfrm>
-            <a:off x="0" y="0"/>
-            <a:ext cx="12188952" cy="6858000"/>
-          </a:xfrm>
-          <a:prstGeom prst="rect">
-            <a:avLst/>
-          </a:prstGeom>
-          <a:solidFill>
-            <a:schemeClr val="tx1">
-              <a:alpha val="53000"/>
-            </a:schemeClr>
-          </a:solidFill>
-          <a:ln>
-            <a:noFill/>
-          </a:ln>
-        </p:spPr>
-        <p:style>
-          <a:lnRef idx="2">
-            <a:schemeClr val="accent1">
-              <a:shade val="50000"/>
-            </a:schemeClr>
-          </a:lnRef>
-          <a:fillRef idx="1">
-            <a:schemeClr val="accent1"/>
-          </a:fillRef>
-          <a:effectRef idx="0">
-            <a:schemeClr val="accent1"/>
-          </a:effectRef>
-          <a:fontRef idx="minor">
-            <a:schemeClr val="lt1"/>
-          </a:fontRef>
-        </p:style>
-        <p:txBody>
-          <a:bodyPr rtlCol="0" anchor="ctr"/>
-          <a:lstStyle/>
-          <a:p>
-            <a:pPr algn="ctr"/>
-            <a:endParaRPr lang="en-US"/>
-          </a:p>
-        </p:txBody>
-      </p:sp>
-      <p:grpSp>
-        <p:nvGrpSpPr>
-          <p:cNvPr id="23" name="Group 22">
-            <a:extLst>
-              <a:ext uri="{FF2B5EF4-FFF2-40B4-BE49-F238E27FC236}">
-                <a16:creationId xmlns:a16="http://schemas.microsoft.com/office/drawing/2014/main" id="{B352BBB9-69A8-405C-9209-A9FE217AEDC4}"/>
-              </a:ext>
-              <a:ext uri="{C183D7F6-B498-43B3-948B-1728B52AA6E4}">
-                <adec:decorative xmlns:adec="http://schemas.microsoft.com/office/drawing/2017/decorative" val="1"/>
-              </a:ext>
-            </a:extLst>
-          </p:cNvPr>
-          <p:cNvGrpSpPr>
-            <a:grpSpLocks noGrp="1" noUngrp="1" noRot="1" noChangeAspect="1" noMove="1" noResize="1"/>
-          </p:cNvGrpSpPr>
-          <p:nvPr>
-            <p:extLst>
-              <p:ext uri="{386F3935-93C4-4BCD-93E2-E3B085C9AB24}">
-                <p16:designElem xmlns:p16="http://schemas.microsoft.com/office/powerpoint/2015/main" val="1"/>
-              </p:ext>
-            </p:extLst>
-          </p:nvPr>
-        </p:nvGrpSpPr>
-        <p:grpSpPr>
-          <a:xfrm>
-            <a:off x="1" y="2075420"/>
-            <a:ext cx="12048729" cy="4093306"/>
-            <a:chOff x="1" y="2075420"/>
-            <a:chExt cx="12048729" cy="4093306"/>
-          </a:xfrm>
-        </p:grpSpPr>
-        <p:sp>
-          <p:nvSpPr>
-            <p:cNvPr id="24" name="Oval 23">
-              <a:extLst>
-                <a:ext uri="{FF2B5EF4-FFF2-40B4-BE49-F238E27FC236}">
-                  <a16:creationId xmlns:a16="http://schemas.microsoft.com/office/drawing/2014/main" id="{2BA8247A-9874-4F57-82F4-AEB016E661EA}"/>
-                </a:ext>
-                <a:ext uri="{C183D7F6-B498-43B3-948B-1728B52AA6E4}">
-                  <adec:decorative xmlns:adec="http://schemas.microsoft.com/office/drawing/2017/decorative" val="1"/>
-                </a:ext>
-              </a:extLst>
-            </p:cNvPr>
-            <p:cNvSpPr/>
-            <p:nvPr>
-              <p:extLst>
-                <p:ext uri="{386F3935-93C4-4BCD-93E2-E3B085C9AB24}">
-                  <p16:designElem xmlns:p16="http://schemas.microsoft.com/office/powerpoint/2015/main" val="1"/>
-                </p:ext>
-              </p:extLst>
-            </p:nvPr>
-          </p:nvSpPr>
-          <p:spPr>
-            <a:xfrm rot="4500000">
-              <a:off x="7942191" y="2507571"/>
-              <a:ext cx="3563871" cy="3563871"/>
-            </a:xfrm>
-            <a:prstGeom prst="ellipse">
-              <a:avLst/>
-            </a:prstGeom>
-            <a:noFill/>
-            <a:ln w="31750">
-              <a:gradFill>
-                <a:gsLst>
-                  <a:gs pos="0">
-                    <a:schemeClr val="tx2">
-                      <a:lumMod val="60000"/>
-                      <a:lumOff val="40000"/>
-                      <a:alpha val="10000"/>
-                    </a:schemeClr>
-                  </a:gs>
-                  <a:gs pos="100000">
-                    <a:schemeClr val="tx2">
-                      <a:lumMod val="50000"/>
-                      <a:alpha val="20000"/>
-                    </a:schemeClr>
-                  </a:gs>
-                </a:gsLst>
-                <a:lin ang="5400000" scaled="1"/>
-              </a:gradFill>
-              <a:prstDash val="sysDot"/>
-            </a:ln>
-          </p:spPr>
-          <p:style>
-            <a:lnRef idx="2">
-              <a:schemeClr val="accent1">
-                <a:shade val="50000"/>
-              </a:schemeClr>
-            </a:lnRef>
-            <a:fillRef idx="1">
-              <a:schemeClr val="accent1"/>
-            </a:fillRef>
-            <a:effectRef idx="0">
-              <a:schemeClr val="accent1"/>
-            </a:effectRef>
-            <a:fontRef idx="minor">
-              <a:schemeClr val="lt1"/>
-            </a:fontRef>
-          </p:style>
-          <p:txBody>
-            <a:bodyPr rtlCol="0" anchor="ctr"/>
-            <a:lstStyle/>
-            <a:p>
-              <a:pPr algn="ctr"/>
-              <a:endParaRPr lang="en-US"/>
-            </a:p>
-          </p:txBody>
-        </p:sp>
-        <p:sp>
-          <p:nvSpPr>
-            <p:cNvPr id="25" name="Oval 24">
-              <a:extLst>
-                <a:ext uri="{FF2B5EF4-FFF2-40B4-BE49-F238E27FC236}">
-                  <a16:creationId xmlns:a16="http://schemas.microsoft.com/office/drawing/2014/main" id="{A30C3CE4-8479-4B6E-9C21-D7B0CD89EF8E}"/>
-                </a:ext>
-                <a:ext uri="{C183D7F6-B498-43B3-948B-1728B52AA6E4}">
-                  <adec:decorative xmlns:adec="http://schemas.microsoft.com/office/drawing/2017/decorative" val="1"/>
-                </a:ext>
-              </a:extLst>
-            </p:cNvPr>
-            <p:cNvSpPr/>
-            <p:nvPr>
-              <p:extLst>
-                <p:ext uri="{386F3935-93C4-4BCD-93E2-E3B085C9AB24}">
-                  <p16:designElem xmlns:p16="http://schemas.microsoft.com/office/powerpoint/2015/main" val="1"/>
-                </p:ext>
-              </p:extLst>
-            </p:nvPr>
-          </p:nvSpPr>
-          <p:spPr>
-            <a:xfrm rot="16200000">
-              <a:off x="10435065" y="4048931"/>
-              <a:ext cx="1381607" cy="1381607"/>
-            </a:xfrm>
-            <a:prstGeom prst="ellipse">
-              <a:avLst/>
-            </a:prstGeom>
-            <a:noFill/>
-            <a:ln w="31750">
-              <a:gradFill>
-                <a:gsLst>
-                  <a:gs pos="0">
-                    <a:schemeClr val="tx2">
-                      <a:lumMod val="60000"/>
-                      <a:lumOff val="40000"/>
-                      <a:alpha val="20000"/>
-                    </a:schemeClr>
-                  </a:gs>
-                  <a:gs pos="100000">
-                    <a:schemeClr val="tx2">
-                      <a:lumMod val="50000"/>
-                      <a:alpha val="20000"/>
-                    </a:schemeClr>
-                  </a:gs>
-                </a:gsLst>
-                <a:lin ang="5400000" scaled="1"/>
-              </a:gradFill>
-              <a:prstDash val="sysDot"/>
-            </a:ln>
-          </p:spPr>
-          <p:style>
-            <a:lnRef idx="2">
-              <a:schemeClr val="accent1">
-                <a:shade val="50000"/>
-              </a:schemeClr>
-            </a:lnRef>
-            <a:fillRef idx="1">
-              <a:schemeClr val="accent1"/>
-            </a:fillRef>
-            <a:effectRef idx="0">
-              <a:schemeClr val="accent1"/>
-            </a:effectRef>
-            <a:fontRef idx="minor">
-              <a:schemeClr val="lt1"/>
-            </a:fontRef>
-          </p:style>
-          <p:txBody>
-            <a:bodyPr rtlCol="0" anchor="ctr"/>
-            <a:lstStyle/>
-            <a:p>
-              <a:pPr algn="ctr"/>
-              <a:endParaRPr lang="en-US"/>
-            </a:p>
-          </p:txBody>
-        </p:sp>
-        <p:sp>
-          <p:nvSpPr>
-            <p:cNvPr id="26" name="Oval 25">
-              <a:extLst>
-                <a:ext uri="{FF2B5EF4-FFF2-40B4-BE49-F238E27FC236}">
-                  <a16:creationId xmlns:a16="http://schemas.microsoft.com/office/drawing/2014/main" id="{F7BCD297-22FC-4ECD-95DC-8581D5E6B141}"/>
-                </a:ext>
-                <a:ext uri="{C183D7F6-B498-43B3-948B-1728B52AA6E4}">
-                  <adec:decorative xmlns:adec="http://schemas.microsoft.com/office/drawing/2017/decorative" val="1"/>
-                </a:ext>
-              </a:extLst>
-            </p:cNvPr>
-            <p:cNvSpPr/>
-            <p:nvPr>
-              <p:extLst>
-                <p:ext uri="{386F3935-93C4-4BCD-93E2-E3B085C9AB24}">
-                  <p16:designElem xmlns:p16="http://schemas.microsoft.com/office/powerpoint/2015/main" val="1"/>
-                </p:ext>
-              </p:extLst>
-            </p:nvPr>
-          </p:nvSpPr>
-          <p:spPr>
-            <a:xfrm rot="16200000">
-              <a:off x="1" y="2075420"/>
-              <a:ext cx="3144364" cy="3144364"/>
-            </a:xfrm>
-            <a:prstGeom prst="ellipse">
-              <a:avLst/>
-            </a:prstGeom>
-            <a:gradFill>
-              <a:gsLst>
-                <a:gs pos="0">
-                  <a:schemeClr val="tx2">
-                    <a:lumMod val="75000"/>
-                    <a:alpha val="20000"/>
-                  </a:schemeClr>
-                </a:gs>
-                <a:gs pos="100000">
-                  <a:schemeClr val="tx2">
-                    <a:lumMod val="50000"/>
-                    <a:alpha val="10000"/>
-                  </a:schemeClr>
-                </a:gs>
-              </a:gsLst>
-              <a:lin ang="5400000" scaled="1"/>
-            </a:gradFill>
-            <a:ln>
-              <a:noFill/>
-            </a:ln>
-          </p:spPr>
-          <p:style>
-            <a:lnRef idx="2">
-              <a:schemeClr val="accent1">
-                <a:shade val="50000"/>
-              </a:schemeClr>
-            </a:lnRef>
-            <a:fillRef idx="1">
-              <a:schemeClr val="accent1"/>
-            </a:fillRef>
-            <a:effectRef idx="0">
-              <a:schemeClr val="accent1"/>
-            </a:effectRef>
-            <a:fontRef idx="minor">
-              <a:schemeClr val="lt1"/>
-            </a:fontRef>
-          </p:style>
-          <p:txBody>
-            <a:bodyPr rtlCol="0" anchor="ctr"/>
-            <a:lstStyle/>
-            <a:p>
-              <a:pPr algn="ctr"/>
-              <a:endParaRPr lang="en-US"/>
-            </a:p>
-          </p:txBody>
-        </p:sp>
-        <p:sp>
-          <p:nvSpPr>
-            <p:cNvPr id="27" name="Oval 26">
-              <a:extLst>
-                <a:ext uri="{FF2B5EF4-FFF2-40B4-BE49-F238E27FC236}">
-                  <a16:creationId xmlns:a16="http://schemas.microsoft.com/office/drawing/2014/main" id="{061A25F1-8873-4D98-B8D5-169EA0AC9212}"/>
-                </a:ext>
-                <a:ext uri="{C183D7F6-B498-43B3-948B-1728B52AA6E4}">
-                  <adec:decorative xmlns:adec="http://schemas.microsoft.com/office/drawing/2017/decorative" val="1"/>
-                </a:ext>
-              </a:extLst>
-            </p:cNvPr>
-            <p:cNvSpPr/>
-            <p:nvPr>
-              <p:extLst>
-                <p:ext uri="{386F3935-93C4-4BCD-93E2-E3B085C9AB24}">
-                  <p16:designElem xmlns:p16="http://schemas.microsoft.com/office/powerpoint/2015/main" val="1"/>
-                </p:ext>
-              </p:extLst>
-            </p:nvPr>
-          </p:nvSpPr>
-          <p:spPr>
-            <a:xfrm rot="12600000">
-              <a:off x="10150845" y="4270841"/>
-              <a:ext cx="1897885" cy="1897885"/>
-            </a:xfrm>
-            <a:prstGeom prst="ellipse">
-              <a:avLst/>
-            </a:prstGeom>
-            <a:gradFill>
-              <a:gsLst>
-                <a:gs pos="0">
-                  <a:schemeClr val="tx2">
-                    <a:lumMod val="75000"/>
-                    <a:alpha val="10000"/>
-                  </a:schemeClr>
-                </a:gs>
-                <a:gs pos="100000">
-                  <a:schemeClr val="tx2">
-                    <a:lumMod val="75000"/>
-                    <a:alpha val="20000"/>
-                  </a:schemeClr>
-                </a:gs>
-              </a:gsLst>
-              <a:lin ang="5400000" scaled="1"/>
-            </a:gradFill>
-            <a:ln>
-              <a:noFill/>
-            </a:ln>
-          </p:spPr>
-          <p:style>
-            <a:lnRef idx="2">
-              <a:schemeClr val="accent1">
-                <a:shade val="50000"/>
-              </a:schemeClr>
-            </a:lnRef>
-            <a:fillRef idx="1">
-              <a:schemeClr val="accent1"/>
-            </a:fillRef>
-            <a:effectRef idx="0">
-              <a:schemeClr val="accent1"/>
-            </a:effectRef>
-            <a:fontRef idx="minor">
-              <a:schemeClr val="lt1"/>
-            </a:fontRef>
-          </p:style>
-          <p:txBody>
-            <a:bodyPr rtlCol="0" anchor="ctr"/>
-            <a:lstStyle/>
-            <a:p>
-              <a:pPr algn="ctr"/>
-              <a:endParaRPr lang="en-US" dirty="0"/>
-            </a:p>
-          </p:txBody>
-        </p:sp>
-        <p:sp>
-          <p:nvSpPr>
-            <p:cNvPr id="28" name="Oval 27">
-              <a:extLst>
-                <a:ext uri="{FF2B5EF4-FFF2-40B4-BE49-F238E27FC236}">
-                  <a16:creationId xmlns:a16="http://schemas.microsoft.com/office/drawing/2014/main" id="{CB7BCAD9-3EF1-4FCE-AFA0-BD2C545A735B}"/>
-                </a:ext>
-                <a:ext uri="{C183D7F6-B498-43B3-948B-1728B52AA6E4}">
-                  <adec:decorative xmlns:adec="http://schemas.microsoft.com/office/drawing/2017/decorative" val="1"/>
-                </a:ext>
-              </a:extLst>
-            </p:cNvPr>
-            <p:cNvSpPr/>
-            <p:nvPr>
-              <p:extLst>
-                <p:ext uri="{386F3935-93C4-4BCD-93E2-E3B085C9AB24}">
-                  <p16:designElem xmlns:p16="http://schemas.microsoft.com/office/powerpoint/2015/main" val="1"/>
-                </p:ext>
-              </p:extLst>
-            </p:nvPr>
-          </p:nvSpPr>
-          <p:spPr>
-            <a:xfrm rot="4500000">
-              <a:off x="2046780" y="3040492"/>
-              <a:ext cx="2579322" cy="2579322"/>
-            </a:xfrm>
-            <a:prstGeom prst="ellipse">
-              <a:avLst/>
-            </a:prstGeom>
-            <a:noFill/>
-            <a:ln w="31750">
-              <a:gradFill>
-                <a:gsLst>
-                  <a:gs pos="0">
-                    <a:schemeClr val="tx2">
-                      <a:lumMod val="60000"/>
-                      <a:lumOff val="40000"/>
-                      <a:alpha val="20000"/>
-                    </a:schemeClr>
-                  </a:gs>
-                  <a:gs pos="100000">
-                    <a:schemeClr val="tx2">
-                      <a:lumMod val="50000"/>
-                      <a:alpha val="20000"/>
-                    </a:schemeClr>
-                  </a:gs>
-                </a:gsLst>
-                <a:lin ang="5400000" scaled="1"/>
-              </a:gradFill>
-              <a:prstDash val="sysDot"/>
-            </a:ln>
-          </p:spPr>
-          <p:style>
-            <a:lnRef idx="2">
-              <a:schemeClr val="accent1">
-                <a:shade val="50000"/>
-              </a:schemeClr>
-            </a:lnRef>
-            <a:fillRef idx="1">
-              <a:schemeClr val="accent1"/>
-            </a:fillRef>
-            <a:effectRef idx="0">
-              <a:schemeClr val="accent1"/>
-            </a:effectRef>
-            <a:fontRef idx="minor">
-              <a:schemeClr val="lt1"/>
-            </a:fontRef>
-          </p:style>
-          <p:txBody>
-            <a:bodyPr rtlCol="0" anchor="ctr"/>
-            <a:lstStyle/>
-            <a:p>
-              <a:pPr algn="ctr"/>
-              <a:endParaRPr lang="en-US"/>
-            </a:p>
-          </p:txBody>
-        </p:sp>
-        <p:sp>
-          <p:nvSpPr>
-            <p:cNvPr id="29" name="Oval 28">
-              <a:extLst>
-                <a:ext uri="{FF2B5EF4-FFF2-40B4-BE49-F238E27FC236}">
-                  <a16:creationId xmlns:a16="http://schemas.microsoft.com/office/drawing/2014/main" id="{36649524-3638-4334-8ED6-539D10DF4BCC}"/>
-                </a:ext>
-                <a:ext uri="{C183D7F6-B498-43B3-948B-1728B52AA6E4}">
-                  <adec:decorative xmlns:adec="http://schemas.microsoft.com/office/drawing/2017/decorative" val="1"/>
-                </a:ext>
-              </a:extLst>
-            </p:cNvPr>
-            <p:cNvSpPr/>
-            <p:nvPr>
-              <p:extLst>
-                <p:ext uri="{386F3935-93C4-4BCD-93E2-E3B085C9AB24}">
-                  <p16:designElem xmlns:p16="http://schemas.microsoft.com/office/powerpoint/2015/main" val="1"/>
-                </p:ext>
-              </p:extLst>
-            </p:nvPr>
-          </p:nvSpPr>
-          <p:spPr>
-            <a:xfrm rot="4500000">
-              <a:off x="2224640" y="3193975"/>
-              <a:ext cx="2243193" cy="2243193"/>
-            </a:xfrm>
-            <a:prstGeom prst="ellipse">
-              <a:avLst/>
-            </a:prstGeom>
-            <a:noFill/>
-            <a:ln w="31750">
-              <a:gradFill>
-                <a:gsLst>
-                  <a:gs pos="0">
-                    <a:schemeClr val="tx2">
-                      <a:lumMod val="60000"/>
-                      <a:lumOff val="40000"/>
-                      <a:alpha val="10000"/>
-                    </a:schemeClr>
-                  </a:gs>
-                  <a:gs pos="100000">
-                    <a:schemeClr val="tx2">
-                      <a:lumMod val="50000"/>
-                      <a:alpha val="10000"/>
-                    </a:schemeClr>
-                  </a:gs>
-                </a:gsLst>
-                <a:lin ang="5400000" scaled="1"/>
-              </a:gradFill>
-            </a:ln>
-          </p:spPr>
-          <p:style>
-            <a:lnRef idx="2">
-              <a:schemeClr val="accent1">
-                <a:shade val="50000"/>
-              </a:schemeClr>
-            </a:lnRef>
-            <a:fillRef idx="1">
-              <a:schemeClr val="accent1"/>
-            </a:fillRef>
-            <a:effectRef idx="0">
-              <a:schemeClr val="accent1"/>
-            </a:effectRef>
-            <a:fontRef idx="minor">
-              <a:schemeClr val="lt1"/>
-            </a:fontRef>
-          </p:style>
-          <p:txBody>
-            <a:bodyPr rtlCol="0" anchor="ctr"/>
-            <a:lstStyle/>
-            <a:p>
-              <a:pPr algn="ctr"/>
-              <a:endParaRPr lang="en-US"/>
-            </a:p>
-          </p:txBody>
-        </p:sp>
-      </p:grpSp>
-      <p:sp>
-        <p:nvSpPr>
-          <p:cNvPr id="10" name="Content Placeholder 2">
-            <a:extLst>
-              <a:ext uri="{FF2B5EF4-FFF2-40B4-BE49-F238E27FC236}">
-                <a16:creationId xmlns:a16="http://schemas.microsoft.com/office/drawing/2014/main" id="{8F37BD39-67A4-4B51-80F2-127A53D74839}"/>
-              </a:ext>
-            </a:extLst>
-          </p:cNvPr>
-          <p:cNvSpPr txBox="1">
-            <a:spLocks/>
-          </p:cNvSpPr>
-          <p:nvPr/>
-        </p:nvSpPr>
-        <p:spPr>
-          <a:xfrm>
             <a:off x="630936" y="684915"/>
             <a:ext cx="4651076" cy="1951075"/>
           </a:xfrm>
@@ -24031,512 +21796,7 @@
 </p:sld>
 </file>
 
-<file path=ppt/slides/slide2.xml><?xml version="1.0" encoding="utf-8"?>
-<p:sld xmlns:a="http://schemas.openxmlformats.org/drawingml/2006/main" xmlns:r="http://schemas.openxmlformats.org/officeDocument/2006/relationships" xmlns:p="http://schemas.openxmlformats.org/presentationml/2006/main">
-  <p:cSld>
-    <p:bg>
-      <p:bgPr>
-        <a:solidFill>
-          <a:schemeClr val="bg1">
-            <a:tint val="95000"/>
-            <a:satMod val="170000"/>
-          </a:schemeClr>
-        </a:solidFill>
-        <a:effectLst/>
-      </p:bgPr>
-    </p:bg>
-    <p:spTree>
-      <p:nvGrpSpPr>
-        <p:cNvPr id="1" name=""/>
-        <p:cNvGrpSpPr/>
-        <p:nvPr/>
-      </p:nvGrpSpPr>
-      <p:grpSpPr>
-        <a:xfrm>
-          <a:off x="0" y="0"/>
-          <a:ext cx="0" cy="0"/>
-          <a:chOff x="0" y="0"/>
-          <a:chExt cx="0" cy="0"/>
-        </a:xfrm>
-      </p:grpSpPr>
-      <p:sp>
-        <p:nvSpPr>
-          <p:cNvPr id="17" name="Rectangle 16">
-            <a:extLst>
-              <a:ext uri="{FF2B5EF4-FFF2-40B4-BE49-F238E27FC236}">
-                <a16:creationId xmlns:a16="http://schemas.microsoft.com/office/drawing/2014/main" id="{EE1FC7B4-E4A7-4452-B413-1A623E3A7230}"/>
-              </a:ext>
-              <a:ext uri="{C183D7F6-B498-43B3-948B-1728B52AA6E4}">
-                <adec:decorative xmlns:adec="http://schemas.microsoft.com/office/drawing/2017/decorative" val="1"/>
-              </a:ext>
-            </a:extLst>
-          </p:cNvPr>
-          <p:cNvSpPr>
-            <a:spLocks noGrp="1" noRot="1" noChangeAspect="1" noMove="1" noResize="1" noEditPoints="1" noAdjustHandles="1" noChangeArrowheads="1" noChangeShapeType="1" noTextEdit="1"/>
-          </p:cNvSpPr>
-          <p:nvPr>
-            <p:extLst>
-              <p:ext uri="{386F3935-93C4-4BCD-93E2-E3B085C9AB24}">
-                <p16:designElem xmlns:p16="http://schemas.microsoft.com/office/powerpoint/2015/main" val="1"/>
-              </p:ext>
-            </p:extLst>
-          </p:nvPr>
-        </p:nvSpPr>
-        <p:spPr>
-          <a:xfrm>
-            <a:off x="0" y="-3324"/>
-            <a:ext cx="12192000" cy="6861324"/>
-          </a:xfrm>
-          <a:prstGeom prst="rect">
-            <a:avLst/>
-          </a:prstGeom>
-          <a:solidFill>
-            <a:schemeClr val="bg1">
-              <a:alpha val="9000"/>
-            </a:schemeClr>
-          </a:solidFill>
-          <a:ln>
-            <a:noFill/>
-          </a:ln>
-        </p:spPr>
-        <p:style>
-          <a:lnRef idx="2">
-            <a:schemeClr val="accent1">
-              <a:shade val="50000"/>
-            </a:schemeClr>
-          </a:lnRef>
-          <a:fillRef idx="1">
-            <a:schemeClr val="accent1"/>
-          </a:fillRef>
-          <a:effectRef idx="0">
-            <a:schemeClr val="accent1"/>
-          </a:effectRef>
-          <a:fontRef idx="minor">
-            <a:schemeClr val="lt1"/>
-          </a:fontRef>
-        </p:style>
-        <p:txBody>
-          <a:bodyPr rtlCol="0" anchor="ctr"/>
-          <a:lstStyle/>
-          <a:p>
-            <a:pPr marL="0" marR="0" lvl="0" indent="0" algn="ctr" defTabSz="914400" rtl="0" eaLnBrk="1" fontAlgn="auto" latinLnBrk="0" hangingPunct="1">
-              <a:lnSpc>
-                <a:spcPct val="100000"/>
-              </a:lnSpc>
-              <a:spcBef>
-                <a:spcPts val="0"/>
-              </a:spcBef>
-              <a:spcAft>
-                <a:spcPts val="0"/>
-              </a:spcAft>
-              <a:buClrTx/>
-              <a:buSzTx/>
-              <a:buFontTx/>
-              <a:buNone/>
-              <a:tabLst/>
-              <a:defRPr/>
-            </a:pPr>
-            <a:endParaRPr kumimoji="0" lang="en-US" sz="1800" b="0" i="0" u="none" strike="noStrike" kern="1200" cap="none" spc="0" normalizeH="0" baseline="0" noProof="0">
-              <a:ln>
-                <a:noFill/>
-              </a:ln>
-              <a:solidFill>
-                <a:prstClr val="white"/>
-              </a:solidFill>
-              <a:effectLst/>
-              <a:uLnTx/>
-              <a:uFillTx/>
-              <a:latin typeface="Calibri" panose="020F0502020204030204"/>
-              <a:ea typeface="+mn-ea"/>
-              <a:cs typeface="+mn-cs"/>
-            </a:endParaRPr>
-          </a:p>
-        </p:txBody>
-      </p:sp>
-      <p:sp>
-        <p:nvSpPr>
-          <p:cNvPr id="19" name="Freeform 13">
-            <a:extLst>
-              <a:ext uri="{FF2B5EF4-FFF2-40B4-BE49-F238E27FC236}">
-                <a16:creationId xmlns:a16="http://schemas.microsoft.com/office/drawing/2014/main" id="{E0709AF0-24F0-4486-B189-BE6386BDB198}"/>
-              </a:ext>
-              <a:ext uri="{C183D7F6-B498-43B3-948B-1728B52AA6E4}">
-                <adec:decorative xmlns:adec="http://schemas.microsoft.com/office/drawing/2017/decorative" val="1"/>
-              </a:ext>
-            </a:extLst>
-          </p:cNvPr>
-          <p:cNvSpPr>
-            <a:spLocks noGrp="1" noRot="1" noChangeAspect="1" noMove="1" noResize="1" noEditPoints="1" noAdjustHandles="1" noChangeArrowheads="1" noChangeShapeType="1" noTextEdit="1"/>
-          </p:cNvSpPr>
-          <p:nvPr>
-            <p:extLst>
-              <p:ext uri="{386F3935-93C4-4BCD-93E2-E3B085C9AB24}">
-                <p16:designElem xmlns:p16="http://schemas.microsoft.com/office/powerpoint/2015/main" val="1"/>
-              </p:ext>
-            </p:extLst>
-          </p:nvPr>
-        </p:nvSpPr>
-        <p:spPr>
-          <a:xfrm>
-            <a:off x="0" y="0"/>
-            <a:ext cx="11786754" cy="6858000"/>
-          </a:xfrm>
-          <a:custGeom>
-            <a:avLst/>
-            <a:gdLst>
-              <a:gd name="connsiteX0" fmla="*/ 0 w 11786754"/>
-              <a:gd name="connsiteY0" fmla="*/ 0 h 6858000"/>
-              <a:gd name="connsiteX1" fmla="*/ 8610600 w 11786754"/>
-              <a:gd name="connsiteY1" fmla="*/ 0 h 6858000"/>
-              <a:gd name="connsiteX2" fmla="*/ 11786754 w 11786754"/>
-              <a:gd name="connsiteY2" fmla="*/ 6858000 h 6858000"/>
-              <a:gd name="connsiteX3" fmla="*/ 0 w 11786754"/>
-              <a:gd name="connsiteY3" fmla="*/ 6858000 h 6858000"/>
-            </a:gdLst>
-            <a:ahLst/>
-            <a:cxnLst>
-              <a:cxn ang="0">
-                <a:pos x="connsiteX0" y="connsiteY0"/>
-              </a:cxn>
-              <a:cxn ang="0">
-                <a:pos x="connsiteX1" y="connsiteY1"/>
-              </a:cxn>
-              <a:cxn ang="0">
-                <a:pos x="connsiteX2" y="connsiteY2"/>
-              </a:cxn>
-              <a:cxn ang="0">
-                <a:pos x="connsiteX3" y="connsiteY3"/>
-              </a:cxn>
-            </a:cxnLst>
-            <a:rect l="l" t="t" r="r" b="b"/>
-            <a:pathLst>
-              <a:path w="11786754" h="6858000">
-                <a:moveTo>
-                  <a:pt x="0" y="0"/>
-                </a:moveTo>
-                <a:lnTo>
-                  <a:pt x="8610600" y="0"/>
-                </a:lnTo>
-                <a:lnTo>
-                  <a:pt x="11786754" y="6858000"/>
-                </a:lnTo>
-                <a:lnTo>
-                  <a:pt x="0" y="6858000"/>
-                </a:lnTo>
-                <a:close/>
-              </a:path>
-            </a:pathLst>
-          </a:custGeom>
-          <a:solidFill>
-            <a:schemeClr val="bg1">
-              <a:alpha val="30000"/>
-            </a:schemeClr>
-          </a:solidFill>
-          <a:ln>
-            <a:noFill/>
-          </a:ln>
-        </p:spPr>
-        <p:style>
-          <a:lnRef idx="2">
-            <a:schemeClr val="accent1">
-              <a:shade val="50000"/>
-            </a:schemeClr>
-          </a:lnRef>
-          <a:fillRef idx="1">
-            <a:schemeClr val="accent1"/>
-          </a:fillRef>
-          <a:effectRef idx="0">
-            <a:schemeClr val="accent1"/>
-          </a:effectRef>
-          <a:fontRef idx="minor">
-            <a:schemeClr val="lt1"/>
-          </a:fontRef>
-        </p:style>
-        <p:txBody>
-          <a:bodyPr rtlCol="0" anchor="ctr"/>
-          <a:lstStyle/>
-          <a:p>
-            <a:pPr marL="0" marR="0" lvl="0" indent="0" algn="ctr" defTabSz="914400" rtl="0" eaLnBrk="1" fontAlgn="auto" latinLnBrk="0" hangingPunct="1">
-              <a:lnSpc>
-                <a:spcPct val="100000"/>
-              </a:lnSpc>
-              <a:spcBef>
-                <a:spcPts val="0"/>
-              </a:spcBef>
-              <a:spcAft>
-                <a:spcPts val="0"/>
-              </a:spcAft>
-              <a:buClrTx/>
-              <a:buSzTx/>
-              <a:buFontTx/>
-              <a:buNone/>
-              <a:tabLst/>
-              <a:defRPr/>
-            </a:pPr>
-            <a:endParaRPr kumimoji="0" lang="en-US" sz="1800" b="0" i="0" u="none" strike="noStrike" kern="1200" cap="none" spc="0" normalizeH="0" baseline="0" noProof="0">
-              <a:ln>
-                <a:noFill/>
-              </a:ln>
-              <a:solidFill>
-                <a:prstClr val="white"/>
-              </a:solidFill>
-              <a:effectLst/>
-              <a:uLnTx/>
-              <a:uFillTx/>
-              <a:latin typeface="Calibri" panose="020F0502020204030204"/>
-              <a:ea typeface="+mn-ea"/>
-              <a:cs typeface="+mn-cs"/>
-            </a:endParaRPr>
-          </a:p>
-        </p:txBody>
-      </p:sp>
-      <p:sp>
-        <p:nvSpPr>
-          <p:cNvPr id="21" name="Freeform 11">
-            <a:extLst>
-              <a:ext uri="{FF2B5EF4-FFF2-40B4-BE49-F238E27FC236}">
-                <a16:creationId xmlns:a16="http://schemas.microsoft.com/office/drawing/2014/main" id="{FBE3B62F-5853-4A3C-B050-6186351A7176}"/>
-              </a:ext>
-              <a:ext uri="{C183D7F6-B498-43B3-948B-1728B52AA6E4}">
-                <adec:decorative xmlns:adec="http://schemas.microsoft.com/office/drawing/2017/decorative" val="1"/>
-              </a:ext>
-            </a:extLst>
-          </p:cNvPr>
-          <p:cNvSpPr>
-            <a:spLocks noGrp="1" noRot="1" noChangeAspect="1" noMove="1" noResize="1" noEditPoints="1" noAdjustHandles="1" noChangeArrowheads="1" noChangeShapeType="1" noTextEdit="1"/>
-          </p:cNvSpPr>
-          <p:nvPr>
-            <p:extLst>
-              <p:ext uri="{386F3935-93C4-4BCD-93E2-E3B085C9AB24}">
-                <p16:designElem xmlns:p16="http://schemas.microsoft.com/office/powerpoint/2015/main" val="1"/>
-              </p:ext>
-            </p:extLst>
-          </p:nvPr>
-        </p:nvSpPr>
-        <p:spPr>
-          <a:xfrm>
-            <a:off x="0" y="0"/>
-            <a:ext cx="3581400" cy="6858000"/>
-          </a:xfrm>
-          <a:custGeom>
-            <a:avLst/>
-            <a:gdLst>
-              <a:gd name="connsiteX0" fmla="*/ 0 w 3581400"/>
-              <a:gd name="connsiteY0" fmla="*/ 0 h 6858000"/>
-              <a:gd name="connsiteX1" fmla="*/ 405246 w 3581400"/>
-              <a:gd name="connsiteY1" fmla="*/ 0 h 6858000"/>
-              <a:gd name="connsiteX2" fmla="*/ 3581400 w 3581400"/>
-              <a:gd name="connsiteY2" fmla="*/ 6858000 h 6858000"/>
-              <a:gd name="connsiteX3" fmla="*/ 0 w 3581400"/>
-              <a:gd name="connsiteY3" fmla="*/ 6858000 h 6858000"/>
-            </a:gdLst>
-            <a:ahLst/>
-            <a:cxnLst>
-              <a:cxn ang="0">
-                <a:pos x="connsiteX0" y="connsiteY0"/>
-              </a:cxn>
-              <a:cxn ang="0">
-                <a:pos x="connsiteX1" y="connsiteY1"/>
-              </a:cxn>
-              <a:cxn ang="0">
-                <a:pos x="connsiteX2" y="connsiteY2"/>
-              </a:cxn>
-              <a:cxn ang="0">
-                <a:pos x="connsiteX3" y="connsiteY3"/>
-              </a:cxn>
-            </a:cxnLst>
-            <a:rect l="l" t="t" r="r" b="b"/>
-            <a:pathLst>
-              <a:path w="3581400" h="6858000">
-                <a:moveTo>
-                  <a:pt x="0" y="0"/>
-                </a:moveTo>
-                <a:lnTo>
-                  <a:pt x="405246" y="0"/>
-                </a:lnTo>
-                <a:lnTo>
-                  <a:pt x="3581400" y="6858000"/>
-                </a:lnTo>
-                <a:lnTo>
-                  <a:pt x="0" y="6858000"/>
-                </a:lnTo>
-                <a:close/>
-              </a:path>
-            </a:pathLst>
-          </a:custGeom>
-          <a:solidFill>
-            <a:schemeClr val="bg1">
-              <a:alpha val="30000"/>
-            </a:schemeClr>
-          </a:solidFill>
-          <a:ln>
-            <a:noFill/>
-          </a:ln>
-        </p:spPr>
-        <p:style>
-          <a:lnRef idx="2">
-            <a:schemeClr val="accent1">
-              <a:shade val="50000"/>
-            </a:schemeClr>
-          </a:lnRef>
-          <a:fillRef idx="1">
-            <a:schemeClr val="accent1"/>
-          </a:fillRef>
-          <a:effectRef idx="0">
-            <a:schemeClr val="accent1"/>
-          </a:effectRef>
-          <a:fontRef idx="minor">
-            <a:schemeClr val="lt1"/>
-          </a:fontRef>
-        </p:style>
-        <p:txBody>
-          <a:bodyPr wrap="square" rtlCol="0" anchor="ctr">
-            <a:noAutofit/>
-          </a:bodyPr>
-          <a:lstStyle/>
-          <a:p>
-            <a:pPr marL="0" marR="0" lvl="0" indent="0" algn="ctr" defTabSz="914400" rtl="0" eaLnBrk="1" fontAlgn="auto" latinLnBrk="0" hangingPunct="1">
-              <a:lnSpc>
-                <a:spcPct val="100000"/>
-              </a:lnSpc>
-              <a:spcBef>
-                <a:spcPts val="0"/>
-              </a:spcBef>
-              <a:spcAft>
-                <a:spcPts val="0"/>
-              </a:spcAft>
-              <a:buClrTx/>
-              <a:buSzTx/>
-              <a:buFontTx/>
-              <a:buNone/>
-              <a:tabLst/>
-              <a:defRPr/>
-            </a:pPr>
-            <a:endParaRPr kumimoji="0" lang="en-US" sz="1800" b="0" i="0" u="none" strike="noStrike" kern="1200" cap="none" spc="0" normalizeH="0" baseline="0" noProof="0">
-              <a:ln>
-                <a:noFill/>
-              </a:ln>
-              <a:solidFill>
-                <a:prstClr val="white"/>
-              </a:solidFill>
-              <a:effectLst/>
-              <a:uLnTx/>
-              <a:uFillTx/>
-              <a:latin typeface="Calibri" panose="020F0502020204030204"/>
-              <a:ea typeface="+mn-ea"/>
-              <a:cs typeface="+mn-cs"/>
-            </a:endParaRPr>
-          </a:p>
-        </p:txBody>
-      </p:sp>
-      <p:pic>
-        <p:nvPicPr>
-          <p:cNvPr id="9" name="Picture 8">
-            <a:extLst>
-              <a:ext uri="{FF2B5EF4-FFF2-40B4-BE49-F238E27FC236}">
-                <a16:creationId xmlns:a16="http://schemas.microsoft.com/office/drawing/2014/main" id="{7A385E5D-6CBB-47A3-A07C-A67D0CC916E2}"/>
-              </a:ext>
-            </a:extLst>
-          </p:cNvPr>
-          <p:cNvPicPr>
-            <a:picLocks noChangeAspect="1"/>
-          </p:cNvPicPr>
-          <p:nvPr/>
-        </p:nvPicPr>
-        <p:blipFill>
-          <a:blip r:embed="rId2"/>
-          <a:stretch>
-            <a:fillRect/>
-          </a:stretch>
-        </p:blipFill>
-        <p:spPr>
-          <a:xfrm>
-            <a:off x="1036749" y="2644318"/>
-            <a:ext cx="3456680" cy="1469606"/>
-          </a:xfrm>
-          <a:prstGeom prst="rect">
-            <a:avLst/>
-          </a:prstGeom>
-        </p:spPr>
-      </p:pic>
-      <p:sp>
-        <p:nvSpPr>
-          <p:cNvPr id="3" name="Content Placeholder 2">
-            <a:extLst>
-              <a:ext uri="{FF2B5EF4-FFF2-40B4-BE49-F238E27FC236}">
-                <a16:creationId xmlns:a16="http://schemas.microsoft.com/office/drawing/2014/main" id="{B9CA2082-EC66-4DAE-BDA1-AC4D795676AF}"/>
-              </a:ext>
-            </a:extLst>
-          </p:cNvPr>
-          <p:cNvSpPr>
-            <a:spLocks noGrp="1"/>
-          </p:cNvSpPr>
-          <p:nvPr>
-            <p:ph idx="1"/>
-          </p:nvPr>
-        </p:nvSpPr>
-        <p:spPr>
-          <a:xfrm>
-            <a:off x="5103382" y="2004300"/>
-            <a:ext cx="6032552" cy="3156519"/>
-          </a:xfrm>
-        </p:spPr>
-        <p:txBody>
-          <a:bodyPr>
-            <a:normAutofit/>
-          </a:bodyPr>
-          <a:lstStyle/>
-          <a:p>
-            <a:r>
-              <a:rPr lang="en-US" sz="2000" b="0" i="0" dirty="0">
-                <a:effectLst/>
-                <a:latin typeface="Helvetica Neue"/>
-              </a:rPr>
-              <a:t>The </a:t>
-            </a:r>
-            <a:r>
-              <a:rPr lang="en-US" sz="2000" b="0" i="0" dirty="0" err="1">
-                <a:effectLst/>
-                <a:latin typeface="Helvetica Neue"/>
-              </a:rPr>
-              <a:t>Acea</a:t>
-            </a:r>
-            <a:r>
-              <a:rPr lang="en-US" sz="2000" b="0" i="0" dirty="0">
-                <a:effectLst/>
-                <a:latin typeface="Helvetica Neue"/>
-              </a:rPr>
-              <a:t> Group is one of the leading Italian multiutility operators that manages and develops water and electricity networks and environmental services. Its water services supply a total of 9 million inhabitants in Lazio, Tuscany, Umbria, Molise and Campania regions of Italy. </a:t>
-            </a:r>
-          </a:p>
-          <a:p>
-            <a:r>
-              <a:rPr lang="en-US" sz="2000" b="0" i="0" dirty="0">
-                <a:effectLst/>
-                <a:latin typeface="Helvetica Neue"/>
-              </a:rPr>
-              <a:t>Water supply companies struggle with the forecasting of water levels in the various waterbodies they manage (water spring, lake, river, or aquifer) to handle daily consumption.</a:t>
-            </a:r>
-          </a:p>
-          <a:p>
-            <a:endParaRPr lang="en-SG" sz="2000" dirty="0"/>
-          </a:p>
-        </p:txBody>
-      </p:sp>
-    </p:spTree>
-    <p:extLst>
-      <p:ext uri="{BB962C8B-B14F-4D97-AF65-F5344CB8AC3E}">
-        <p14:creationId xmlns:p14="http://schemas.microsoft.com/office/powerpoint/2010/main" val="1008496626"/>
-      </p:ext>
-    </p:extLst>
-  </p:cSld>
-  <p:clrMapOvr>
-    <a:overrideClrMapping bg1="dk1" tx1="lt1" bg2="dk2" tx2="lt2" accent1="accent1" accent2="accent2" accent3="accent3" accent4="accent4" accent5="accent5" accent6="accent6" hlink="hlink" folHlink="folHlink"/>
-  </p:clrMapOvr>
-</p:sld>
-</file>
-
-<file path=ppt/slides/slide20.xml><?xml version="1.0" encoding="utf-8"?>
+<file path=ppt/slides/slide19.xml><?xml version="1.0" encoding="utf-8"?>
 <p:sld xmlns:a="http://schemas.openxmlformats.org/drawingml/2006/main" xmlns:r="http://schemas.openxmlformats.org/officeDocument/2006/relationships" xmlns:p="http://schemas.openxmlformats.org/presentationml/2006/main">
   <p:cSld>
     <p:bg>
@@ -27011,7 +24271,512 @@
 </p:sld>
 </file>
 
-<file path=ppt/slides/slide21.xml><?xml version="1.0" encoding="utf-8"?>
+<file path=ppt/slides/slide2.xml><?xml version="1.0" encoding="utf-8"?>
+<p:sld xmlns:a="http://schemas.openxmlformats.org/drawingml/2006/main" xmlns:r="http://schemas.openxmlformats.org/officeDocument/2006/relationships" xmlns:p="http://schemas.openxmlformats.org/presentationml/2006/main">
+  <p:cSld>
+    <p:bg>
+      <p:bgPr>
+        <a:solidFill>
+          <a:schemeClr val="bg1">
+            <a:tint val="95000"/>
+            <a:satMod val="170000"/>
+          </a:schemeClr>
+        </a:solidFill>
+        <a:effectLst/>
+      </p:bgPr>
+    </p:bg>
+    <p:spTree>
+      <p:nvGrpSpPr>
+        <p:cNvPr id="1" name=""/>
+        <p:cNvGrpSpPr/>
+        <p:nvPr/>
+      </p:nvGrpSpPr>
+      <p:grpSpPr>
+        <a:xfrm>
+          <a:off x="0" y="0"/>
+          <a:ext cx="0" cy="0"/>
+          <a:chOff x="0" y="0"/>
+          <a:chExt cx="0" cy="0"/>
+        </a:xfrm>
+      </p:grpSpPr>
+      <p:sp>
+        <p:nvSpPr>
+          <p:cNvPr id="17" name="Rectangle 16">
+            <a:extLst>
+              <a:ext uri="{FF2B5EF4-FFF2-40B4-BE49-F238E27FC236}">
+                <a16:creationId xmlns:a16="http://schemas.microsoft.com/office/drawing/2014/main" id="{EE1FC7B4-E4A7-4452-B413-1A623E3A7230}"/>
+              </a:ext>
+              <a:ext uri="{C183D7F6-B498-43B3-948B-1728B52AA6E4}">
+                <adec:decorative xmlns:adec="http://schemas.microsoft.com/office/drawing/2017/decorative" val="1"/>
+              </a:ext>
+            </a:extLst>
+          </p:cNvPr>
+          <p:cNvSpPr>
+            <a:spLocks noGrp="1" noRot="1" noChangeAspect="1" noMove="1" noResize="1" noEditPoints="1" noAdjustHandles="1" noChangeArrowheads="1" noChangeShapeType="1" noTextEdit="1"/>
+          </p:cNvSpPr>
+          <p:nvPr>
+            <p:extLst>
+              <p:ext uri="{386F3935-93C4-4BCD-93E2-E3B085C9AB24}">
+                <p16:designElem xmlns:p16="http://schemas.microsoft.com/office/powerpoint/2015/main" val="1"/>
+              </p:ext>
+            </p:extLst>
+          </p:nvPr>
+        </p:nvSpPr>
+        <p:spPr>
+          <a:xfrm>
+            <a:off x="0" y="-3324"/>
+            <a:ext cx="12192000" cy="6861324"/>
+          </a:xfrm>
+          <a:prstGeom prst="rect">
+            <a:avLst/>
+          </a:prstGeom>
+          <a:solidFill>
+            <a:schemeClr val="bg1">
+              <a:alpha val="9000"/>
+            </a:schemeClr>
+          </a:solidFill>
+          <a:ln>
+            <a:noFill/>
+          </a:ln>
+        </p:spPr>
+        <p:style>
+          <a:lnRef idx="2">
+            <a:schemeClr val="accent1">
+              <a:shade val="50000"/>
+            </a:schemeClr>
+          </a:lnRef>
+          <a:fillRef idx="1">
+            <a:schemeClr val="accent1"/>
+          </a:fillRef>
+          <a:effectRef idx="0">
+            <a:schemeClr val="accent1"/>
+          </a:effectRef>
+          <a:fontRef idx="minor">
+            <a:schemeClr val="lt1"/>
+          </a:fontRef>
+        </p:style>
+        <p:txBody>
+          <a:bodyPr rtlCol="0" anchor="ctr"/>
+          <a:lstStyle/>
+          <a:p>
+            <a:pPr marL="0" marR="0" lvl="0" indent="0" algn="ctr" defTabSz="914400" rtl="0" eaLnBrk="1" fontAlgn="auto" latinLnBrk="0" hangingPunct="1">
+              <a:lnSpc>
+                <a:spcPct val="100000"/>
+              </a:lnSpc>
+              <a:spcBef>
+                <a:spcPts val="0"/>
+              </a:spcBef>
+              <a:spcAft>
+                <a:spcPts val="0"/>
+              </a:spcAft>
+              <a:buClrTx/>
+              <a:buSzTx/>
+              <a:buFontTx/>
+              <a:buNone/>
+              <a:tabLst/>
+              <a:defRPr/>
+            </a:pPr>
+            <a:endParaRPr kumimoji="0" lang="en-US" sz="1800" b="0" i="0" u="none" strike="noStrike" kern="1200" cap="none" spc="0" normalizeH="0" baseline="0" noProof="0">
+              <a:ln>
+                <a:noFill/>
+              </a:ln>
+              <a:solidFill>
+                <a:prstClr val="white"/>
+              </a:solidFill>
+              <a:effectLst/>
+              <a:uLnTx/>
+              <a:uFillTx/>
+              <a:latin typeface="Calibri" panose="020F0502020204030204"/>
+              <a:ea typeface="+mn-ea"/>
+              <a:cs typeface="+mn-cs"/>
+            </a:endParaRPr>
+          </a:p>
+        </p:txBody>
+      </p:sp>
+      <p:sp>
+        <p:nvSpPr>
+          <p:cNvPr id="19" name="Freeform 13">
+            <a:extLst>
+              <a:ext uri="{FF2B5EF4-FFF2-40B4-BE49-F238E27FC236}">
+                <a16:creationId xmlns:a16="http://schemas.microsoft.com/office/drawing/2014/main" id="{E0709AF0-24F0-4486-B189-BE6386BDB198}"/>
+              </a:ext>
+              <a:ext uri="{C183D7F6-B498-43B3-948B-1728B52AA6E4}">
+                <adec:decorative xmlns:adec="http://schemas.microsoft.com/office/drawing/2017/decorative" val="1"/>
+              </a:ext>
+            </a:extLst>
+          </p:cNvPr>
+          <p:cNvSpPr>
+            <a:spLocks noGrp="1" noRot="1" noChangeAspect="1" noMove="1" noResize="1" noEditPoints="1" noAdjustHandles="1" noChangeArrowheads="1" noChangeShapeType="1" noTextEdit="1"/>
+          </p:cNvSpPr>
+          <p:nvPr>
+            <p:extLst>
+              <p:ext uri="{386F3935-93C4-4BCD-93E2-E3B085C9AB24}">
+                <p16:designElem xmlns:p16="http://schemas.microsoft.com/office/powerpoint/2015/main" val="1"/>
+              </p:ext>
+            </p:extLst>
+          </p:nvPr>
+        </p:nvSpPr>
+        <p:spPr>
+          <a:xfrm>
+            <a:off x="0" y="0"/>
+            <a:ext cx="11786754" cy="6858000"/>
+          </a:xfrm>
+          <a:custGeom>
+            <a:avLst/>
+            <a:gdLst>
+              <a:gd name="connsiteX0" fmla="*/ 0 w 11786754"/>
+              <a:gd name="connsiteY0" fmla="*/ 0 h 6858000"/>
+              <a:gd name="connsiteX1" fmla="*/ 8610600 w 11786754"/>
+              <a:gd name="connsiteY1" fmla="*/ 0 h 6858000"/>
+              <a:gd name="connsiteX2" fmla="*/ 11786754 w 11786754"/>
+              <a:gd name="connsiteY2" fmla="*/ 6858000 h 6858000"/>
+              <a:gd name="connsiteX3" fmla="*/ 0 w 11786754"/>
+              <a:gd name="connsiteY3" fmla="*/ 6858000 h 6858000"/>
+            </a:gdLst>
+            <a:ahLst/>
+            <a:cxnLst>
+              <a:cxn ang="0">
+                <a:pos x="connsiteX0" y="connsiteY0"/>
+              </a:cxn>
+              <a:cxn ang="0">
+                <a:pos x="connsiteX1" y="connsiteY1"/>
+              </a:cxn>
+              <a:cxn ang="0">
+                <a:pos x="connsiteX2" y="connsiteY2"/>
+              </a:cxn>
+              <a:cxn ang="0">
+                <a:pos x="connsiteX3" y="connsiteY3"/>
+              </a:cxn>
+            </a:cxnLst>
+            <a:rect l="l" t="t" r="r" b="b"/>
+            <a:pathLst>
+              <a:path w="11786754" h="6858000">
+                <a:moveTo>
+                  <a:pt x="0" y="0"/>
+                </a:moveTo>
+                <a:lnTo>
+                  <a:pt x="8610600" y="0"/>
+                </a:lnTo>
+                <a:lnTo>
+                  <a:pt x="11786754" y="6858000"/>
+                </a:lnTo>
+                <a:lnTo>
+                  <a:pt x="0" y="6858000"/>
+                </a:lnTo>
+                <a:close/>
+              </a:path>
+            </a:pathLst>
+          </a:custGeom>
+          <a:solidFill>
+            <a:schemeClr val="bg1">
+              <a:alpha val="30000"/>
+            </a:schemeClr>
+          </a:solidFill>
+          <a:ln>
+            <a:noFill/>
+          </a:ln>
+        </p:spPr>
+        <p:style>
+          <a:lnRef idx="2">
+            <a:schemeClr val="accent1">
+              <a:shade val="50000"/>
+            </a:schemeClr>
+          </a:lnRef>
+          <a:fillRef idx="1">
+            <a:schemeClr val="accent1"/>
+          </a:fillRef>
+          <a:effectRef idx="0">
+            <a:schemeClr val="accent1"/>
+          </a:effectRef>
+          <a:fontRef idx="minor">
+            <a:schemeClr val="lt1"/>
+          </a:fontRef>
+        </p:style>
+        <p:txBody>
+          <a:bodyPr rtlCol="0" anchor="ctr"/>
+          <a:lstStyle/>
+          <a:p>
+            <a:pPr marL="0" marR="0" lvl="0" indent="0" algn="ctr" defTabSz="914400" rtl="0" eaLnBrk="1" fontAlgn="auto" latinLnBrk="0" hangingPunct="1">
+              <a:lnSpc>
+                <a:spcPct val="100000"/>
+              </a:lnSpc>
+              <a:spcBef>
+                <a:spcPts val="0"/>
+              </a:spcBef>
+              <a:spcAft>
+                <a:spcPts val="0"/>
+              </a:spcAft>
+              <a:buClrTx/>
+              <a:buSzTx/>
+              <a:buFontTx/>
+              <a:buNone/>
+              <a:tabLst/>
+              <a:defRPr/>
+            </a:pPr>
+            <a:endParaRPr kumimoji="0" lang="en-US" sz="1800" b="0" i="0" u="none" strike="noStrike" kern="1200" cap="none" spc="0" normalizeH="0" baseline="0" noProof="0">
+              <a:ln>
+                <a:noFill/>
+              </a:ln>
+              <a:solidFill>
+                <a:prstClr val="white"/>
+              </a:solidFill>
+              <a:effectLst/>
+              <a:uLnTx/>
+              <a:uFillTx/>
+              <a:latin typeface="Calibri" panose="020F0502020204030204"/>
+              <a:ea typeface="+mn-ea"/>
+              <a:cs typeface="+mn-cs"/>
+            </a:endParaRPr>
+          </a:p>
+        </p:txBody>
+      </p:sp>
+      <p:sp>
+        <p:nvSpPr>
+          <p:cNvPr id="21" name="Freeform 11">
+            <a:extLst>
+              <a:ext uri="{FF2B5EF4-FFF2-40B4-BE49-F238E27FC236}">
+                <a16:creationId xmlns:a16="http://schemas.microsoft.com/office/drawing/2014/main" id="{FBE3B62F-5853-4A3C-B050-6186351A7176}"/>
+              </a:ext>
+              <a:ext uri="{C183D7F6-B498-43B3-948B-1728B52AA6E4}">
+                <adec:decorative xmlns:adec="http://schemas.microsoft.com/office/drawing/2017/decorative" val="1"/>
+              </a:ext>
+            </a:extLst>
+          </p:cNvPr>
+          <p:cNvSpPr>
+            <a:spLocks noGrp="1" noRot="1" noChangeAspect="1" noMove="1" noResize="1" noEditPoints="1" noAdjustHandles="1" noChangeArrowheads="1" noChangeShapeType="1" noTextEdit="1"/>
+          </p:cNvSpPr>
+          <p:nvPr>
+            <p:extLst>
+              <p:ext uri="{386F3935-93C4-4BCD-93E2-E3B085C9AB24}">
+                <p16:designElem xmlns:p16="http://schemas.microsoft.com/office/powerpoint/2015/main" val="1"/>
+              </p:ext>
+            </p:extLst>
+          </p:nvPr>
+        </p:nvSpPr>
+        <p:spPr>
+          <a:xfrm>
+            <a:off x="0" y="0"/>
+            <a:ext cx="3581400" cy="6858000"/>
+          </a:xfrm>
+          <a:custGeom>
+            <a:avLst/>
+            <a:gdLst>
+              <a:gd name="connsiteX0" fmla="*/ 0 w 3581400"/>
+              <a:gd name="connsiteY0" fmla="*/ 0 h 6858000"/>
+              <a:gd name="connsiteX1" fmla="*/ 405246 w 3581400"/>
+              <a:gd name="connsiteY1" fmla="*/ 0 h 6858000"/>
+              <a:gd name="connsiteX2" fmla="*/ 3581400 w 3581400"/>
+              <a:gd name="connsiteY2" fmla="*/ 6858000 h 6858000"/>
+              <a:gd name="connsiteX3" fmla="*/ 0 w 3581400"/>
+              <a:gd name="connsiteY3" fmla="*/ 6858000 h 6858000"/>
+            </a:gdLst>
+            <a:ahLst/>
+            <a:cxnLst>
+              <a:cxn ang="0">
+                <a:pos x="connsiteX0" y="connsiteY0"/>
+              </a:cxn>
+              <a:cxn ang="0">
+                <a:pos x="connsiteX1" y="connsiteY1"/>
+              </a:cxn>
+              <a:cxn ang="0">
+                <a:pos x="connsiteX2" y="connsiteY2"/>
+              </a:cxn>
+              <a:cxn ang="0">
+                <a:pos x="connsiteX3" y="connsiteY3"/>
+              </a:cxn>
+            </a:cxnLst>
+            <a:rect l="l" t="t" r="r" b="b"/>
+            <a:pathLst>
+              <a:path w="3581400" h="6858000">
+                <a:moveTo>
+                  <a:pt x="0" y="0"/>
+                </a:moveTo>
+                <a:lnTo>
+                  <a:pt x="405246" y="0"/>
+                </a:lnTo>
+                <a:lnTo>
+                  <a:pt x="3581400" y="6858000"/>
+                </a:lnTo>
+                <a:lnTo>
+                  <a:pt x="0" y="6858000"/>
+                </a:lnTo>
+                <a:close/>
+              </a:path>
+            </a:pathLst>
+          </a:custGeom>
+          <a:solidFill>
+            <a:schemeClr val="bg1">
+              <a:alpha val="30000"/>
+            </a:schemeClr>
+          </a:solidFill>
+          <a:ln>
+            <a:noFill/>
+          </a:ln>
+        </p:spPr>
+        <p:style>
+          <a:lnRef idx="2">
+            <a:schemeClr val="accent1">
+              <a:shade val="50000"/>
+            </a:schemeClr>
+          </a:lnRef>
+          <a:fillRef idx="1">
+            <a:schemeClr val="accent1"/>
+          </a:fillRef>
+          <a:effectRef idx="0">
+            <a:schemeClr val="accent1"/>
+          </a:effectRef>
+          <a:fontRef idx="minor">
+            <a:schemeClr val="lt1"/>
+          </a:fontRef>
+        </p:style>
+        <p:txBody>
+          <a:bodyPr wrap="square" rtlCol="0" anchor="ctr">
+            <a:noAutofit/>
+          </a:bodyPr>
+          <a:lstStyle/>
+          <a:p>
+            <a:pPr marL="0" marR="0" lvl="0" indent="0" algn="ctr" defTabSz="914400" rtl="0" eaLnBrk="1" fontAlgn="auto" latinLnBrk="0" hangingPunct="1">
+              <a:lnSpc>
+                <a:spcPct val="100000"/>
+              </a:lnSpc>
+              <a:spcBef>
+                <a:spcPts val="0"/>
+              </a:spcBef>
+              <a:spcAft>
+                <a:spcPts val="0"/>
+              </a:spcAft>
+              <a:buClrTx/>
+              <a:buSzTx/>
+              <a:buFontTx/>
+              <a:buNone/>
+              <a:tabLst/>
+              <a:defRPr/>
+            </a:pPr>
+            <a:endParaRPr kumimoji="0" lang="en-US" sz="1800" b="0" i="0" u="none" strike="noStrike" kern="1200" cap="none" spc="0" normalizeH="0" baseline="0" noProof="0">
+              <a:ln>
+                <a:noFill/>
+              </a:ln>
+              <a:solidFill>
+                <a:prstClr val="white"/>
+              </a:solidFill>
+              <a:effectLst/>
+              <a:uLnTx/>
+              <a:uFillTx/>
+              <a:latin typeface="Calibri" panose="020F0502020204030204"/>
+              <a:ea typeface="+mn-ea"/>
+              <a:cs typeface="+mn-cs"/>
+            </a:endParaRPr>
+          </a:p>
+        </p:txBody>
+      </p:sp>
+      <p:pic>
+        <p:nvPicPr>
+          <p:cNvPr id="9" name="Picture 8">
+            <a:extLst>
+              <a:ext uri="{FF2B5EF4-FFF2-40B4-BE49-F238E27FC236}">
+                <a16:creationId xmlns:a16="http://schemas.microsoft.com/office/drawing/2014/main" id="{7A385E5D-6CBB-47A3-A07C-A67D0CC916E2}"/>
+              </a:ext>
+            </a:extLst>
+          </p:cNvPr>
+          <p:cNvPicPr>
+            <a:picLocks noChangeAspect="1"/>
+          </p:cNvPicPr>
+          <p:nvPr/>
+        </p:nvPicPr>
+        <p:blipFill>
+          <a:blip r:embed="rId2"/>
+          <a:stretch>
+            <a:fillRect/>
+          </a:stretch>
+        </p:blipFill>
+        <p:spPr>
+          <a:xfrm>
+            <a:off x="1036749" y="2644318"/>
+            <a:ext cx="3456680" cy="1469606"/>
+          </a:xfrm>
+          <a:prstGeom prst="rect">
+            <a:avLst/>
+          </a:prstGeom>
+        </p:spPr>
+      </p:pic>
+      <p:sp>
+        <p:nvSpPr>
+          <p:cNvPr id="3" name="Content Placeholder 2">
+            <a:extLst>
+              <a:ext uri="{FF2B5EF4-FFF2-40B4-BE49-F238E27FC236}">
+                <a16:creationId xmlns:a16="http://schemas.microsoft.com/office/drawing/2014/main" id="{B9CA2082-EC66-4DAE-BDA1-AC4D795676AF}"/>
+              </a:ext>
+            </a:extLst>
+          </p:cNvPr>
+          <p:cNvSpPr>
+            <a:spLocks noGrp="1"/>
+          </p:cNvSpPr>
+          <p:nvPr>
+            <p:ph idx="1"/>
+          </p:nvPr>
+        </p:nvSpPr>
+        <p:spPr>
+          <a:xfrm>
+            <a:off x="5103382" y="2004300"/>
+            <a:ext cx="6032552" cy="3156519"/>
+          </a:xfrm>
+        </p:spPr>
+        <p:txBody>
+          <a:bodyPr>
+            <a:normAutofit/>
+          </a:bodyPr>
+          <a:lstStyle/>
+          <a:p>
+            <a:r>
+              <a:rPr lang="en-US" sz="2000" b="0" i="0" dirty="0">
+                <a:effectLst/>
+                <a:latin typeface="Helvetica Neue"/>
+              </a:rPr>
+              <a:t>The </a:t>
+            </a:r>
+            <a:r>
+              <a:rPr lang="en-US" sz="2000" b="0" i="0" dirty="0" err="1">
+                <a:effectLst/>
+                <a:latin typeface="Helvetica Neue"/>
+              </a:rPr>
+              <a:t>Acea</a:t>
+            </a:r>
+            <a:r>
+              <a:rPr lang="en-US" sz="2000" b="0" i="0" dirty="0">
+                <a:effectLst/>
+                <a:latin typeface="Helvetica Neue"/>
+              </a:rPr>
+              <a:t> Group is one of the leading Italian multiutility operators that manages and develops water and electricity networks and environmental services. Its water services supply a total of 9 million inhabitants in Lazio, Tuscany, Umbria, Molise and Campania regions of Italy. </a:t>
+            </a:r>
+          </a:p>
+          <a:p>
+            <a:r>
+              <a:rPr lang="en-US" sz="2000" b="0" i="0" dirty="0">
+                <a:effectLst/>
+                <a:latin typeface="Helvetica Neue"/>
+              </a:rPr>
+              <a:t>Water supply companies struggle with the forecasting of water levels in the various waterbodies they manage (water spring, lake, river, or aquifer) to handle daily consumption.</a:t>
+            </a:r>
+          </a:p>
+          <a:p>
+            <a:endParaRPr lang="en-SG" sz="2000" dirty="0"/>
+          </a:p>
+        </p:txBody>
+      </p:sp>
+    </p:spTree>
+    <p:extLst>
+      <p:ext uri="{BB962C8B-B14F-4D97-AF65-F5344CB8AC3E}">
+        <p14:creationId xmlns:p14="http://schemas.microsoft.com/office/powerpoint/2010/main" val="1008496626"/>
+      </p:ext>
+    </p:extLst>
+  </p:cSld>
+  <p:clrMapOvr>
+    <a:overrideClrMapping bg1="dk1" tx1="lt1" bg2="dk2" tx2="lt2" accent1="accent1" accent2="accent2" accent3="accent3" accent4="accent4" accent5="accent5" accent6="accent6" hlink="hlink" folHlink="folHlink"/>
+  </p:clrMapOvr>
+</p:sld>
+</file>
+
+<file path=ppt/slides/slide20.xml><?xml version="1.0" encoding="utf-8"?>
 <p:sld xmlns:a="http://schemas.openxmlformats.org/drawingml/2006/main" xmlns:r="http://schemas.openxmlformats.org/officeDocument/2006/relationships" xmlns:p="http://schemas.openxmlformats.org/presentationml/2006/main">
   <p:cSld>
     <p:bg>
@@ -29206,7 +26971,7 @@
 </p:sld>
 </file>
 
-<file path=ppt/slides/slide22.xml><?xml version="1.0" encoding="utf-8"?>
+<file path=ppt/slides/slide21.xml><?xml version="1.0" encoding="utf-8"?>
 <p:sld xmlns:a="http://schemas.openxmlformats.org/drawingml/2006/main" xmlns:r="http://schemas.openxmlformats.org/officeDocument/2006/relationships" xmlns:p="http://schemas.openxmlformats.org/presentationml/2006/main">
   <p:cSld>
     <p:bg>
@@ -29953,7 +27718,7 @@
         </p:spPr>
         <p:txBody>
           <a:bodyPr vert="horz" lIns="91440" tIns="45720" rIns="91440" bIns="45720" rtlCol="0" anchor="t">
-            <a:normAutofit/>
+            <a:normAutofit fontScale="92500" lnSpcReduction="20000"/>
           </a:bodyPr>
           <a:lstStyle>
             <a:lvl1pPr marL="228600" indent="-228600" algn="l" defTabSz="914400" rtl="0" eaLnBrk="1" latinLnBrk="0" hangingPunct="1">
@@ -30138,7 +27903,7 @@
                 <a:ea typeface="+mj-ea"/>
                 <a:cs typeface="+mj-cs"/>
               </a:rPr>
-              <a:t>Heatmap of SAL after shift</a:t>
+              <a:t>Heatmap after roll/shift with SAL as target variable</a:t>
             </a:r>
           </a:p>
         </p:txBody>
@@ -31141,7 +28906,7 @@
 </p:sld>
 </file>
 
-<file path=ppt/slides/slide23.xml><?xml version="1.0" encoding="utf-8"?>
+<file path=ppt/slides/slide22.xml><?xml version="1.0" encoding="utf-8"?>
 <p:sld xmlns:a="http://schemas.openxmlformats.org/drawingml/2006/main" xmlns:r="http://schemas.openxmlformats.org/officeDocument/2006/relationships" xmlns:p="http://schemas.openxmlformats.org/presentationml/2006/main">
   <p:cSld>
     <p:bg>
@@ -33309,7 +31074,7 @@
         </p:nvSpPr>
         <p:spPr>
           <a:xfrm>
-            <a:off x="1131773" y="2753638"/>
+            <a:off x="1131773" y="2546245"/>
             <a:ext cx="10263141" cy="3502668"/>
           </a:xfrm>
           <a:prstGeom prst="rect">
@@ -33532,7 +31297,17 @@
                   <a:schemeClr val="bg1"/>
                 </a:solidFill>
               </a:rPr>
-              <a:t>RMSE = 25cm and 24% of standard deviation </a:t>
+              <a:t>Train RMSE = 0.19m</a:t>
+            </a:r>
+          </a:p>
+          <a:p>
+            <a:r>
+              <a:rPr lang="en-US" sz="2400" dirty="0">
+                <a:solidFill>
+                  <a:schemeClr val="bg1"/>
+                </a:solidFill>
+              </a:rPr>
+              <a:t>Test RMSE = 0.25m and 24% of standard deviation </a:t>
             </a:r>
           </a:p>
         </p:txBody>
@@ -33589,7 +31364,7 @@
         </p:blipFill>
         <p:spPr>
           <a:xfrm>
-            <a:off x="250424" y="4195581"/>
+            <a:off x="250424" y="4374691"/>
             <a:ext cx="7766402" cy="2473627"/>
           </a:xfrm>
           <a:prstGeom prst="rect">
@@ -33601,6 +31376,815 @@
     <p:extLst>
       <p:ext uri="{BB962C8B-B14F-4D97-AF65-F5344CB8AC3E}">
         <p14:creationId xmlns:p14="http://schemas.microsoft.com/office/powerpoint/2010/main" val="4049344149"/>
+      </p:ext>
+    </p:extLst>
+  </p:cSld>
+  <p:clrMapOvr>
+    <a:masterClrMapping/>
+  </p:clrMapOvr>
+</p:sld>
+</file>
+
+<file path=ppt/slides/slide23.xml><?xml version="1.0" encoding="utf-8"?>
+<p:sld xmlns:a="http://schemas.openxmlformats.org/drawingml/2006/main" xmlns:r="http://schemas.openxmlformats.org/officeDocument/2006/relationships" xmlns:p="http://schemas.openxmlformats.org/presentationml/2006/main">
+  <p:cSld>
+    <p:bg>
+      <p:bgPr>
+        <a:solidFill>
+          <a:schemeClr val="bg1"/>
+        </a:solidFill>
+        <a:effectLst/>
+      </p:bgPr>
+    </p:bg>
+    <p:spTree>
+      <p:nvGrpSpPr>
+        <p:cNvPr id="1" name=""/>
+        <p:cNvGrpSpPr/>
+        <p:nvPr/>
+      </p:nvGrpSpPr>
+      <p:grpSpPr>
+        <a:xfrm>
+          <a:off x="0" y="0"/>
+          <a:ext cx="0" cy="0"/>
+          <a:chOff x="0" y="0"/>
+          <a:chExt cx="0" cy="0"/>
+        </a:xfrm>
+      </p:grpSpPr>
+      <p:sp>
+        <p:nvSpPr>
+          <p:cNvPr id="71" name="Rectangle 70">
+            <a:extLst>
+              <a:ext uri="{FF2B5EF4-FFF2-40B4-BE49-F238E27FC236}">
+                <a16:creationId xmlns:a16="http://schemas.microsoft.com/office/drawing/2014/main" id="{20366137-3DBB-4912-98D5-6727020207DE}"/>
+              </a:ext>
+              <a:ext uri="{C183D7F6-B498-43B3-948B-1728B52AA6E4}">
+                <adec:decorative xmlns:adec="http://schemas.microsoft.com/office/drawing/2017/decorative" val="1"/>
+              </a:ext>
+            </a:extLst>
+          </p:cNvPr>
+          <p:cNvSpPr>
+            <a:spLocks noGrp="1" noRot="1" noChangeAspect="1" noMove="1" noResize="1" noEditPoints="1" noAdjustHandles="1" noChangeArrowheads="1" noChangeShapeType="1" noTextEdit="1"/>
+          </p:cNvSpPr>
+          <p:nvPr>
+            <p:extLst>
+              <p:ext uri="{386F3935-93C4-4BCD-93E2-E3B085C9AB24}">
+                <p16:designElem xmlns:p16="http://schemas.microsoft.com/office/powerpoint/2015/main" val="1"/>
+              </p:ext>
+            </p:extLst>
+          </p:nvPr>
+        </p:nvSpPr>
+        <p:spPr>
+          <a:xfrm>
+            <a:off x="0" y="0"/>
+            <a:ext cx="12192000" cy="6858000"/>
+          </a:xfrm>
+          <a:prstGeom prst="rect">
+            <a:avLst/>
+          </a:prstGeom>
+          <a:solidFill>
+            <a:schemeClr val="tx1"/>
+          </a:solidFill>
+          <a:ln w="12700" cap="flat" cmpd="sng" algn="ctr">
+            <a:noFill/>
+            <a:prstDash val="solid"/>
+            <a:miter lim="800000"/>
+          </a:ln>
+          <a:effectLst/>
+        </p:spPr>
+        <p:style>
+          <a:lnRef idx="2">
+            <a:schemeClr val="accent1">
+              <a:shade val="50000"/>
+            </a:schemeClr>
+          </a:lnRef>
+          <a:fillRef idx="1">
+            <a:schemeClr val="accent1"/>
+          </a:fillRef>
+          <a:effectRef idx="0">
+            <a:schemeClr val="accent1"/>
+          </a:effectRef>
+          <a:fontRef idx="minor">
+            <a:schemeClr val="lt1"/>
+          </a:fontRef>
+        </p:style>
+        <p:txBody>
+          <a:bodyPr rtlCol="0" anchor="ctr"/>
+          <a:lstStyle/>
+          <a:p>
+            <a:pPr algn="ctr"/>
+            <a:endParaRPr lang="en-US"/>
+          </a:p>
+        </p:txBody>
+      </p:sp>
+      <p:sp>
+        <p:nvSpPr>
+          <p:cNvPr id="73" name="Rectangle 72">
+            <a:extLst>
+              <a:ext uri="{FF2B5EF4-FFF2-40B4-BE49-F238E27FC236}">
+                <a16:creationId xmlns:a16="http://schemas.microsoft.com/office/drawing/2014/main" id="{5D28D1CE-5BF4-45B7-8D6D-B31A3198079C}"/>
+              </a:ext>
+              <a:ext uri="{C183D7F6-B498-43B3-948B-1728B52AA6E4}">
+                <adec:decorative xmlns:adec="http://schemas.microsoft.com/office/drawing/2017/decorative" val="1"/>
+              </a:ext>
+            </a:extLst>
+          </p:cNvPr>
+          <p:cNvSpPr>
+            <a:spLocks noGrp="1" noRot="1" noChangeAspect="1" noMove="1" noResize="1" noEditPoints="1" noAdjustHandles="1" noChangeArrowheads="1" noChangeShapeType="1" noTextEdit="1"/>
+          </p:cNvSpPr>
+          <p:nvPr>
+            <p:extLst>
+              <p:ext uri="{386F3935-93C4-4BCD-93E2-E3B085C9AB24}">
+                <p16:designElem xmlns:p16="http://schemas.microsoft.com/office/powerpoint/2015/main" val="1"/>
+              </p:ext>
+            </p:extLst>
+          </p:nvPr>
+        </p:nvSpPr>
+        <p:spPr>
+          <a:xfrm>
+            <a:off x="0" y="1"/>
+            <a:ext cx="4775791" cy="6857999"/>
+          </a:xfrm>
+          <a:prstGeom prst="rect">
+            <a:avLst/>
+          </a:prstGeom>
+          <a:solidFill>
+            <a:schemeClr val="tx2">
+              <a:alpha val="40000"/>
+            </a:schemeClr>
+          </a:solidFill>
+          <a:ln>
+            <a:noFill/>
+          </a:ln>
+        </p:spPr>
+        <p:style>
+          <a:lnRef idx="2">
+            <a:schemeClr val="accent1">
+              <a:shade val="50000"/>
+            </a:schemeClr>
+          </a:lnRef>
+          <a:fillRef idx="1">
+            <a:schemeClr val="accent1"/>
+          </a:fillRef>
+          <a:effectRef idx="0">
+            <a:schemeClr val="accent1"/>
+          </a:effectRef>
+          <a:fontRef idx="minor">
+            <a:schemeClr val="lt1"/>
+          </a:fontRef>
+        </p:style>
+        <p:txBody>
+          <a:bodyPr rtlCol="0" anchor="ctr"/>
+          <a:lstStyle/>
+          <a:p>
+            <a:pPr algn="ctr"/>
+            <a:endParaRPr lang="en-US"/>
+          </a:p>
+        </p:txBody>
+      </p:sp>
+      <p:sp>
+        <p:nvSpPr>
+          <p:cNvPr id="10" name="Content Placeholder 2">
+            <a:extLst>
+              <a:ext uri="{FF2B5EF4-FFF2-40B4-BE49-F238E27FC236}">
+                <a16:creationId xmlns:a16="http://schemas.microsoft.com/office/drawing/2014/main" id="{8F37BD39-67A4-4B51-80F2-127A53D74839}"/>
+              </a:ext>
+            </a:extLst>
+          </p:cNvPr>
+          <p:cNvSpPr txBox="1">
+            <a:spLocks/>
+          </p:cNvSpPr>
+          <p:nvPr/>
+        </p:nvSpPr>
+        <p:spPr>
+          <a:xfrm>
+            <a:off x="1024522" y="343553"/>
+            <a:ext cx="2668378" cy="898211"/>
+          </a:xfrm>
+          <a:prstGeom prst="rect">
+            <a:avLst/>
+          </a:prstGeom>
+        </p:spPr>
+        <p:txBody>
+          <a:bodyPr vert="horz" lIns="91440" tIns="45720" rIns="91440" bIns="45720" rtlCol="0" anchor="b">
+            <a:normAutofit/>
+          </a:bodyPr>
+          <a:lstStyle>
+            <a:lvl1pPr marL="228600" indent="-228600" algn="l" defTabSz="914400" rtl="0" eaLnBrk="1" latinLnBrk="0" hangingPunct="1">
+              <a:lnSpc>
+                <a:spcPct val="90000"/>
+              </a:lnSpc>
+              <a:spcBef>
+                <a:spcPts val="1000"/>
+              </a:spcBef>
+              <a:buFont typeface="Arial" panose="020B0604020202020204" pitchFamily="34" charset="0"/>
+              <a:buChar char="•"/>
+              <a:defRPr sz="2800" kern="1200">
+                <a:solidFill>
+                  <a:schemeClr val="tx1"/>
+                </a:solidFill>
+                <a:latin typeface="+mn-lt"/>
+                <a:ea typeface="+mn-ea"/>
+                <a:cs typeface="+mn-cs"/>
+              </a:defRPr>
+            </a:lvl1pPr>
+            <a:lvl2pPr marL="685800" indent="-228600" algn="l" defTabSz="914400" rtl="0" eaLnBrk="1" latinLnBrk="0" hangingPunct="1">
+              <a:lnSpc>
+                <a:spcPct val="90000"/>
+              </a:lnSpc>
+              <a:spcBef>
+                <a:spcPts val="500"/>
+              </a:spcBef>
+              <a:buFont typeface="Arial" panose="020B0604020202020204" pitchFamily="34" charset="0"/>
+              <a:buChar char="•"/>
+              <a:defRPr sz="2400" kern="1200">
+                <a:solidFill>
+                  <a:schemeClr val="tx1"/>
+                </a:solidFill>
+                <a:latin typeface="+mn-lt"/>
+                <a:ea typeface="+mn-ea"/>
+                <a:cs typeface="+mn-cs"/>
+              </a:defRPr>
+            </a:lvl2pPr>
+            <a:lvl3pPr marL="1143000" indent="-228600" algn="l" defTabSz="914400" rtl="0" eaLnBrk="1" latinLnBrk="0" hangingPunct="1">
+              <a:lnSpc>
+                <a:spcPct val="90000"/>
+              </a:lnSpc>
+              <a:spcBef>
+                <a:spcPts val="500"/>
+              </a:spcBef>
+              <a:buFont typeface="Arial" panose="020B0604020202020204" pitchFamily="34" charset="0"/>
+              <a:buChar char="•"/>
+              <a:defRPr sz="2000" kern="1200">
+                <a:solidFill>
+                  <a:schemeClr val="tx1"/>
+                </a:solidFill>
+                <a:latin typeface="+mn-lt"/>
+                <a:ea typeface="+mn-ea"/>
+                <a:cs typeface="+mn-cs"/>
+              </a:defRPr>
+            </a:lvl3pPr>
+            <a:lvl4pPr marL="1600200" indent="-228600" algn="l" defTabSz="914400" rtl="0" eaLnBrk="1" latinLnBrk="0" hangingPunct="1">
+              <a:lnSpc>
+                <a:spcPct val="90000"/>
+              </a:lnSpc>
+              <a:spcBef>
+                <a:spcPts val="500"/>
+              </a:spcBef>
+              <a:buFont typeface="Arial" panose="020B0604020202020204" pitchFamily="34" charset="0"/>
+              <a:buChar char="•"/>
+              <a:defRPr sz="1800" kern="1200">
+                <a:solidFill>
+                  <a:schemeClr val="tx1"/>
+                </a:solidFill>
+                <a:latin typeface="+mn-lt"/>
+                <a:ea typeface="+mn-ea"/>
+                <a:cs typeface="+mn-cs"/>
+              </a:defRPr>
+            </a:lvl4pPr>
+            <a:lvl5pPr marL="2057400" indent="-228600" algn="l" defTabSz="914400" rtl="0" eaLnBrk="1" latinLnBrk="0" hangingPunct="1">
+              <a:lnSpc>
+                <a:spcPct val="90000"/>
+              </a:lnSpc>
+              <a:spcBef>
+                <a:spcPts val="500"/>
+              </a:spcBef>
+              <a:buFont typeface="Arial" panose="020B0604020202020204" pitchFamily="34" charset="0"/>
+              <a:buChar char="•"/>
+              <a:defRPr sz="1800" kern="1200">
+                <a:solidFill>
+                  <a:schemeClr val="tx1"/>
+                </a:solidFill>
+                <a:latin typeface="+mn-lt"/>
+                <a:ea typeface="+mn-ea"/>
+                <a:cs typeface="+mn-cs"/>
+              </a:defRPr>
+            </a:lvl5pPr>
+            <a:lvl6pPr marL="2514600" indent="-228600" algn="l" defTabSz="914400" rtl="0" eaLnBrk="1" latinLnBrk="0" hangingPunct="1">
+              <a:lnSpc>
+                <a:spcPct val="90000"/>
+              </a:lnSpc>
+              <a:spcBef>
+                <a:spcPts val="500"/>
+              </a:spcBef>
+              <a:buFont typeface="Arial" panose="020B0604020202020204" pitchFamily="34" charset="0"/>
+              <a:buChar char="•"/>
+              <a:defRPr sz="1800" kern="1200">
+                <a:solidFill>
+                  <a:schemeClr val="tx1"/>
+                </a:solidFill>
+                <a:latin typeface="+mn-lt"/>
+                <a:ea typeface="+mn-ea"/>
+                <a:cs typeface="+mn-cs"/>
+              </a:defRPr>
+            </a:lvl6pPr>
+            <a:lvl7pPr marL="2971800" indent="-228600" algn="l" defTabSz="914400" rtl="0" eaLnBrk="1" latinLnBrk="0" hangingPunct="1">
+              <a:lnSpc>
+                <a:spcPct val="90000"/>
+              </a:lnSpc>
+              <a:spcBef>
+                <a:spcPts val="500"/>
+              </a:spcBef>
+              <a:buFont typeface="Arial" panose="020B0604020202020204" pitchFamily="34" charset="0"/>
+              <a:buChar char="•"/>
+              <a:defRPr sz="1800" kern="1200">
+                <a:solidFill>
+                  <a:schemeClr val="tx1"/>
+                </a:solidFill>
+                <a:latin typeface="+mn-lt"/>
+                <a:ea typeface="+mn-ea"/>
+                <a:cs typeface="+mn-cs"/>
+              </a:defRPr>
+            </a:lvl7pPr>
+            <a:lvl8pPr marL="3429000" indent="-228600" algn="l" defTabSz="914400" rtl="0" eaLnBrk="1" latinLnBrk="0" hangingPunct="1">
+              <a:lnSpc>
+                <a:spcPct val="90000"/>
+              </a:lnSpc>
+              <a:spcBef>
+                <a:spcPts val="500"/>
+              </a:spcBef>
+              <a:buFont typeface="Arial" panose="020B0604020202020204" pitchFamily="34" charset="0"/>
+              <a:buChar char="•"/>
+              <a:defRPr sz="1800" kern="1200">
+                <a:solidFill>
+                  <a:schemeClr val="tx1"/>
+                </a:solidFill>
+                <a:latin typeface="+mn-lt"/>
+                <a:ea typeface="+mn-ea"/>
+                <a:cs typeface="+mn-cs"/>
+              </a:defRPr>
+            </a:lvl8pPr>
+            <a:lvl9pPr marL="3886200" indent="-228600" algn="l" defTabSz="914400" rtl="0" eaLnBrk="1" latinLnBrk="0" hangingPunct="1">
+              <a:lnSpc>
+                <a:spcPct val="90000"/>
+              </a:lnSpc>
+              <a:spcBef>
+                <a:spcPts val="500"/>
+              </a:spcBef>
+              <a:buFont typeface="Arial" panose="020B0604020202020204" pitchFamily="34" charset="0"/>
+              <a:buChar char="•"/>
+              <a:defRPr sz="1800" kern="1200">
+                <a:solidFill>
+                  <a:schemeClr val="tx1"/>
+                </a:solidFill>
+                <a:latin typeface="+mn-lt"/>
+                <a:ea typeface="+mn-ea"/>
+                <a:cs typeface="+mn-cs"/>
+              </a:defRPr>
+            </a:lvl9pPr>
+          </a:lstStyle>
+          <a:p>
+            <a:pPr marL="0" indent="0" algn="ctr">
+              <a:spcBef>
+                <a:spcPct val="0"/>
+              </a:spcBef>
+              <a:spcAft>
+                <a:spcPts val="600"/>
+              </a:spcAft>
+              <a:buNone/>
+            </a:pPr>
+            <a:r>
+              <a:rPr lang="en-US" sz="2600" b="1" dirty="0">
+                <a:solidFill>
+                  <a:schemeClr val="bg1">
+                    <a:alpha val="60000"/>
+                  </a:schemeClr>
+                </a:solidFill>
+                <a:latin typeface="+mj-lt"/>
+                <a:ea typeface="+mj-ea"/>
+                <a:cs typeface="+mj-cs"/>
+              </a:rPr>
+              <a:t>SARIMA Model for LT2 Depth</a:t>
+            </a:r>
+          </a:p>
+        </p:txBody>
+      </p:sp>
+      <p:sp>
+        <p:nvSpPr>
+          <p:cNvPr id="66" name="Content Placeholder 13">
+            <a:extLst>
+              <a:ext uri="{FF2B5EF4-FFF2-40B4-BE49-F238E27FC236}">
+                <a16:creationId xmlns:a16="http://schemas.microsoft.com/office/drawing/2014/main" id="{BF0F2C72-E870-4FB3-9AFB-61FFBA4E2053}"/>
+              </a:ext>
+            </a:extLst>
+          </p:cNvPr>
+          <p:cNvSpPr txBox="1">
+            <a:spLocks/>
+          </p:cNvSpPr>
+          <p:nvPr/>
+        </p:nvSpPr>
+        <p:spPr>
+          <a:xfrm>
+            <a:off x="773526" y="1584440"/>
+            <a:ext cx="3228738" cy="1129386"/>
+          </a:xfrm>
+          <a:prstGeom prst="rect">
+            <a:avLst/>
+          </a:prstGeom>
+        </p:spPr>
+        <p:txBody>
+          <a:bodyPr vert="horz" lIns="91440" tIns="45720" rIns="91440" bIns="45720" rtlCol="0" anchor="t">
+            <a:normAutofit/>
+          </a:bodyPr>
+          <a:lstStyle>
+            <a:lvl1pPr marL="228600" indent="-228600" algn="l" defTabSz="914400" rtl="0" eaLnBrk="1" latinLnBrk="0" hangingPunct="1">
+              <a:lnSpc>
+                <a:spcPct val="90000"/>
+              </a:lnSpc>
+              <a:spcBef>
+                <a:spcPts val="1000"/>
+              </a:spcBef>
+              <a:buFont typeface="Arial" panose="020B0604020202020204" pitchFamily="34" charset="0"/>
+              <a:buChar char="•"/>
+              <a:defRPr sz="2800" kern="1200">
+                <a:solidFill>
+                  <a:schemeClr val="tx1"/>
+                </a:solidFill>
+                <a:latin typeface="+mn-lt"/>
+                <a:ea typeface="+mn-ea"/>
+                <a:cs typeface="+mn-cs"/>
+              </a:defRPr>
+            </a:lvl1pPr>
+            <a:lvl2pPr marL="685800" indent="-228600" algn="l" defTabSz="914400" rtl="0" eaLnBrk="1" latinLnBrk="0" hangingPunct="1">
+              <a:lnSpc>
+                <a:spcPct val="90000"/>
+              </a:lnSpc>
+              <a:spcBef>
+                <a:spcPts val="500"/>
+              </a:spcBef>
+              <a:buFont typeface="Arial" panose="020B0604020202020204" pitchFamily="34" charset="0"/>
+              <a:buChar char="•"/>
+              <a:defRPr sz="2400" kern="1200">
+                <a:solidFill>
+                  <a:schemeClr val="tx1"/>
+                </a:solidFill>
+                <a:latin typeface="+mn-lt"/>
+                <a:ea typeface="+mn-ea"/>
+                <a:cs typeface="+mn-cs"/>
+              </a:defRPr>
+            </a:lvl2pPr>
+            <a:lvl3pPr marL="1143000" indent="-228600" algn="l" defTabSz="914400" rtl="0" eaLnBrk="1" latinLnBrk="0" hangingPunct="1">
+              <a:lnSpc>
+                <a:spcPct val="90000"/>
+              </a:lnSpc>
+              <a:spcBef>
+                <a:spcPts val="500"/>
+              </a:spcBef>
+              <a:buFont typeface="Arial" panose="020B0604020202020204" pitchFamily="34" charset="0"/>
+              <a:buChar char="•"/>
+              <a:defRPr sz="2000" kern="1200">
+                <a:solidFill>
+                  <a:schemeClr val="tx1"/>
+                </a:solidFill>
+                <a:latin typeface="+mn-lt"/>
+                <a:ea typeface="+mn-ea"/>
+                <a:cs typeface="+mn-cs"/>
+              </a:defRPr>
+            </a:lvl3pPr>
+            <a:lvl4pPr marL="1600200" indent="-228600" algn="l" defTabSz="914400" rtl="0" eaLnBrk="1" latinLnBrk="0" hangingPunct="1">
+              <a:lnSpc>
+                <a:spcPct val="90000"/>
+              </a:lnSpc>
+              <a:spcBef>
+                <a:spcPts val="500"/>
+              </a:spcBef>
+              <a:buFont typeface="Arial" panose="020B0604020202020204" pitchFamily="34" charset="0"/>
+              <a:buChar char="•"/>
+              <a:defRPr sz="1800" kern="1200">
+                <a:solidFill>
+                  <a:schemeClr val="tx1"/>
+                </a:solidFill>
+                <a:latin typeface="+mn-lt"/>
+                <a:ea typeface="+mn-ea"/>
+                <a:cs typeface="+mn-cs"/>
+              </a:defRPr>
+            </a:lvl4pPr>
+            <a:lvl5pPr marL="2057400" indent="-228600" algn="l" defTabSz="914400" rtl="0" eaLnBrk="1" latinLnBrk="0" hangingPunct="1">
+              <a:lnSpc>
+                <a:spcPct val="90000"/>
+              </a:lnSpc>
+              <a:spcBef>
+                <a:spcPts val="500"/>
+              </a:spcBef>
+              <a:buFont typeface="Arial" panose="020B0604020202020204" pitchFamily="34" charset="0"/>
+              <a:buChar char="•"/>
+              <a:defRPr sz="1800" kern="1200">
+                <a:solidFill>
+                  <a:schemeClr val="tx1"/>
+                </a:solidFill>
+                <a:latin typeface="+mn-lt"/>
+                <a:ea typeface="+mn-ea"/>
+                <a:cs typeface="+mn-cs"/>
+              </a:defRPr>
+            </a:lvl5pPr>
+            <a:lvl6pPr marL="2514600" indent="-228600" algn="l" defTabSz="914400" rtl="0" eaLnBrk="1" latinLnBrk="0" hangingPunct="1">
+              <a:lnSpc>
+                <a:spcPct val="90000"/>
+              </a:lnSpc>
+              <a:spcBef>
+                <a:spcPts val="500"/>
+              </a:spcBef>
+              <a:buFont typeface="Arial" panose="020B0604020202020204" pitchFamily="34" charset="0"/>
+              <a:buChar char="•"/>
+              <a:defRPr sz="1800" kern="1200">
+                <a:solidFill>
+                  <a:schemeClr val="tx1"/>
+                </a:solidFill>
+                <a:latin typeface="+mn-lt"/>
+                <a:ea typeface="+mn-ea"/>
+                <a:cs typeface="+mn-cs"/>
+              </a:defRPr>
+            </a:lvl6pPr>
+            <a:lvl7pPr marL="2971800" indent="-228600" algn="l" defTabSz="914400" rtl="0" eaLnBrk="1" latinLnBrk="0" hangingPunct="1">
+              <a:lnSpc>
+                <a:spcPct val="90000"/>
+              </a:lnSpc>
+              <a:spcBef>
+                <a:spcPts val="500"/>
+              </a:spcBef>
+              <a:buFont typeface="Arial" panose="020B0604020202020204" pitchFamily="34" charset="0"/>
+              <a:buChar char="•"/>
+              <a:defRPr sz="1800" kern="1200">
+                <a:solidFill>
+                  <a:schemeClr val="tx1"/>
+                </a:solidFill>
+                <a:latin typeface="+mn-lt"/>
+                <a:ea typeface="+mn-ea"/>
+                <a:cs typeface="+mn-cs"/>
+              </a:defRPr>
+            </a:lvl7pPr>
+            <a:lvl8pPr marL="3429000" indent="-228600" algn="l" defTabSz="914400" rtl="0" eaLnBrk="1" latinLnBrk="0" hangingPunct="1">
+              <a:lnSpc>
+                <a:spcPct val="90000"/>
+              </a:lnSpc>
+              <a:spcBef>
+                <a:spcPts val="500"/>
+              </a:spcBef>
+              <a:buFont typeface="Arial" panose="020B0604020202020204" pitchFamily="34" charset="0"/>
+              <a:buChar char="•"/>
+              <a:defRPr sz="1800" kern="1200">
+                <a:solidFill>
+                  <a:schemeClr val="tx1"/>
+                </a:solidFill>
+                <a:latin typeface="+mn-lt"/>
+                <a:ea typeface="+mn-ea"/>
+                <a:cs typeface="+mn-cs"/>
+              </a:defRPr>
+            </a:lvl8pPr>
+            <a:lvl9pPr marL="3886200" indent="-228600" algn="l" defTabSz="914400" rtl="0" eaLnBrk="1" latinLnBrk="0" hangingPunct="1">
+              <a:lnSpc>
+                <a:spcPct val="90000"/>
+              </a:lnSpc>
+              <a:spcBef>
+                <a:spcPts val="500"/>
+              </a:spcBef>
+              <a:buFont typeface="Arial" panose="020B0604020202020204" pitchFamily="34" charset="0"/>
+              <a:buChar char="•"/>
+              <a:defRPr sz="1800" kern="1200">
+                <a:solidFill>
+                  <a:schemeClr val="tx1"/>
+                </a:solidFill>
+                <a:latin typeface="+mn-lt"/>
+                <a:ea typeface="+mn-ea"/>
+                <a:cs typeface="+mn-cs"/>
+              </a:defRPr>
+            </a:lvl9pPr>
+          </a:lstStyle>
+          <a:p>
+            <a:pPr algn="ctr"/>
+            <a:r>
+              <a:rPr lang="en-US" sz="2000" dirty="0">
+                <a:solidFill>
+                  <a:schemeClr val="bg1"/>
+                </a:solidFill>
+              </a:rPr>
+              <a:t>Train RMSE = 0.77m</a:t>
+            </a:r>
+          </a:p>
+          <a:p>
+            <a:pPr algn="ctr"/>
+            <a:r>
+              <a:rPr lang="en-US" sz="2000" dirty="0">
+                <a:solidFill>
+                  <a:schemeClr val="bg1"/>
+                </a:solidFill>
+              </a:rPr>
+              <a:t>Test RMSE = 0.40m and 39% of standard deviation </a:t>
+            </a:r>
+          </a:p>
+        </p:txBody>
+      </p:sp>
+      <p:pic>
+        <p:nvPicPr>
+          <p:cNvPr id="1026" name="Picture 2">
+            <a:extLst>
+              <a:ext uri="{FF2B5EF4-FFF2-40B4-BE49-F238E27FC236}">
+                <a16:creationId xmlns:a16="http://schemas.microsoft.com/office/drawing/2014/main" id="{CC2F05E2-548A-4BEC-BB24-32C620C34839}"/>
+              </a:ext>
+            </a:extLst>
+          </p:cNvPr>
+          <p:cNvPicPr>
+            <a:picLocks noChangeAspect="1" noChangeArrowheads="1"/>
+          </p:cNvPicPr>
+          <p:nvPr/>
+        </p:nvPicPr>
+        <p:blipFill>
+          <a:blip r:embed="rId2">
+            <a:extLst>
+              <a:ext uri="{28A0092B-C50C-407E-A947-70E740481C1C}">
+                <a14:useLocalDpi xmlns:a14="http://schemas.microsoft.com/office/drawing/2010/main" val="0"/>
+              </a:ext>
+            </a:extLst>
+          </a:blip>
+          <a:srcRect/>
+          <a:stretch>
+            <a:fillRect/>
+          </a:stretch>
+        </p:blipFill>
+        <p:spPr bwMode="auto">
+          <a:xfrm>
+            <a:off x="4611612" y="784222"/>
+            <a:ext cx="7573808" cy="2634746"/>
+          </a:xfrm>
+          <a:prstGeom prst="rect">
+            <a:avLst/>
+          </a:prstGeom>
+          <a:noFill/>
+          <a:extLst>
+            <a:ext uri="{909E8E84-426E-40DD-AFC4-6F175D3DCCD1}">
+              <a14:hiddenFill xmlns:a14="http://schemas.microsoft.com/office/drawing/2010/main">
+                <a:solidFill>
+                  <a:srgbClr val="FFFFFF"/>
+                </a:solidFill>
+              </a14:hiddenFill>
+            </a:ext>
+          </a:extLst>
+        </p:spPr>
+      </p:pic>
+      <p:sp>
+        <p:nvSpPr>
+          <p:cNvPr id="2" name="TextBox 1">
+            <a:extLst>
+              <a:ext uri="{FF2B5EF4-FFF2-40B4-BE49-F238E27FC236}">
+                <a16:creationId xmlns:a16="http://schemas.microsoft.com/office/drawing/2014/main" id="{D74479D8-C6F2-4D01-8223-1385CF5AF7F7}"/>
+              </a:ext>
+            </a:extLst>
+          </p:cNvPr>
+          <p:cNvSpPr txBox="1"/>
+          <p:nvPr/>
+        </p:nvSpPr>
+        <p:spPr>
+          <a:xfrm>
+            <a:off x="5408579" y="3871609"/>
+            <a:ext cx="5924144" cy="1200329"/>
+          </a:xfrm>
+          <a:prstGeom prst="rect">
+            <a:avLst/>
+          </a:prstGeom>
+          <a:noFill/>
+        </p:spPr>
+        <p:txBody>
+          <a:bodyPr wrap="square" rtlCol="0">
+            <a:spAutoFit/>
+          </a:bodyPr>
+          <a:lstStyle/>
+          <a:p>
+            <a:r>
+              <a:rPr lang="en-SG" dirty="0">
+                <a:solidFill>
+                  <a:schemeClr val="bg1"/>
+                </a:solidFill>
+              </a:rPr>
+              <a:t>Since the SGD regressor applied an L1 penalty and eliminated most of the feature coefficients with the exception of month and year, an attempt to use the SARIMA model was made. However, the results were poorer than the regressor model.</a:t>
+            </a:r>
+          </a:p>
+        </p:txBody>
+      </p:sp>
+      <p:sp>
+        <p:nvSpPr>
+          <p:cNvPr id="40" name="TextBox 39">
+            <a:extLst>
+              <a:ext uri="{FF2B5EF4-FFF2-40B4-BE49-F238E27FC236}">
+                <a16:creationId xmlns:a16="http://schemas.microsoft.com/office/drawing/2014/main" id="{0A7C0E1F-07AE-46A3-B4B0-8096DFB9F8BA}"/>
+              </a:ext>
+            </a:extLst>
+          </p:cNvPr>
+          <p:cNvSpPr txBox="1"/>
+          <p:nvPr/>
+        </p:nvSpPr>
+        <p:spPr>
+          <a:xfrm>
+            <a:off x="366810" y="3118019"/>
+            <a:ext cx="4035508" cy="3693319"/>
+          </a:xfrm>
+          <a:prstGeom prst="rect">
+            <a:avLst/>
+          </a:prstGeom>
+          <a:noFill/>
+        </p:spPr>
+        <p:txBody>
+          <a:bodyPr wrap="square" rtlCol="0">
+            <a:spAutoFit/>
+          </a:bodyPr>
+          <a:lstStyle/>
+          <a:p>
+            <a:r>
+              <a:rPr lang="en-SG" dirty="0">
+                <a:solidFill>
+                  <a:schemeClr val="bg1"/>
+                </a:solidFill>
+              </a:rPr>
+              <a:t>Augmented Dickey-Fuller test performed and the data requires 1 level of differencing to achieve stationarity.</a:t>
+            </a:r>
+          </a:p>
+          <a:p>
+            <a:endParaRPr lang="en-SG" dirty="0">
+              <a:solidFill>
+                <a:schemeClr val="bg1"/>
+              </a:solidFill>
+            </a:endParaRPr>
+          </a:p>
+          <a:p>
+            <a:r>
+              <a:rPr lang="en-SG" dirty="0">
+                <a:solidFill>
+                  <a:schemeClr val="bg1"/>
+                </a:solidFill>
+              </a:rPr>
+              <a:t>ACF and PACF graphs show a steep cut-off after the 1</a:t>
+            </a:r>
+            <a:r>
+              <a:rPr lang="en-SG" baseline="30000" dirty="0">
+                <a:solidFill>
+                  <a:schemeClr val="bg1"/>
+                </a:solidFill>
+              </a:rPr>
+              <a:t>st</a:t>
+            </a:r>
+            <a:r>
+              <a:rPr lang="en-SG" dirty="0">
+                <a:solidFill>
+                  <a:schemeClr val="bg1"/>
+                </a:solidFill>
+              </a:rPr>
+              <a:t> lag. </a:t>
+            </a:r>
+          </a:p>
+          <a:p>
+            <a:endParaRPr lang="en-SG" dirty="0">
+              <a:solidFill>
+                <a:schemeClr val="bg1"/>
+              </a:solidFill>
+            </a:endParaRPr>
+          </a:p>
+          <a:p>
+            <a:r>
+              <a:rPr lang="en-SG" dirty="0">
+                <a:solidFill>
+                  <a:schemeClr val="bg1"/>
+                </a:solidFill>
+              </a:rPr>
+              <a:t>As such, the order for the model parameters are (1, 1, 1).</a:t>
+            </a:r>
+          </a:p>
+          <a:p>
+            <a:endParaRPr lang="en-SG" dirty="0">
+              <a:solidFill>
+                <a:schemeClr val="bg1"/>
+              </a:solidFill>
+            </a:endParaRPr>
+          </a:p>
+          <a:p>
+            <a:r>
+              <a:rPr lang="en-SG" dirty="0">
+                <a:solidFill>
+                  <a:schemeClr val="bg1"/>
+                </a:solidFill>
+              </a:rPr>
+              <a:t>The optimal seasonal parameters were obtained as (2, 0, 2) via a </a:t>
+            </a:r>
+            <a:r>
+              <a:rPr lang="en-SG" dirty="0" err="1">
+                <a:solidFill>
+                  <a:schemeClr val="bg1"/>
+                </a:solidFill>
+              </a:rPr>
+              <a:t>Gridsearch</a:t>
+            </a:r>
+            <a:r>
+              <a:rPr lang="en-SG" dirty="0">
+                <a:solidFill>
+                  <a:schemeClr val="bg1"/>
+                </a:solidFill>
+              </a:rPr>
+              <a:t> with a period of 52 weeks (i.e. a year)</a:t>
+            </a:r>
+          </a:p>
+        </p:txBody>
+      </p:sp>
+    </p:spTree>
+    <p:extLst>
+      <p:ext uri="{BB962C8B-B14F-4D97-AF65-F5344CB8AC3E}">
+        <p14:creationId xmlns:p14="http://schemas.microsoft.com/office/powerpoint/2010/main" val="112765986"/>
       </p:ext>
     </p:extLst>
   </p:cSld>
@@ -34564,7 +33148,7 @@
         <p:spPr>
           <a:xfrm>
             <a:off x="1183905" y="2558063"/>
-            <a:ext cx="4992469" cy="1951087"/>
+            <a:ext cx="5763650" cy="1951087"/>
           </a:xfrm>
           <a:prstGeom prst="rect">
             <a:avLst/>
@@ -34786,7 +33370,7 @@
                   <a:schemeClr val="bg1"/>
                 </a:solidFill>
               </a:rPr>
-              <a:t>RMSE = 12cm and 19% of standard deviation </a:t>
+              <a:t>Train &amp; Test RMSE = 0.12m and 19% of standard deviation </a:t>
             </a:r>
           </a:p>
         </p:txBody>
@@ -35798,7 +34382,7 @@
         </p:blipFill>
         <p:spPr>
           <a:xfrm>
-            <a:off x="273211" y="4016490"/>
+            <a:off x="273211" y="4073055"/>
             <a:ext cx="7547936" cy="2443799"/>
           </a:xfrm>
           <a:prstGeom prst="rect">
@@ -36794,7 +35378,7 @@
         </p:nvSpPr>
         <p:spPr>
           <a:xfrm>
-            <a:off x="1022339" y="2517356"/>
+            <a:off x="1022339" y="2338247"/>
             <a:ext cx="4992469" cy="1951087"/>
           </a:xfrm>
           <a:prstGeom prst="rect">
@@ -36804,7 +35388,7 @@
         </p:spPr>
         <p:txBody>
           <a:bodyPr vert="horz" lIns="91440" tIns="45720" rIns="91440" bIns="45720" rtlCol="0" anchor="t">
-            <a:normAutofit lnSpcReduction="10000"/>
+            <a:normAutofit fontScale="92500" lnSpcReduction="20000"/>
           </a:bodyPr>
           <a:lstStyle>
             <a:lvl1pPr marL="228600" indent="-228600" algn="l" defTabSz="914400" rtl="0" eaLnBrk="1" latinLnBrk="0" hangingPunct="1">
@@ -37017,7 +35601,7 @@
                   <a:schemeClr val="bg1"/>
                 </a:solidFill>
               </a:rPr>
-              <a:t>RMSE = 57cm and 41% of standard deviation </a:t>
+              <a:t>Train RMSE = 0.27m </a:t>
             </a:r>
           </a:p>
           <a:p>
@@ -37027,7 +35611,17 @@
                   <a:schemeClr val="bg1"/>
                 </a:solidFill>
               </a:rPr>
-              <a:t>Ignoring last 100 days, RMSE was 38cm and 28% of standard deviation</a:t>
+              <a:t>Test RMSE = 0.57m and 41% of standard deviation </a:t>
+            </a:r>
+          </a:p>
+          <a:p>
+            <a:r>
+              <a:rPr lang="en-US" sz="1800" dirty="0">
+                <a:solidFill>
+                  <a:schemeClr val="bg1"/>
+                </a:solidFill>
+              </a:rPr>
+              <a:t>Ignoring last 100 days, RMSE was 0.38m and 28% of standard deviation</a:t>
             </a:r>
           </a:p>
         </p:txBody>
@@ -42199,581 +40793,6 @@
       </p:grpSpPr>
       <p:sp>
         <p:nvSpPr>
-          <p:cNvPr id="14" name="Rectangle 13">
-            <a:extLst>
-              <a:ext uri="{FF2B5EF4-FFF2-40B4-BE49-F238E27FC236}">
-                <a16:creationId xmlns:a16="http://schemas.microsoft.com/office/drawing/2014/main" id="{EE1FC7B4-E4A7-4452-B413-1A623E3A7230}"/>
-              </a:ext>
-              <a:ext uri="{C183D7F6-B498-43B3-948B-1728B52AA6E4}">
-                <adec:decorative xmlns:adec="http://schemas.microsoft.com/office/drawing/2017/decorative" val="1"/>
-              </a:ext>
-            </a:extLst>
-          </p:cNvPr>
-          <p:cNvSpPr>
-            <a:spLocks noGrp="1" noRot="1" noChangeAspect="1" noMove="1" noResize="1" noEditPoints="1" noAdjustHandles="1" noChangeArrowheads="1" noChangeShapeType="1" noTextEdit="1"/>
-          </p:cNvSpPr>
-          <p:nvPr>
-            <p:extLst>
-              <p:ext uri="{386F3935-93C4-4BCD-93E2-E3B085C9AB24}">
-                <p16:designElem xmlns:p16="http://schemas.microsoft.com/office/powerpoint/2015/main" val="1"/>
-              </p:ext>
-            </p:extLst>
-          </p:nvPr>
-        </p:nvSpPr>
-        <p:spPr>
-          <a:xfrm>
-            <a:off x="0" y="-3324"/>
-            <a:ext cx="12192000" cy="6861324"/>
-          </a:xfrm>
-          <a:prstGeom prst="rect">
-            <a:avLst/>
-          </a:prstGeom>
-          <a:solidFill>
-            <a:schemeClr val="bg1">
-              <a:alpha val="9000"/>
-            </a:schemeClr>
-          </a:solidFill>
-          <a:ln>
-            <a:noFill/>
-          </a:ln>
-        </p:spPr>
-        <p:style>
-          <a:lnRef idx="2">
-            <a:schemeClr val="accent1">
-              <a:shade val="50000"/>
-            </a:schemeClr>
-          </a:lnRef>
-          <a:fillRef idx="1">
-            <a:schemeClr val="accent1"/>
-          </a:fillRef>
-          <a:effectRef idx="0">
-            <a:schemeClr val="accent1"/>
-          </a:effectRef>
-          <a:fontRef idx="minor">
-            <a:schemeClr val="lt1"/>
-          </a:fontRef>
-        </p:style>
-        <p:txBody>
-          <a:bodyPr rtlCol="0" anchor="ctr"/>
-          <a:lstStyle/>
-          <a:p>
-            <a:pPr marL="0" marR="0" lvl="0" indent="0" algn="ctr" defTabSz="914400" rtl="0" eaLnBrk="1" fontAlgn="auto" latinLnBrk="0" hangingPunct="1">
-              <a:lnSpc>
-                <a:spcPct val="100000"/>
-              </a:lnSpc>
-              <a:spcBef>
-                <a:spcPts val="0"/>
-              </a:spcBef>
-              <a:spcAft>
-                <a:spcPts val="0"/>
-              </a:spcAft>
-              <a:buClrTx/>
-              <a:buSzTx/>
-              <a:buFontTx/>
-              <a:buNone/>
-              <a:tabLst/>
-              <a:defRPr/>
-            </a:pPr>
-            <a:endParaRPr kumimoji="0" lang="en-US" sz="1800" b="0" i="0" u="none" strike="noStrike" kern="1200" cap="none" spc="0" normalizeH="0" baseline="0" noProof="0">
-              <a:ln>
-                <a:noFill/>
-              </a:ln>
-              <a:solidFill>
-                <a:prstClr val="white"/>
-              </a:solidFill>
-              <a:effectLst/>
-              <a:uLnTx/>
-              <a:uFillTx/>
-              <a:latin typeface="Calibri" panose="020F0502020204030204"/>
-              <a:ea typeface="+mn-ea"/>
-              <a:cs typeface="+mn-cs"/>
-            </a:endParaRPr>
-          </a:p>
-        </p:txBody>
-      </p:sp>
-      <p:sp>
-        <p:nvSpPr>
-          <p:cNvPr id="16" name="Freeform 13">
-            <a:extLst>
-              <a:ext uri="{FF2B5EF4-FFF2-40B4-BE49-F238E27FC236}">
-                <a16:creationId xmlns:a16="http://schemas.microsoft.com/office/drawing/2014/main" id="{E0709AF0-24F0-4486-B189-BE6386BDB198}"/>
-              </a:ext>
-              <a:ext uri="{C183D7F6-B498-43B3-948B-1728B52AA6E4}">
-                <adec:decorative xmlns:adec="http://schemas.microsoft.com/office/drawing/2017/decorative" val="1"/>
-              </a:ext>
-            </a:extLst>
-          </p:cNvPr>
-          <p:cNvSpPr>
-            <a:spLocks noGrp="1" noRot="1" noChangeAspect="1" noMove="1" noResize="1" noEditPoints="1" noAdjustHandles="1" noChangeArrowheads="1" noChangeShapeType="1" noTextEdit="1"/>
-          </p:cNvSpPr>
-          <p:nvPr>
-            <p:extLst>
-              <p:ext uri="{386F3935-93C4-4BCD-93E2-E3B085C9AB24}">
-                <p16:designElem xmlns:p16="http://schemas.microsoft.com/office/powerpoint/2015/main" val="1"/>
-              </p:ext>
-            </p:extLst>
-          </p:nvPr>
-        </p:nvSpPr>
-        <p:spPr>
-          <a:xfrm>
-            <a:off x="0" y="0"/>
-            <a:ext cx="11786754" cy="6858000"/>
-          </a:xfrm>
-          <a:custGeom>
-            <a:avLst/>
-            <a:gdLst>
-              <a:gd name="connsiteX0" fmla="*/ 0 w 11786754"/>
-              <a:gd name="connsiteY0" fmla="*/ 0 h 6858000"/>
-              <a:gd name="connsiteX1" fmla="*/ 8610600 w 11786754"/>
-              <a:gd name="connsiteY1" fmla="*/ 0 h 6858000"/>
-              <a:gd name="connsiteX2" fmla="*/ 11786754 w 11786754"/>
-              <a:gd name="connsiteY2" fmla="*/ 6858000 h 6858000"/>
-              <a:gd name="connsiteX3" fmla="*/ 0 w 11786754"/>
-              <a:gd name="connsiteY3" fmla="*/ 6858000 h 6858000"/>
-            </a:gdLst>
-            <a:ahLst/>
-            <a:cxnLst>
-              <a:cxn ang="0">
-                <a:pos x="connsiteX0" y="connsiteY0"/>
-              </a:cxn>
-              <a:cxn ang="0">
-                <a:pos x="connsiteX1" y="connsiteY1"/>
-              </a:cxn>
-              <a:cxn ang="0">
-                <a:pos x="connsiteX2" y="connsiteY2"/>
-              </a:cxn>
-              <a:cxn ang="0">
-                <a:pos x="connsiteX3" y="connsiteY3"/>
-              </a:cxn>
-            </a:cxnLst>
-            <a:rect l="l" t="t" r="r" b="b"/>
-            <a:pathLst>
-              <a:path w="11786754" h="6858000">
-                <a:moveTo>
-                  <a:pt x="0" y="0"/>
-                </a:moveTo>
-                <a:lnTo>
-                  <a:pt x="8610600" y="0"/>
-                </a:lnTo>
-                <a:lnTo>
-                  <a:pt x="11786754" y="6858000"/>
-                </a:lnTo>
-                <a:lnTo>
-                  <a:pt x="0" y="6858000"/>
-                </a:lnTo>
-                <a:close/>
-              </a:path>
-            </a:pathLst>
-          </a:custGeom>
-          <a:solidFill>
-            <a:schemeClr val="bg1">
-              <a:alpha val="30000"/>
-            </a:schemeClr>
-          </a:solidFill>
-          <a:ln>
-            <a:noFill/>
-          </a:ln>
-        </p:spPr>
-        <p:style>
-          <a:lnRef idx="2">
-            <a:schemeClr val="accent1">
-              <a:shade val="50000"/>
-            </a:schemeClr>
-          </a:lnRef>
-          <a:fillRef idx="1">
-            <a:schemeClr val="accent1"/>
-          </a:fillRef>
-          <a:effectRef idx="0">
-            <a:schemeClr val="accent1"/>
-          </a:effectRef>
-          <a:fontRef idx="minor">
-            <a:schemeClr val="lt1"/>
-          </a:fontRef>
-        </p:style>
-        <p:txBody>
-          <a:bodyPr rtlCol="0" anchor="ctr"/>
-          <a:lstStyle/>
-          <a:p>
-            <a:pPr marL="0" marR="0" lvl="0" indent="0" algn="ctr" defTabSz="914400" rtl="0" eaLnBrk="1" fontAlgn="auto" latinLnBrk="0" hangingPunct="1">
-              <a:lnSpc>
-                <a:spcPct val="100000"/>
-              </a:lnSpc>
-              <a:spcBef>
-                <a:spcPts val="0"/>
-              </a:spcBef>
-              <a:spcAft>
-                <a:spcPts val="0"/>
-              </a:spcAft>
-              <a:buClrTx/>
-              <a:buSzTx/>
-              <a:buFontTx/>
-              <a:buNone/>
-              <a:tabLst/>
-              <a:defRPr/>
-            </a:pPr>
-            <a:endParaRPr kumimoji="0" lang="en-US" sz="1800" b="0" i="0" u="none" strike="noStrike" kern="1200" cap="none" spc="0" normalizeH="0" baseline="0" noProof="0">
-              <a:ln>
-                <a:noFill/>
-              </a:ln>
-              <a:solidFill>
-                <a:prstClr val="white"/>
-              </a:solidFill>
-              <a:effectLst/>
-              <a:uLnTx/>
-              <a:uFillTx/>
-              <a:latin typeface="Calibri" panose="020F0502020204030204"/>
-              <a:ea typeface="+mn-ea"/>
-              <a:cs typeface="+mn-cs"/>
-            </a:endParaRPr>
-          </a:p>
-        </p:txBody>
-      </p:sp>
-      <p:sp>
-        <p:nvSpPr>
-          <p:cNvPr id="18" name="Freeform 11">
-            <a:extLst>
-              <a:ext uri="{FF2B5EF4-FFF2-40B4-BE49-F238E27FC236}">
-                <a16:creationId xmlns:a16="http://schemas.microsoft.com/office/drawing/2014/main" id="{FBE3B62F-5853-4A3C-B050-6186351A7176}"/>
-              </a:ext>
-              <a:ext uri="{C183D7F6-B498-43B3-948B-1728B52AA6E4}">
-                <adec:decorative xmlns:adec="http://schemas.microsoft.com/office/drawing/2017/decorative" val="1"/>
-              </a:ext>
-            </a:extLst>
-          </p:cNvPr>
-          <p:cNvSpPr>
-            <a:spLocks noGrp="1" noRot="1" noChangeAspect="1" noMove="1" noResize="1" noEditPoints="1" noAdjustHandles="1" noChangeArrowheads="1" noChangeShapeType="1" noTextEdit="1"/>
-          </p:cNvSpPr>
-          <p:nvPr>
-            <p:extLst>
-              <p:ext uri="{386F3935-93C4-4BCD-93E2-E3B085C9AB24}">
-                <p16:designElem xmlns:p16="http://schemas.microsoft.com/office/powerpoint/2015/main" val="1"/>
-              </p:ext>
-            </p:extLst>
-          </p:nvPr>
-        </p:nvSpPr>
-        <p:spPr>
-          <a:xfrm>
-            <a:off x="0" y="0"/>
-            <a:ext cx="3581400" cy="6858000"/>
-          </a:xfrm>
-          <a:custGeom>
-            <a:avLst/>
-            <a:gdLst>
-              <a:gd name="connsiteX0" fmla="*/ 0 w 3581400"/>
-              <a:gd name="connsiteY0" fmla="*/ 0 h 6858000"/>
-              <a:gd name="connsiteX1" fmla="*/ 405246 w 3581400"/>
-              <a:gd name="connsiteY1" fmla="*/ 0 h 6858000"/>
-              <a:gd name="connsiteX2" fmla="*/ 3581400 w 3581400"/>
-              <a:gd name="connsiteY2" fmla="*/ 6858000 h 6858000"/>
-              <a:gd name="connsiteX3" fmla="*/ 0 w 3581400"/>
-              <a:gd name="connsiteY3" fmla="*/ 6858000 h 6858000"/>
-            </a:gdLst>
-            <a:ahLst/>
-            <a:cxnLst>
-              <a:cxn ang="0">
-                <a:pos x="connsiteX0" y="connsiteY0"/>
-              </a:cxn>
-              <a:cxn ang="0">
-                <a:pos x="connsiteX1" y="connsiteY1"/>
-              </a:cxn>
-              <a:cxn ang="0">
-                <a:pos x="connsiteX2" y="connsiteY2"/>
-              </a:cxn>
-              <a:cxn ang="0">
-                <a:pos x="connsiteX3" y="connsiteY3"/>
-              </a:cxn>
-            </a:cxnLst>
-            <a:rect l="l" t="t" r="r" b="b"/>
-            <a:pathLst>
-              <a:path w="3581400" h="6858000">
-                <a:moveTo>
-                  <a:pt x="0" y="0"/>
-                </a:moveTo>
-                <a:lnTo>
-                  <a:pt x="405246" y="0"/>
-                </a:lnTo>
-                <a:lnTo>
-                  <a:pt x="3581400" y="6858000"/>
-                </a:lnTo>
-                <a:lnTo>
-                  <a:pt x="0" y="6858000"/>
-                </a:lnTo>
-                <a:close/>
-              </a:path>
-            </a:pathLst>
-          </a:custGeom>
-          <a:solidFill>
-            <a:schemeClr val="bg1">
-              <a:alpha val="30000"/>
-            </a:schemeClr>
-          </a:solidFill>
-          <a:ln>
-            <a:noFill/>
-          </a:ln>
-        </p:spPr>
-        <p:style>
-          <a:lnRef idx="2">
-            <a:schemeClr val="accent1">
-              <a:shade val="50000"/>
-            </a:schemeClr>
-          </a:lnRef>
-          <a:fillRef idx="1">
-            <a:schemeClr val="accent1"/>
-          </a:fillRef>
-          <a:effectRef idx="0">
-            <a:schemeClr val="accent1"/>
-          </a:effectRef>
-          <a:fontRef idx="minor">
-            <a:schemeClr val="lt1"/>
-          </a:fontRef>
-        </p:style>
-        <p:txBody>
-          <a:bodyPr wrap="square" rtlCol="0" anchor="ctr">
-            <a:noAutofit/>
-          </a:bodyPr>
-          <a:lstStyle/>
-          <a:p>
-            <a:pPr marL="0" marR="0" lvl="0" indent="0" algn="ctr" defTabSz="914400" rtl="0" eaLnBrk="1" fontAlgn="auto" latinLnBrk="0" hangingPunct="1">
-              <a:lnSpc>
-                <a:spcPct val="100000"/>
-              </a:lnSpc>
-              <a:spcBef>
-                <a:spcPts val="0"/>
-              </a:spcBef>
-              <a:spcAft>
-                <a:spcPts val="0"/>
-              </a:spcAft>
-              <a:buClrTx/>
-              <a:buSzTx/>
-              <a:buFontTx/>
-              <a:buNone/>
-              <a:tabLst/>
-              <a:defRPr/>
-            </a:pPr>
-            <a:endParaRPr kumimoji="0" lang="en-US" sz="1800" b="0" i="0" u="none" strike="noStrike" kern="1200" cap="none" spc="0" normalizeH="0" baseline="0" noProof="0">
-              <a:ln>
-                <a:noFill/>
-              </a:ln>
-              <a:solidFill>
-                <a:prstClr val="white"/>
-              </a:solidFill>
-              <a:effectLst/>
-              <a:uLnTx/>
-              <a:uFillTx/>
-              <a:latin typeface="Calibri" panose="020F0502020204030204"/>
-              <a:ea typeface="+mn-ea"/>
-              <a:cs typeface="+mn-cs"/>
-            </a:endParaRPr>
-          </a:p>
-        </p:txBody>
-      </p:sp>
-      <p:sp>
-        <p:nvSpPr>
-          <p:cNvPr id="3" name="Content Placeholder 2">
-            <a:extLst>
-              <a:ext uri="{FF2B5EF4-FFF2-40B4-BE49-F238E27FC236}">
-                <a16:creationId xmlns:a16="http://schemas.microsoft.com/office/drawing/2014/main" id="{B9CA2082-EC66-4DAE-BDA1-AC4D795676AF}"/>
-              </a:ext>
-            </a:extLst>
-          </p:cNvPr>
-          <p:cNvSpPr>
-            <a:spLocks noGrp="1"/>
-          </p:cNvSpPr>
-          <p:nvPr>
-            <p:ph idx="1"/>
-          </p:nvPr>
-        </p:nvSpPr>
-        <p:spPr>
-          <a:xfrm>
-            <a:off x="5103382" y="1865904"/>
-            <a:ext cx="6032552" cy="3156519"/>
-          </a:xfrm>
-        </p:spPr>
-        <p:txBody>
-          <a:bodyPr>
-            <a:noAutofit/>
-          </a:bodyPr>
-          <a:lstStyle/>
-          <a:p>
-            <a:pPr algn="l"/>
-            <a:r>
-              <a:rPr lang="en-US" sz="1400" b="0" i="0" dirty="0">
-                <a:effectLst/>
-                <a:latin typeface="Helvetica Neue"/>
-              </a:rPr>
-              <a:t>A dataset containing rainfall, temperature, volume drawn, hydrometry and depths at various locations linked to the </a:t>
-            </a:r>
-            <a:r>
-              <a:rPr lang="en-US" sz="1400" b="0" i="0" dirty="0" err="1">
-                <a:effectLst/>
-                <a:latin typeface="Helvetica Neue"/>
-              </a:rPr>
-              <a:t>Auser</a:t>
-            </a:r>
-            <a:r>
-              <a:rPr lang="en-US" sz="1400" b="0" i="0" dirty="0">
-                <a:effectLst/>
-                <a:latin typeface="Helvetica Neue"/>
-              </a:rPr>
-              <a:t> Aquifer was provided. </a:t>
-            </a:r>
-          </a:p>
-          <a:p>
-            <a:pPr algn="l"/>
-            <a:r>
-              <a:rPr lang="en-US" sz="1400" b="0" i="0" dirty="0">
-                <a:effectLst/>
-                <a:latin typeface="Helvetica Neue"/>
-              </a:rPr>
-              <a:t>This waterbody consists of two subsystems, split into north and south, where the former partly influences the behavior of the latter. The levels of the north subsystem are represented by the depths of the SAL, PAG, </a:t>
-            </a:r>
-            <a:r>
-              <a:rPr lang="en-US" sz="1400" b="0" i="0" dirty="0" err="1">
-                <a:effectLst/>
-                <a:latin typeface="Helvetica Neue"/>
-              </a:rPr>
-              <a:t>CoS</a:t>
-            </a:r>
-            <a:r>
-              <a:rPr lang="en-US" sz="1400" b="0" i="0" dirty="0">
-                <a:effectLst/>
-                <a:latin typeface="Helvetica Neue"/>
-              </a:rPr>
-              <a:t> and DIEC wells, while the levels of the south subsystem are represented by the depth of the LT2 well.</a:t>
-            </a:r>
-          </a:p>
-          <a:p>
-            <a:pPr algn="l"/>
-            <a:r>
-              <a:rPr lang="en-US" sz="1400" b="0" i="0" dirty="0">
-                <a:effectLst/>
-                <a:latin typeface="Helvetica Neue"/>
-              </a:rPr>
-              <a:t>The features to be predicted for this project are the depths of the SAL, </a:t>
-            </a:r>
-            <a:r>
-              <a:rPr lang="en-US" sz="1400" b="0" i="0" dirty="0" err="1">
-                <a:effectLst/>
-                <a:latin typeface="Helvetica Neue"/>
-              </a:rPr>
-              <a:t>CoS</a:t>
-            </a:r>
-            <a:r>
-              <a:rPr lang="en-US" sz="1400" b="0" i="0" dirty="0">
-                <a:effectLst/>
-                <a:latin typeface="Helvetica Neue"/>
-              </a:rPr>
-              <a:t> and LT2 wells. Features like rainfall and temperature affect features like depth to groundwater and hydrometry some time after. However, it is unknown how many days, weeks or months later that these effects are observed.</a:t>
-            </a:r>
-          </a:p>
-          <a:p>
-            <a:pPr algn="l"/>
-            <a:r>
-              <a:rPr lang="en-US" sz="1400" b="0" i="0" dirty="0">
-                <a:effectLst/>
-                <a:latin typeface="Helvetica Neue"/>
-              </a:rPr>
-              <a:t>This project aims to build models that can forecast the depths of the targeted variables 7 days ahead. EDA, data cleaning and feature engineering will be performed on the dataset given. Following which, time series and regression models will be tried to see which of these give the lowest RMSE.</a:t>
-            </a:r>
-          </a:p>
-        </p:txBody>
-      </p:sp>
-      <p:pic>
-        <p:nvPicPr>
-          <p:cNvPr id="1026" name="Picture 2" descr="The importance of data storytelling in the next decade of data">
-            <a:extLst>
-              <a:ext uri="{FF2B5EF4-FFF2-40B4-BE49-F238E27FC236}">
-                <a16:creationId xmlns:a16="http://schemas.microsoft.com/office/drawing/2014/main" id="{9DB10FBF-380F-4D3B-A771-6E9DB248BDB3}"/>
-              </a:ext>
-            </a:extLst>
-          </p:cNvPr>
-          <p:cNvPicPr>
-            <a:picLocks noChangeAspect="1" noChangeArrowheads="1"/>
-          </p:cNvPicPr>
-          <p:nvPr/>
-        </p:nvPicPr>
-        <p:blipFill>
-          <a:blip r:embed="rId2">
-            <a:extLst>
-              <a:ext uri="{28A0092B-C50C-407E-A947-70E740481C1C}">
-                <a14:useLocalDpi xmlns:a14="http://schemas.microsoft.com/office/drawing/2010/main" val="0"/>
-              </a:ext>
-            </a:extLst>
-          </a:blip>
-          <a:srcRect/>
-          <a:stretch>
-            <a:fillRect/>
-          </a:stretch>
-        </p:blipFill>
-        <p:spPr bwMode="auto">
-          <a:xfrm>
-            <a:off x="-169789" y="2189682"/>
-            <a:ext cx="5826941" cy="2475312"/>
-          </a:xfrm>
-          <a:prstGeom prst="rect">
-            <a:avLst/>
-          </a:prstGeom>
-          <a:noFill/>
-          <a:scene3d>
-            <a:camera prst="orthographicFront">
-              <a:rot lat="240000" lon="540000" rev="5400000"/>
-            </a:camera>
-            <a:lightRig rig="threePt" dir="t"/>
-          </a:scene3d>
-          <a:extLst>
-            <a:ext uri="{909E8E84-426E-40DD-AFC4-6F175D3DCCD1}">
-              <a14:hiddenFill xmlns:a14="http://schemas.microsoft.com/office/drawing/2010/main">
-                <a:solidFill>
-                  <a:srgbClr val="FFFFFF"/>
-                </a:solidFill>
-              </a14:hiddenFill>
-            </a:ext>
-          </a:extLst>
-        </p:spPr>
-      </p:pic>
-    </p:spTree>
-    <p:extLst>
-      <p:ext uri="{BB962C8B-B14F-4D97-AF65-F5344CB8AC3E}">
-        <p14:creationId xmlns:p14="http://schemas.microsoft.com/office/powerpoint/2010/main" val="385014036"/>
-      </p:ext>
-    </p:extLst>
-  </p:cSld>
-  <p:clrMapOvr>
-    <a:overrideClrMapping bg1="dk1" tx1="lt1" bg2="dk2" tx2="lt2" accent1="accent1" accent2="accent2" accent3="accent3" accent4="accent4" accent5="accent5" accent6="accent6" hlink="hlink" folHlink="folHlink"/>
-  </p:clrMapOvr>
-</p:sld>
-</file>
-
-<file path=ppt/slides/slide4.xml><?xml version="1.0" encoding="utf-8"?>
-<p:sld xmlns:a="http://schemas.openxmlformats.org/drawingml/2006/main" xmlns:r="http://schemas.openxmlformats.org/officeDocument/2006/relationships" xmlns:p="http://schemas.openxmlformats.org/presentationml/2006/main">
-  <p:cSld>
-    <p:bg>
-      <p:bgPr>
-        <a:solidFill>
-          <a:schemeClr val="bg1">
-            <a:tint val="95000"/>
-            <a:satMod val="170000"/>
-          </a:schemeClr>
-        </a:solidFill>
-        <a:effectLst/>
-      </p:bgPr>
-    </p:bg>
-    <p:spTree>
-      <p:nvGrpSpPr>
-        <p:cNvPr id="1" name=""/>
-        <p:cNvGrpSpPr/>
-        <p:nvPr/>
-      </p:nvGrpSpPr>
-      <p:grpSpPr>
-        <a:xfrm>
-          <a:off x="0" y="0"/>
-          <a:ext cx="0" cy="0"/>
-          <a:chOff x="0" y="0"/>
-          <a:chExt cx="0" cy="0"/>
-        </a:xfrm>
-      </p:grpSpPr>
-      <p:sp>
-        <p:nvSpPr>
           <p:cNvPr id="71" name="Rectangle 70">
             <a:extLst>
               <a:ext uri="{FF2B5EF4-FFF2-40B4-BE49-F238E27FC236}">
@@ -43542,6 +41561,581 @@
     <p:extLst>
       <p:ext uri="{BB962C8B-B14F-4D97-AF65-F5344CB8AC3E}">
         <p14:creationId xmlns:p14="http://schemas.microsoft.com/office/powerpoint/2010/main" val="687400013"/>
+      </p:ext>
+    </p:extLst>
+  </p:cSld>
+  <p:clrMapOvr>
+    <a:overrideClrMapping bg1="dk1" tx1="lt1" bg2="dk2" tx2="lt2" accent1="accent1" accent2="accent2" accent3="accent3" accent4="accent4" accent5="accent5" accent6="accent6" hlink="hlink" folHlink="folHlink"/>
+  </p:clrMapOvr>
+</p:sld>
+</file>
+
+<file path=ppt/slides/slide4.xml><?xml version="1.0" encoding="utf-8"?>
+<p:sld xmlns:a="http://schemas.openxmlformats.org/drawingml/2006/main" xmlns:r="http://schemas.openxmlformats.org/officeDocument/2006/relationships" xmlns:p="http://schemas.openxmlformats.org/presentationml/2006/main">
+  <p:cSld>
+    <p:bg>
+      <p:bgPr>
+        <a:solidFill>
+          <a:schemeClr val="bg1">
+            <a:tint val="95000"/>
+            <a:satMod val="170000"/>
+          </a:schemeClr>
+        </a:solidFill>
+        <a:effectLst/>
+      </p:bgPr>
+    </p:bg>
+    <p:spTree>
+      <p:nvGrpSpPr>
+        <p:cNvPr id="1" name=""/>
+        <p:cNvGrpSpPr/>
+        <p:nvPr/>
+      </p:nvGrpSpPr>
+      <p:grpSpPr>
+        <a:xfrm>
+          <a:off x="0" y="0"/>
+          <a:ext cx="0" cy="0"/>
+          <a:chOff x="0" y="0"/>
+          <a:chExt cx="0" cy="0"/>
+        </a:xfrm>
+      </p:grpSpPr>
+      <p:sp>
+        <p:nvSpPr>
+          <p:cNvPr id="14" name="Rectangle 13">
+            <a:extLst>
+              <a:ext uri="{FF2B5EF4-FFF2-40B4-BE49-F238E27FC236}">
+                <a16:creationId xmlns:a16="http://schemas.microsoft.com/office/drawing/2014/main" id="{EE1FC7B4-E4A7-4452-B413-1A623E3A7230}"/>
+              </a:ext>
+              <a:ext uri="{C183D7F6-B498-43B3-948B-1728B52AA6E4}">
+                <adec:decorative xmlns:adec="http://schemas.microsoft.com/office/drawing/2017/decorative" val="1"/>
+              </a:ext>
+            </a:extLst>
+          </p:cNvPr>
+          <p:cNvSpPr>
+            <a:spLocks noGrp="1" noRot="1" noChangeAspect="1" noMove="1" noResize="1" noEditPoints="1" noAdjustHandles="1" noChangeArrowheads="1" noChangeShapeType="1" noTextEdit="1"/>
+          </p:cNvSpPr>
+          <p:nvPr>
+            <p:extLst>
+              <p:ext uri="{386F3935-93C4-4BCD-93E2-E3B085C9AB24}">
+                <p16:designElem xmlns:p16="http://schemas.microsoft.com/office/powerpoint/2015/main" val="1"/>
+              </p:ext>
+            </p:extLst>
+          </p:nvPr>
+        </p:nvSpPr>
+        <p:spPr>
+          <a:xfrm>
+            <a:off x="0" y="-3324"/>
+            <a:ext cx="12192000" cy="6861324"/>
+          </a:xfrm>
+          <a:prstGeom prst="rect">
+            <a:avLst/>
+          </a:prstGeom>
+          <a:solidFill>
+            <a:schemeClr val="bg1">
+              <a:alpha val="9000"/>
+            </a:schemeClr>
+          </a:solidFill>
+          <a:ln>
+            <a:noFill/>
+          </a:ln>
+        </p:spPr>
+        <p:style>
+          <a:lnRef idx="2">
+            <a:schemeClr val="accent1">
+              <a:shade val="50000"/>
+            </a:schemeClr>
+          </a:lnRef>
+          <a:fillRef idx="1">
+            <a:schemeClr val="accent1"/>
+          </a:fillRef>
+          <a:effectRef idx="0">
+            <a:schemeClr val="accent1"/>
+          </a:effectRef>
+          <a:fontRef idx="minor">
+            <a:schemeClr val="lt1"/>
+          </a:fontRef>
+        </p:style>
+        <p:txBody>
+          <a:bodyPr rtlCol="0" anchor="ctr"/>
+          <a:lstStyle/>
+          <a:p>
+            <a:pPr marL="0" marR="0" lvl="0" indent="0" algn="ctr" defTabSz="914400" rtl="0" eaLnBrk="1" fontAlgn="auto" latinLnBrk="0" hangingPunct="1">
+              <a:lnSpc>
+                <a:spcPct val="100000"/>
+              </a:lnSpc>
+              <a:spcBef>
+                <a:spcPts val="0"/>
+              </a:spcBef>
+              <a:spcAft>
+                <a:spcPts val="0"/>
+              </a:spcAft>
+              <a:buClrTx/>
+              <a:buSzTx/>
+              <a:buFontTx/>
+              <a:buNone/>
+              <a:tabLst/>
+              <a:defRPr/>
+            </a:pPr>
+            <a:endParaRPr kumimoji="0" lang="en-US" sz="1800" b="0" i="0" u="none" strike="noStrike" kern="1200" cap="none" spc="0" normalizeH="0" baseline="0" noProof="0">
+              <a:ln>
+                <a:noFill/>
+              </a:ln>
+              <a:solidFill>
+                <a:prstClr val="white"/>
+              </a:solidFill>
+              <a:effectLst/>
+              <a:uLnTx/>
+              <a:uFillTx/>
+              <a:latin typeface="Calibri" panose="020F0502020204030204"/>
+              <a:ea typeface="+mn-ea"/>
+              <a:cs typeface="+mn-cs"/>
+            </a:endParaRPr>
+          </a:p>
+        </p:txBody>
+      </p:sp>
+      <p:sp>
+        <p:nvSpPr>
+          <p:cNvPr id="16" name="Freeform 13">
+            <a:extLst>
+              <a:ext uri="{FF2B5EF4-FFF2-40B4-BE49-F238E27FC236}">
+                <a16:creationId xmlns:a16="http://schemas.microsoft.com/office/drawing/2014/main" id="{E0709AF0-24F0-4486-B189-BE6386BDB198}"/>
+              </a:ext>
+              <a:ext uri="{C183D7F6-B498-43B3-948B-1728B52AA6E4}">
+                <adec:decorative xmlns:adec="http://schemas.microsoft.com/office/drawing/2017/decorative" val="1"/>
+              </a:ext>
+            </a:extLst>
+          </p:cNvPr>
+          <p:cNvSpPr>
+            <a:spLocks noGrp="1" noRot="1" noChangeAspect="1" noMove="1" noResize="1" noEditPoints="1" noAdjustHandles="1" noChangeArrowheads="1" noChangeShapeType="1" noTextEdit="1"/>
+          </p:cNvSpPr>
+          <p:nvPr>
+            <p:extLst>
+              <p:ext uri="{386F3935-93C4-4BCD-93E2-E3B085C9AB24}">
+                <p16:designElem xmlns:p16="http://schemas.microsoft.com/office/powerpoint/2015/main" val="1"/>
+              </p:ext>
+            </p:extLst>
+          </p:nvPr>
+        </p:nvSpPr>
+        <p:spPr>
+          <a:xfrm>
+            <a:off x="0" y="0"/>
+            <a:ext cx="11786754" cy="6858000"/>
+          </a:xfrm>
+          <a:custGeom>
+            <a:avLst/>
+            <a:gdLst>
+              <a:gd name="connsiteX0" fmla="*/ 0 w 11786754"/>
+              <a:gd name="connsiteY0" fmla="*/ 0 h 6858000"/>
+              <a:gd name="connsiteX1" fmla="*/ 8610600 w 11786754"/>
+              <a:gd name="connsiteY1" fmla="*/ 0 h 6858000"/>
+              <a:gd name="connsiteX2" fmla="*/ 11786754 w 11786754"/>
+              <a:gd name="connsiteY2" fmla="*/ 6858000 h 6858000"/>
+              <a:gd name="connsiteX3" fmla="*/ 0 w 11786754"/>
+              <a:gd name="connsiteY3" fmla="*/ 6858000 h 6858000"/>
+            </a:gdLst>
+            <a:ahLst/>
+            <a:cxnLst>
+              <a:cxn ang="0">
+                <a:pos x="connsiteX0" y="connsiteY0"/>
+              </a:cxn>
+              <a:cxn ang="0">
+                <a:pos x="connsiteX1" y="connsiteY1"/>
+              </a:cxn>
+              <a:cxn ang="0">
+                <a:pos x="connsiteX2" y="connsiteY2"/>
+              </a:cxn>
+              <a:cxn ang="0">
+                <a:pos x="connsiteX3" y="connsiteY3"/>
+              </a:cxn>
+            </a:cxnLst>
+            <a:rect l="l" t="t" r="r" b="b"/>
+            <a:pathLst>
+              <a:path w="11786754" h="6858000">
+                <a:moveTo>
+                  <a:pt x="0" y="0"/>
+                </a:moveTo>
+                <a:lnTo>
+                  <a:pt x="8610600" y="0"/>
+                </a:lnTo>
+                <a:lnTo>
+                  <a:pt x="11786754" y="6858000"/>
+                </a:lnTo>
+                <a:lnTo>
+                  <a:pt x="0" y="6858000"/>
+                </a:lnTo>
+                <a:close/>
+              </a:path>
+            </a:pathLst>
+          </a:custGeom>
+          <a:solidFill>
+            <a:schemeClr val="bg1">
+              <a:alpha val="30000"/>
+            </a:schemeClr>
+          </a:solidFill>
+          <a:ln>
+            <a:noFill/>
+          </a:ln>
+        </p:spPr>
+        <p:style>
+          <a:lnRef idx="2">
+            <a:schemeClr val="accent1">
+              <a:shade val="50000"/>
+            </a:schemeClr>
+          </a:lnRef>
+          <a:fillRef idx="1">
+            <a:schemeClr val="accent1"/>
+          </a:fillRef>
+          <a:effectRef idx="0">
+            <a:schemeClr val="accent1"/>
+          </a:effectRef>
+          <a:fontRef idx="minor">
+            <a:schemeClr val="lt1"/>
+          </a:fontRef>
+        </p:style>
+        <p:txBody>
+          <a:bodyPr rtlCol="0" anchor="ctr"/>
+          <a:lstStyle/>
+          <a:p>
+            <a:pPr marL="0" marR="0" lvl="0" indent="0" algn="ctr" defTabSz="914400" rtl="0" eaLnBrk="1" fontAlgn="auto" latinLnBrk="0" hangingPunct="1">
+              <a:lnSpc>
+                <a:spcPct val="100000"/>
+              </a:lnSpc>
+              <a:spcBef>
+                <a:spcPts val="0"/>
+              </a:spcBef>
+              <a:spcAft>
+                <a:spcPts val="0"/>
+              </a:spcAft>
+              <a:buClrTx/>
+              <a:buSzTx/>
+              <a:buFontTx/>
+              <a:buNone/>
+              <a:tabLst/>
+              <a:defRPr/>
+            </a:pPr>
+            <a:endParaRPr kumimoji="0" lang="en-US" sz="1800" b="0" i="0" u="none" strike="noStrike" kern="1200" cap="none" spc="0" normalizeH="0" baseline="0" noProof="0">
+              <a:ln>
+                <a:noFill/>
+              </a:ln>
+              <a:solidFill>
+                <a:prstClr val="white"/>
+              </a:solidFill>
+              <a:effectLst/>
+              <a:uLnTx/>
+              <a:uFillTx/>
+              <a:latin typeface="Calibri" panose="020F0502020204030204"/>
+              <a:ea typeface="+mn-ea"/>
+              <a:cs typeface="+mn-cs"/>
+            </a:endParaRPr>
+          </a:p>
+        </p:txBody>
+      </p:sp>
+      <p:sp>
+        <p:nvSpPr>
+          <p:cNvPr id="18" name="Freeform 11">
+            <a:extLst>
+              <a:ext uri="{FF2B5EF4-FFF2-40B4-BE49-F238E27FC236}">
+                <a16:creationId xmlns:a16="http://schemas.microsoft.com/office/drawing/2014/main" id="{FBE3B62F-5853-4A3C-B050-6186351A7176}"/>
+              </a:ext>
+              <a:ext uri="{C183D7F6-B498-43B3-948B-1728B52AA6E4}">
+                <adec:decorative xmlns:adec="http://schemas.microsoft.com/office/drawing/2017/decorative" val="1"/>
+              </a:ext>
+            </a:extLst>
+          </p:cNvPr>
+          <p:cNvSpPr>
+            <a:spLocks noGrp="1" noRot="1" noChangeAspect="1" noMove="1" noResize="1" noEditPoints="1" noAdjustHandles="1" noChangeArrowheads="1" noChangeShapeType="1" noTextEdit="1"/>
+          </p:cNvSpPr>
+          <p:nvPr>
+            <p:extLst>
+              <p:ext uri="{386F3935-93C4-4BCD-93E2-E3B085C9AB24}">
+                <p16:designElem xmlns:p16="http://schemas.microsoft.com/office/powerpoint/2015/main" val="1"/>
+              </p:ext>
+            </p:extLst>
+          </p:nvPr>
+        </p:nvSpPr>
+        <p:spPr>
+          <a:xfrm>
+            <a:off x="0" y="0"/>
+            <a:ext cx="3581400" cy="6858000"/>
+          </a:xfrm>
+          <a:custGeom>
+            <a:avLst/>
+            <a:gdLst>
+              <a:gd name="connsiteX0" fmla="*/ 0 w 3581400"/>
+              <a:gd name="connsiteY0" fmla="*/ 0 h 6858000"/>
+              <a:gd name="connsiteX1" fmla="*/ 405246 w 3581400"/>
+              <a:gd name="connsiteY1" fmla="*/ 0 h 6858000"/>
+              <a:gd name="connsiteX2" fmla="*/ 3581400 w 3581400"/>
+              <a:gd name="connsiteY2" fmla="*/ 6858000 h 6858000"/>
+              <a:gd name="connsiteX3" fmla="*/ 0 w 3581400"/>
+              <a:gd name="connsiteY3" fmla="*/ 6858000 h 6858000"/>
+            </a:gdLst>
+            <a:ahLst/>
+            <a:cxnLst>
+              <a:cxn ang="0">
+                <a:pos x="connsiteX0" y="connsiteY0"/>
+              </a:cxn>
+              <a:cxn ang="0">
+                <a:pos x="connsiteX1" y="connsiteY1"/>
+              </a:cxn>
+              <a:cxn ang="0">
+                <a:pos x="connsiteX2" y="connsiteY2"/>
+              </a:cxn>
+              <a:cxn ang="0">
+                <a:pos x="connsiteX3" y="connsiteY3"/>
+              </a:cxn>
+            </a:cxnLst>
+            <a:rect l="l" t="t" r="r" b="b"/>
+            <a:pathLst>
+              <a:path w="3581400" h="6858000">
+                <a:moveTo>
+                  <a:pt x="0" y="0"/>
+                </a:moveTo>
+                <a:lnTo>
+                  <a:pt x="405246" y="0"/>
+                </a:lnTo>
+                <a:lnTo>
+                  <a:pt x="3581400" y="6858000"/>
+                </a:lnTo>
+                <a:lnTo>
+                  <a:pt x="0" y="6858000"/>
+                </a:lnTo>
+                <a:close/>
+              </a:path>
+            </a:pathLst>
+          </a:custGeom>
+          <a:solidFill>
+            <a:schemeClr val="bg1">
+              <a:alpha val="30000"/>
+            </a:schemeClr>
+          </a:solidFill>
+          <a:ln>
+            <a:noFill/>
+          </a:ln>
+        </p:spPr>
+        <p:style>
+          <a:lnRef idx="2">
+            <a:schemeClr val="accent1">
+              <a:shade val="50000"/>
+            </a:schemeClr>
+          </a:lnRef>
+          <a:fillRef idx="1">
+            <a:schemeClr val="accent1"/>
+          </a:fillRef>
+          <a:effectRef idx="0">
+            <a:schemeClr val="accent1"/>
+          </a:effectRef>
+          <a:fontRef idx="minor">
+            <a:schemeClr val="lt1"/>
+          </a:fontRef>
+        </p:style>
+        <p:txBody>
+          <a:bodyPr wrap="square" rtlCol="0" anchor="ctr">
+            <a:noAutofit/>
+          </a:bodyPr>
+          <a:lstStyle/>
+          <a:p>
+            <a:pPr marL="0" marR="0" lvl="0" indent="0" algn="ctr" defTabSz="914400" rtl="0" eaLnBrk="1" fontAlgn="auto" latinLnBrk="0" hangingPunct="1">
+              <a:lnSpc>
+                <a:spcPct val="100000"/>
+              </a:lnSpc>
+              <a:spcBef>
+                <a:spcPts val="0"/>
+              </a:spcBef>
+              <a:spcAft>
+                <a:spcPts val="0"/>
+              </a:spcAft>
+              <a:buClrTx/>
+              <a:buSzTx/>
+              <a:buFontTx/>
+              <a:buNone/>
+              <a:tabLst/>
+              <a:defRPr/>
+            </a:pPr>
+            <a:endParaRPr kumimoji="0" lang="en-US" sz="1800" b="0" i="0" u="none" strike="noStrike" kern="1200" cap="none" spc="0" normalizeH="0" baseline="0" noProof="0">
+              <a:ln>
+                <a:noFill/>
+              </a:ln>
+              <a:solidFill>
+                <a:prstClr val="white"/>
+              </a:solidFill>
+              <a:effectLst/>
+              <a:uLnTx/>
+              <a:uFillTx/>
+              <a:latin typeface="Calibri" panose="020F0502020204030204"/>
+              <a:ea typeface="+mn-ea"/>
+              <a:cs typeface="+mn-cs"/>
+            </a:endParaRPr>
+          </a:p>
+        </p:txBody>
+      </p:sp>
+      <p:sp>
+        <p:nvSpPr>
+          <p:cNvPr id="3" name="Content Placeholder 2">
+            <a:extLst>
+              <a:ext uri="{FF2B5EF4-FFF2-40B4-BE49-F238E27FC236}">
+                <a16:creationId xmlns:a16="http://schemas.microsoft.com/office/drawing/2014/main" id="{B9CA2082-EC66-4DAE-BDA1-AC4D795676AF}"/>
+              </a:ext>
+            </a:extLst>
+          </p:cNvPr>
+          <p:cNvSpPr>
+            <a:spLocks noGrp="1"/>
+          </p:cNvSpPr>
+          <p:nvPr>
+            <p:ph idx="1"/>
+          </p:nvPr>
+        </p:nvSpPr>
+        <p:spPr>
+          <a:xfrm>
+            <a:off x="5103382" y="1865904"/>
+            <a:ext cx="6032552" cy="3156519"/>
+          </a:xfrm>
+        </p:spPr>
+        <p:txBody>
+          <a:bodyPr>
+            <a:noAutofit/>
+          </a:bodyPr>
+          <a:lstStyle/>
+          <a:p>
+            <a:pPr algn="l"/>
+            <a:r>
+              <a:rPr lang="en-US" sz="1400" b="0" i="0" dirty="0">
+                <a:effectLst/>
+                <a:latin typeface="Helvetica Neue"/>
+              </a:rPr>
+              <a:t>A dataset containing rainfall, temperature, volume drawn, hydrometry and depths at various locations linked to the </a:t>
+            </a:r>
+            <a:r>
+              <a:rPr lang="en-US" sz="1400" b="0" i="0" dirty="0" err="1">
+                <a:effectLst/>
+                <a:latin typeface="Helvetica Neue"/>
+              </a:rPr>
+              <a:t>Auser</a:t>
+            </a:r>
+            <a:r>
+              <a:rPr lang="en-US" sz="1400" b="0" i="0" dirty="0">
+                <a:effectLst/>
+                <a:latin typeface="Helvetica Neue"/>
+              </a:rPr>
+              <a:t> Aquifer was provided. </a:t>
+            </a:r>
+          </a:p>
+          <a:p>
+            <a:pPr algn="l"/>
+            <a:r>
+              <a:rPr lang="en-US" sz="1400" b="0" i="0" dirty="0">
+                <a:effectLst/>
+                <a:latin typeface="Helvetica Neue"/>
+              </a:rPr>
+              <a:t>This waterbody consists of two subsystems, split into north and south, where the former partly influences the behavior of the latter. The levels of the north subsystem are represented by the depths of the SAL, PAG, </a:t>
+            </a:r>
+            <a:r>
+              <a:rPr lang="en-US" sz="1400" b="0" i="0" dirty="0" err="1">
+                <a:effectLst/>
+                <a:latin typeface="Helvetica Neue"/>
+              </a:rPr>
+              <a:t>CoS</a:t>
+            </a:r>
+            <a:r>
+              <a:rPr lang="en-US" sz="1400" b="0" i="0" dirty="0">
+                <a:effectLst/>
+                <a:latin typeface="Helvetica Neue"/>
+              </a:rPr>
+              <a:t> and DIEC wells, while the levels of the south subsystem are represented by the depth of the LT2 well.</a:t>
+            </a:r>
+          </a:p>
+          <a:p>
+            <a:pPr algn="l"/>
+            <a:r>
+              <a:rPr lang="en-US" sz="1400" b="0" i="0" dirty="0">
+                <a:effectLst/>
+                <a:latin typeface="Helvetica Neue"/>
+              </a:rPr>
+              <a:t>The features to be predicted for this project are the depths of the SAL, </a:t>
+            </a:r>
+            <a:r>
+              <a:rPr lang="en-US" sz="1400" b="0" i="0" dirty="0" err="1">
+                <a:effectLst/>
+                <a:latin typeface="Helvetica Neue"/>
+              </a:rPr>
+              <a:t>CoS</a:t>
+            </a:r>
+            <a:r>
+              <a:rPr lang="en-US" sz="1400" b="0" i="0" dirty="0">
+                <a:effectLst/>
+                <a:latin typeface="Helvetica Neue"/>
+              </a:rPr>
+              <a:t> and LT2 wells. Features like rainfall and temperature affect features like depth to groundwater and hydrometry some time after. However, it is unknown how many days, weeks or months later that these effects are observed.</a:t>
+            </a:r>
+          </a:p>
+          <a:p>
+            <a:pPr algn="l"/>
+            <a:r>
+              <a:rPr lang="en-US" sz="1400" b="0" i="0" dirty="0">
+                <a:effectLst/>
+                <a:latin typeface="Helvetica Neue"/>
+              </a:rPr>
+              <a:t>This project aims to build models that can forecast the depths of the targeted variables 7 days ahead. EDA, data cleaning and feature engineering will be performed on the dataset given. Following which, time series and regression models will be tried to see which of these give the lowest RMSE.</a:t>
+            </a:r>
+          </a:p>
+        </p:txBody>
+      </p:sp>
+      <p:pic>
+        <p:nvPicPr>
+          <p:cNvPr id="1026" name="Picture 2" descr="The importance of data storytelling in the next decade of data">
+            <a:extLst>
+              <a:ext uri="{FF2B5EF4-FFF2-40B4-BE49-F238E27FC236}">
+                <a16:creationId xmlns:a16="http://schemas.microsoft.com/office/drawing/2014/main" id="{9DB10FBF-380F-4D3B-A771-6E9DB248BDB3}"/>
+              </a:ext>
+            </a:extLst>
+          </p:cNvPr>
+          <p:cNvPicPr>
+            <a:picLocks noChangeAspect="1" noChangeArrowheads="1"/>
+          </p:cNvPicPr>
+          <p:nvPr/>
+        </p:nvPicPr>
+        <p:blipFill>
+          <a:blip r:embed="rId2">
+            <a:extLst>
+              <a:ext uri="{28A0092B-C50C-407E-A947-70E740481C1C}">
+                <a14:useLocalDpi xmlns:a14="http://schemas.microsoft.com/office/drawing/2010/main" val="0"/>
+              </a:ext>
+            </a:extLst>
+          </a:blip>
+          <a:srcRect/>
+          <a:stretch>
+            <a:fillRect/>
+          </a:stretch>
+        </p:blipFill>
+        <p:spPr bwMode="auto">
+          <a:xfrm>
+            <a:off x="-169789" y="2189682"/>
+            <a:ext cx="5826941" cy="2475312"/>
+          </a:xfrm>
+          <a:prstGeom prst="rect">
+            <a:avLst/>
+          </a:prstGeom>
+          <a:noFill/>
+          <a:scene3d>
+            <a:camera prst="orthographicFront">
+              <a:rot lat="240000" lon="540000" rev="5400000"/>
+            </a:camera>
+            <a:lightRig rig="threePt" dir="t"/>
+          </a:scene3d>
+          <a:extLst>
+            <a:ext uri="{909E8E84-426E-40DD-AFC4-6F175D3DCCD1}">
+              <a14:hiddenFill xmlns:a14="http://schemas.microsoft.com/office/drawing/2010/main">
+                <a:solidFill>
+                  <a:srgbClr val="FFFFFF"/>
+                </a:solidFill>
+              </a14:hiddenFill>
+            </a:ext>
+          </a:extLst>
+        </p:spPr>
+      </p:pic>
+    </p:spTree>
+    <p:extLst>
+      <p:ext uri="{BB962C8B-B14F-4D97-AF65-F5344CB8AC3E}">
+        <p14:creationId xmlns:p14="http://schemas.microsoft.com/office/powerpoint/2010/main" val="385014036"/>
       </p:ext>
     </p:extLst>
   </p:cSld>
